--- a/Nashville Housing Market_final.pptx
+++ b/Nashville Housing Market_final.pptx
@@ -5,30 +5,27 @@
     <p:sldMasterId id="2147483775" r:id="rId1"/>
   </p:sldMasterIdLst>
   <p:notesMasterIdLst>
-    <p:notesMasterId r:id="rId20"/>
+    <p:notesMasterId r:id="rId17"/>
   </p:notesMasterIdLst>
   <p:handoutMasterIdLst>
-    <p:handoutMasterId r:id="rId21"/>
+    <p:handoutMasterId r:id="rId18"/>
   </p:handoutMasterIdLst>
   <p:sldIdLst>
     <p:sldId id="2549" r:id="rId2"/>
     <p:sldId id="2552" r:id="rId3"/>
     <p:sldId id="2570" r:id="rId4"/>
     <p:sldId id="2561" r:id="rId5"/>
-    <p:sldId id="270" r:id="rId6"/>
-    <p:sldId id="2574" r:id="rId7"/>
-    <p:sldId id="2562" r:id="rId8"/>
-    <p:sldId id="2571" r:id="rId9"/>
-    <p:sldId id="2564" r:id="rId10"/>
-    <p:sldId id="2565" r:id="rId11"/>
-    <p:sldId id="2572" r:id="rId12"/>
-    <p:sldId id="2563" r:id="rId13"/>
-    <p:sldId id="2573" r:id="rId14"/>
-    <p:sldId id="2566" r:id="rId15"/>
-    <p:sldId id="2567" r:id="rId16"/>
-    <p:sldId id="2569" r:id="rId17"/>
-    <p:sldId id="2568" r:id="rId18"/>
-    <p:sldId id="2547" r:id="rId19"/>
+    <p:sldId id="2574" r:id="rId6"/>
+    <p:sldId id="2562" r:id="rId7"/>
+    <p:sldId id="2564" r:id="rId8"/>
+    <p:sldId id="2565" r:id="rId9"/>
+    <p:sldId id="2563" r:id="rId10"/>
+    <p:sldId id="2573" r:id="rId11"/>
+    <p:sldId id="2566" r:id="rId12"/>
+    <p:sldId id="2567" r:id="rId13"/>
+    <p:sldId id="2569" r:id="rId14"/>
+    <p:sldId id="2568" r:id="rId15"/>
+    <p:sldId id="2547" r:id="rId16"/>
   </p:sldIdLst>
   <p:sldSz cx="12192000" cy="6858000"/>
   <p:notesSz cx="6858000" cy="9144000"/>
@@ -761,7 +758,7 @@
           <a:p>
             <a:fld id="{07D111EE-B1CE-3F40-8B0E-AB6A92B85452}" type="slidenum">
               <a:rPr lang="en-US" smtClean="0"/>
-              <a:t>6</a:t>
+              <a:t>5</a:t>
             </a:fld>
             <a:endParaRPr lang="en-US" dirty="0"/>
           </a:p>
@@ -824,36 +821,6 @@
           <a:bodyPr/>
           <a:lstStyle/>
           <a:p>
-            <a:pPr>
-              <a:buFont typeface="Wingdings" panose="05000000000000000000" pitchFamily="2" charset="2"/>
-              <a:buChar char="q"/>
-            </a:pPr>
-            <a:r>
-              <a:rPr lang="en-US" dirty="0"/>
-              <a:t> Florida remains the biggest contributor for volume of new TN residents with 50% increase since 2010</a:t>
-            </a:r>
-          </a:p>
-          <a:p>
-            <a:pPr>
-              <a:buFont typeface="Wingdings" panose="05000000000000000000" pitchFamily="2" charset="2"/>
-              <a:buChar char="q"/>
-            </a:pPr>
-            <a:r>
-              <a:rPr lang="en-US" dirty="0"/>
-              <a:t> For states showing 5K+ residents moving this way each year, Illinois (244%) and California (108%) have shown the most significant increase from 2010 to 2020, with trends expected to stay the same in 2022</a:t>
-            </a:r>
-          </a:p>
-          <a:p>
-            <a:pPr>
-              <a:buFont typeface="Wingdings" panose="05000000000000000000" pitchFamily="2" charset="2"/>
-              <a:buChar char="q"/>
-            </a:pPr>
-            <a:r>
-              <a:rPr lang="en-US" dirty="0"/>
-              <a:t> Of the top 10 contributors for volume, Virginia (-4%), Kentucky (-7%), and Alabama (-12%) have all shown a decrease since 2010. </a:t>
-            </a:r>
-          </a:p>
-          <a:p>
             <a:endParaRPr lang="en-US" dirty="0"/>
           </a:p>
         </p:txBody>
@@ -873,9 +840,9 @@
           <a:bodyPr/>
           <a:lstStyle/>
           <a:p>
-            <a:fld id="{07D111EE-B1CE-3F40-8B0E-AB6A92B85452}" type="slidenum">
+            <a:fld id="{0B9CF3A1-9863-43A3-B39B-8E6FEFD6E20B}" type="slidenum">
               <a:rPr lang="en-US" smtClean="0"/>
-              <a:t>11</a:t>
+              <a:t>14</a:t>
             </a:fld>
             <a:endParaRPr lang="en-US" dirty="0"/>
           </a:p>
@@ -884,7 +851,7 @@
     </p:spTree>
     <p:extLst>
       <p:ext uri="{BB962C8B-B14F-4D97-AF65-F5344CB8AC3E}">
-        <p14:creationId xmlns:p14="http://schemas.microsoft.com/office/powerpoint/2010/main" val="2504688375"/>
+        <p14:creationId xmlns:p14="http://schemas.microsoft.com/office/powerpoint/2010/main" val="3589647793"/>
       </p:ext>
     </p:extLst>
   </p:cSld>
@@ -938,90 +905,6 @@
           <a:bodyPr/>
           <a:lstStyle/>
           <a:p>
-            <a:endParaRPr lang="en-US" dirty="0"/>
-          </a:p>
-        </p:txBody>
-      </p:sp>
-      <p:sp>
-        <p:nvSpPr>
-          <p:cNvPr id="4" name="Slide Number Placeholder 3"/>
-          <p:cNvSpPr>
-            <a:spLocks noGrp="1"/>
-          </p:cNvSpPr>
-          <p:nvPr>
-            <p:ph type="sldNum" sz="quarter" idx="5"/>
-          </p:nvPr>
-        </p:nvSpPr>
-        <p:spPr/>
-        <p:txBody>
-          <a:bodyPr/>
-          <a:lstStyle/>
-          <a:p>
-            <a:fld id="{0B9CF3A1-9863-43A3-B39B-8E6FEFD6E20B}" type="slidenum">
-              <a:rPr lang="en-US" smtClean="0"/>
-              <a:t>17</a:t>
-            </a:fld>
-            <a:endParaRPr lang="en-US" dirty="0"/>
-          </a:p>
-        </p:txBody>
-      </p:sp>
-    </p:spTree>
-    <p:extLst>
-      <p:ext uri="{BB962C8B-B14F-4D97-AF65-F5344CB8AC3E}">
-        <p14:creationId xmlns:p14="http://schemas.microsoft.com/office/powerpoint/2010/main" val="3589647793"/>
-      </p:ext>
-    </p:extLst>
-  </p:cSld>
-  <p:clrMapOvr>
-    <a:masterClrMapping/>
-  </p:clrMapOvr>
-</p:notes>
-</file>
-
-<file path=ppt/notesSlides/notesSlide4.xml><?xml version="1.0" encoding="utf-8"?>
-<p:notes xmlns:a="http://schemas.openxmlformats.org/drawingml/2006/main" xmlns:r="http://schemas.openxmlformats.org/officeDocument/2006/relationships" xmlns:p="http://schemas.openxmlformats.org/presentationml/2006/main">
-  <p:cSld>
-    <p:spTree>
-      <p:nvGrpSpPr>
-        <p:cNvPr id="1" name=""/>
-        <p:cNvGrpSpPr/>
-        <p:nvPr/>
-      </p:nvGrpSpPr>
-      <p:grpSpPr>
-        <a:xfrm>
-          <a:off x="0" y="0"/>
-          <a:ext cx="0" cy="0"/>
-          <a:chOff x="0" y="0"/>
-          <a:chExt cx="0" cy="0"/>
-        </a:xfrm>
-      </p:grpSpPr>
-      <p:sp>
-        <p:nvSpPr>
-          <p:cNvPr id="2" name="Slide Image Placeholder 1"/>
-          <p:cNvSpPr>
-            <a:spLocks noGrp="1" noRot="1" noChangeAspect="1"/>
-          </p:cNvSpPr>
-          <p:nvPr>
-            <p:ph type="sldImg"/>
-          </p:nvPr>
-        </p:nvSpPr>
-        <p:spPr/>
-      </p:sp>
-      <p:sp>
-        <p:nvSpPr>
-          <p:cNvPr id="3" name="Notes Placeholder 2"/>
-          <p:cNvSpPr>
-            <a:spLocks noGrp="1"/>
-          </p:cNvSpPr>
-          <p:nvPr>
-            <p:ph type="body" idx="1"/>
-          </p:nvPr>
-        </p:nvSpPr>
-        <p:spPr/>
-        <p:txBody>
-          <a:bodyPr/>
-          <a:lstStyle/>
-          <a:p>
             <a:pPr marL="0" marR="0" lvl="0" indent="0" algn="l" defTabSz="914400" rtl="0" eaLnBrk="1" fontAlgn="auto" latinLnBrk="0" hangingPunct="1">
               <a:lnSpc>
                 <a:spcPct val="100000"/>
@@ -1066,7 +949,7 @@
           <a:p>
             <a:fld id="{0B9CF3A1-9863-43A3-B39B-8E6FEFD6E20B}" type="slidenum">
               <a:rPr lang="en-US" smtClean="0"/>
-              <a:t>18</a:t>
+              <a:t>15</a:t>
             </a:fld>
             <a:endParaRPr lang="en-US" dirty="0"/>
           </a:p>
@@ -9599,7 +9482,7 @@
           <a:p>
             <a:r>
               <a:rPr lang="en-US" dirty="0"/>
-              <a:t>Kala Mckinney 12/20/2022</a:t>
+              <a:t>Kala Mckinney 1/5/2022</a:t>
             </a:r>
           </a:p>
           <a:p>
@@ -9698,17 +9581,17 @@
           <a:p>
             <a:r>
               <a:rPr lang="en-US" sz="3600" dirty="0"/>
-              <a:t>Migratory Patterns</a:t>
+              <a:t>Buying Trends</a:t>
             </a:r>
           </a:p>
         </p:txBody>
       </p:sp>
       <p:grpSp>
         <p:nvGrpSpPr>
-          <p:cNvPr id="12" name="Group 11">
-            <a:extLst>
-              <a:ext uri="{FF2B5EF4-FFF2-40B4-BE49-F238E27FC236}">
-                <a16:creationId xmlns:a16="http://schemas.microsoft.com/office/drawing/2014/main" id="{E6369D1F-A2D4-82E7-C221-CC6AB3377D98}"/>
+          <p:cNvPr id="8" name="Group 7">
+            <a:extLst>
+              <a:ext uri="{FF2B5EF4-FFF2-40B4-BE49-F238E27FC236}">
+                <a16:creationId xmlns:a16="http://schemas.microsoft.com/office/drawing/2014/main" id="{149E49A8-3B37-634C-FB60-C83A3A68E3CD}"/>
               </a:ext>
             </a:extLst>
           </p:cNvPr>
@@ -9717,119 +9600,103 @@
         </p:nvGrpSpPr>
         <p:grpSpPr>
           <a:xfrm>
-            <a:off x="844162" y="1263192"/>
-            <a:ext cx="4265166" cy="3048912"/>
-            <a:chOff x="636772" y="2353741"/>
-            <a:chExt cx="5526789" cy="3400664"/>
+            <a:off x="1446191" y="1119966"/>
+            <a:ext cx="9299618" cy="4867760"/>
+            <a:chOff x="1567086" y="1119966"/>
+            <a:chExt cx="9299618" cy="4867760"/>
           </a:xfrm>
         </p:grpSpPr>
-        <p:grpSp>
-          <p:nvGrpSpPr>
-            <p:cNvPr id="10" name="Group 9">
+        <p:pic>
+          <p:nvPicPr>
+            <p:cNvPr id="13" name="Picture 12">
               <a:extLst>
                 <a:ext uri="{FF2B5EF4-FFF2-40B4-BE49-F238E27FC236}">
-                  <a16:creationId xmlns:a16="http://schemas.microsoft.com/office/drawing/2014/main" id="{B418CC58-211B-301E-DC0A-F8F7BD299734}"/>
+                  <a16:creationId xmlns:a16="http://schemas.microsoft.com/office/drawing/2014/main" id="{9DCC9FFC-95B0-344B-9203-BB57309F2FC8}"/>
                 </a:ext>
               </a:extLst>
             </p:cNvPr>
-            <p:cNvGrpSpPr/>
+            <p:cNvPicPr>
+              <a:picLocks noChangeAspect="1"/>
+            </p:cNvPicPr>
             <p:nvPr/>
-          </p:nvGrpSpPr>
-          <p:grpSpPr>
+          </p:nvPicPr>
+          <p:blipFill>
+            <a:blip r:embed="rId2"/>
+            <a:stretch>
+              <a:fillRect/>
+            </a:stretch>
+          </p:blipFill>
+          <p:spPr>
             <a:xfrm>
-              <a:off x="636772" y="2828041"/>
-              <a:ext cx="5526789" cy="2926364"/>
-              <a:chOff x="636772" y="2828041"/>
-              <a:chExt cx="5526789" cy="2926364"/>
+              <a:off x="1567086" y="1119966"/>
+              <a:ext cx="9299618" cy="4867760"/>
             </a:xfrm>
-          </p:grpSpPr>
-          <p:pic>
-            <p:nvPicPr>
-              <p:cNvPr id="7" name="Picture 6">
-                <a:extLst>
-                  <a:ext uri="{FF2B5EF4-FFF2-40B4-BE49-F238E27FC236}">
-                    <a16:creationId xmlns:a16="http://schemas.microsoft.com/office/drawing/2014/main" id="{5EC5C4BB-343C-1B6B-2E0E-845EB7311838}"/>
-                  </a:ext>
-                </a:extLst>
-              </p:cNvPr>
-              <p:cNvPicPr>
-                <a:picLocks noChangeAspect="1"/>
-              </p:cNvPicPr>
-              <p:nvPr/>
-            </p:nvPicPr>
-            <p:blipFill>
-              <a:blip r:embed="rId2"/>
-              <a:stretch>
-                <a:fillRect/>
-              </a:stretch>
-            </p:blipFill>
-            <p:spPr>
-              <a:xfrm>
-                <a:off x="636772" y="2828041"/>
-                <a:ext cx="5526789" cy="2926364"/>
-              </a:xfrm>
-              <a:prstGeom prst="rect">
-                <a:avLst/>
-              </a:prstGeom>
-              <a:ln>
-                <a:noFill/>
-              </a:ln>
-              <a:effectLst>
-                <a:outerShdw blurRad="292100" dist="139700" dir="2700000" algn="tl" rotWithShape="0">
-                  <a:srgbClr val="333333">
-                    <a:alpha val="65000"/>
-                  </a:srgbClr>
-                </a:outerShdw>
-              </a:effectLst>
-            </p:spPr>
-          </p:pic>
-          <p:pic>
-            <p:nvPicPr>
-              <p:cNvPr id="9" name="Picture 8">
-                <a:extLst>
-                  <a:ext uri="{FF2B5EF4-FFF2-40B4-BE49-F238E27FC236}">
-                    <a16:creationId xmlns:a16="http://schemas.microsoft.com/office/drawing/2014/main" id="{08A44DEE-A572-82E5-8252-AC2805829E18}"/>
-                  </a:ext>
-                </a:extLst>
-              </p:cNvPr>
-              <p:cNvPicPr>
-                <a:picLocks noChangeAspect="1"/>
-              </p:cNvPicPr>
-              <p:nvPr/>
-            </p:nvPicPr>
-            <p:blipFill>
-              <a:blip r:embed="rId3"/>
-              <a:stretch>
-                <a:fillRect/>
-              </a:stretch>
-            </p:blipFill>
-            <p:spPr>
-              <a:xfrm>
-                <a:off x="3802609" y="2828041"/>
-                <a:ext cx="2360952" cy="194798"/>
-              </a:xfrm>
-              <a:prstGeom prst="rect">
-                <a:avLst/>
-              </a:prstGeom>
-              <a:ln>
-                <a:noFill/>
-              </a:ln>
-              <a:effectLst>
-                <a:outerShdw blurRad="292100" dist="139700" dir="2700000" algn="tl" rotWithShape="0">
-                  <a:srgbClr val="333333">
-                    <a:alpha val="65000"/>
-                  </a:srgbClr>
-                </a:outerShdw>
-              </a:effectLst>
-            </p:spPr>
-          </p:pic>
-        </p:grpSp>
+            <a:prstGeom prst="rect">
+              <a:avLst/>
+            </a:prstGeom>
+            <a:ln>
+              <a:noFill/>
+            </a:ln>
+            <a:effectLst>
+              <a:outerShdw blurRad="292100" dist="139700" dir="2700000" algn="tl" rotWithShape="0">
+                <a:srgbClr val="333333">
+                  <a:alpha val="65000"/>
+                </a:srgbClr>
+              </a:outerShdw>
+            </a:effectLst>
+          </p:spPr>
+        </p:pic>
+        <p:cxnSp>
+          <p:nvCxnSpPr>
+            <p:cNvPr id="21" name="Straight Arrow Connector 20">
+              <a:extLst>
+                <a:ext uri="{FF2B5EF4-FFF2-40B4-BE49-F238E27FC236}">
+                  <a16:creationId xmlns:a16="http://schemas.microsoft.com/office/drawing/2014/main" id="{CC3C5C9C-1D49-E294-94B3-8AB4553FF1AF}"/>
+                </a:ext>
+              </a:extLst>
+            </p:cNvPr>
+            <p:cNvCxnSpPr>
+              <a:cxnSpLocks/>
+            </p:cNvCxnSpPr>
+            <p:nvPr/>
+          </p:nvCxnSpPr>
+          <p:spPr>
+            <a:xfrm flipV="1">
+              <a:off x="2462023" y="3314016"/>
+              <a:ext cx="4882370" cy="1177248"/>
+            </a:xfrm>
+            <a:prstGeom prst="straightConnector1">
+              <a:avLst/>
+            </a:prstGeom>
+            <a:ln w="12700">
+              <a:solidFill>
+                <a:schemeClr val="tx1"/>
+              </a:solidFill>
+              <a:headEnd type="triangle"/>
+              <a:tailEnd type="triangle"/>
+            </a:ln>
+          </p:spPr>
+          <p:style>
+            <a:lnRef idx="1">
+              <a:schemeClr val="accent1"/>
+            </a:lnRef>
+            <a:fillRef idx="0">
+              <a:schemeClr val="accent1"/>
+            </a:fillRef>
+            <a:effectRef idx="0">
+              <a:schemeClr val="accent1"/>
+            </a:effectRef>
+            <a:fontRef idx="minor">
+              <a:schemeClr val="tx1"/>
+            </a:fontRef>
+          </p:style>
+        </p:cxnSp>
         <p:sp>
           <p:nvSpPr>
-            <p:cNvPr id="11" name="TextBox 10">
+            <p:cNvPr id="24" name="TextBox 23">
               <a:extLst>
                 <a:ext uri="{FF2B5EF4-FFF2-40B4-BE49-F238E27FC236}">
-                  <a16:creationId xmlns:a16="http://schemas.microsoft.com/office/drawing/2014/main" id="{8D8EC91D-195D-E46E-8E2E-E64070A5909D}"/>
+                  <a16:creationId xmlns:a16="http://schemas.microsoft.com/office/drawing/2014/main" id="{4BF245AC-54EC-59FF-049F-FCD6F734CDD8}"/>
                 </a:ext>
               </a:extLst>
             </p:cNvPr>
@@ -9837,9 +9704,9 @@
             <p:nvPr/>
           </p:nvSpPr>
           <p:spPr>
-            <a:xfrm>
-              <a:off x="1995572" y="2353741"/>
-              <a:ext cx="2809188" cy="369332"/>
+            <a:xfrm rot="20848286">
+              <a:off x="2886875" y="3573952"/>
+              <a:ext cx="3841173" cy="338554"/>
             </a:xfrm>
             <a:prstGeom prst="rect">
               <a:avLst/>
@@ -9854,19 +9721,152 @@
             <a:p>
               <a:pPr algn="ctr"/>
               <a:r>
-                <a:rPr lang="en-US" b="1" dirty="0"/>
-                <a:t>2010</a:t>
+                <a:rPr lang="en-US" sz="1600" dirty="0">
+                  <a:latin typeface="Din"/>
+                </a:rPr>
+                <a:t>Average </a:t>
+              </a:r>
+              <a:r>
+                <a:rPr lang="en-US" sz="1600" dirty="0">
+                  <a:solidFill>
+                    <a:srgbClr val="00B050"/>
+                  </a:solidFill>
+                  <a:latin typeface="Din"/>
+                </a:rPr>
+                <a:t>+7% </a:t>
+              </a:r>
+              <a:r>
+                <a:rPr lang="en-US" sz="1600" dirty="0">
+                  <a:latin typeface="Din"/>
+                </a:rPr>
+                <a:t>YoY</a:t>
               </a:r>
             </a:p>
           </p:txBody>
         </p:sp>
+        <p:sp>
+          <p:nvSpPr>
+            <p:cNvPr id="29" name="TextBox 28">
+              <a:extLst>
+                <a:ext uri="{FF2B5EF4-FFF2-40B4-BE49-F238E27FC236}">
+                  <a16:creationId xmlns:a16="http://schemas.microsoft.com/office/drawing/2014/main" id="{D4F667D7-53D8-9F92-8ADF-CEB4388FCE05}"/>
+                </a:ext>
+              </a:extLst>
+            </p:cNvPr>
+            <p:cNvSpPr txBox="1"/>
+            <p:nvPr/>
+          </p:nvSpPr>
+          <p:spPr>
+            <a:xfrm>
+              <a:off x="7796788" y="2290456"/>
+              <a:ext cx="1348352" cy="338554"/>
+            </a:xfrm>
+            <a:prstGeom prst="rect">
+              <a:avLst/>
+            </a:prstGeom>
+            <a:noFill/>
+          </p:spPr>
+          <p:txBody>
+            <a:bodyPr wrap="square" rtlCol="0">
+              <a:spAutoFit/>
+            </a:bodyPr>
+            <a:lstStyle/>
+            <a:p>
+              <a:pPr algn="ctr"/>
+              <a:r>
+                <a:rPr lang="en-US" sz="1600" dirty="0">
+                  <a:solidFill>
+                    <a:srgbClr val="00B050"/>
+                  </a:solidFill>
+                  <a:latin typeface="Din"/>
+                </a:rPr>
+                <a:t>+41%</a:t>
+              </a:r>
+            </a:p>
+          </p:txBody>
+        </p:sp>
+        <p:cxnSp>
+          <p:nvCxnSpPr>
+            <p:cNvPr id="25" name="Straight Arrow Connector 24">
+              <a:extLst>
+                <a:ext uri="{FF2B5EF4-FFF2-40B4-BE49-F238E27FC236}">
+                  <a16:creationId xmlns:a16="http://schemas.microsoft.com/office/drawing/2014/main" id="{835B65CF-FED4-A8B1-BFC9-570C398795E4}"/>
+                </a:ext>
+              </a:extLst>
+            </p:cNvPr>
+            <p:cNvCxnSpPr>
+              <a:cxnSpLocks/>
+            </p:cNvCxnSpPr>
+            <p:nvPr/>
+          </p:nvCxnSpPr>
+          <p:spPr>
+            <a:xfrm flipV="1">
+              <a:off x="7419975" y="1876777"/>
+              <a:ext cx="2371725" cy="1408447"/>
+            </a:xfrm>
+            <a:prstGeom prst="straightConnector1">
+              <a:avLst/>
+            </a:prstGeom>
+            <a:ln w="12700">
+              <a:solidFill>
+                <a:schemeClr val="tx1"/>
+              </a:solidFill>
+              <a:headEnd type="triangle"/>
+              <a:tailEnd type="triangle"/>
+            </a:ln>
+          </p:spPr>
+          <p:style>
+            <a:lnRef idx="1">
+              <a:schemeClr val="accent1"/>
+            </a:lnRef>
+            <a:fillRef idx="0">
+              <a:schemeClr val="accent1"/>
+            </a:fillRef>
+            <a:effectRef idx="0">
+              <a:schemeClr val="accent1"/>
+            </a:effectRef>
+            <a:fontRef idx="minor">
+              <a:schemeClr val="tx1"/>
+            </a:fontRef>
+          </p:style>
+        </p:cxnSp>
       </p:grpSp>
+    </p:spTree>
+    <p:extLst>
+      <p:ext uri="{BB962C8B-B14F-4D97-AF65-F5344CB8AC3E}">
+        <p14:creationId xmlns:p14="http://schemas.microsoft.com/office/powerpoint/2010/main" val="1400315187"/>
+      </p:ext>
+    </p:extLst>
+  </p:cSld>
+  <p:clrMapOvr>
+    <a:masterClrMapping/>
+  </p:clrMapOvr>
+</p:sld>
+</file>
+
+<file path=ppt/slides/slide11.xml><?xml version="1.0" encoding="utf-8"?>
+<p:sld xmlns:a="http://schemas.openxmlformats.org/drawingml/2006/main" xmlns:r="http://schemas.openxmlformats.org/officeDocument/2006/relationships" xmlns:p="http://schemas.openxmlformats.org/presentationml/2006/main">
+  <p:cSld>
+    <p:spTree>
+      <p:nvGrpSpPr>
+        <p:cNvPr id="1" name=""/>
+        <p:cNvGrpSpPr/>
+        <p:nvPr/>
+      </p:nvGrpSpPr>
+      <p:grpSpPr>
+        <a:xfrm>
+          <a:off x="0" y="0"/>
+          <a:ext cx="0" cy="0"/>
+          <a:chOff x="0" y="0"/>
+          <a:chExt cx="0" cy="0"/>
+        </a:xfrm>
+      </p:grpSpPr>
       <p:pic>
         <p:nvPicPr>
-          <p:cNvPr id="14" name="Picture 13">
-            <a:extLst>
-              <a:ext uri="{FF2B5EF4-FFF2-40B4-BE49-F238E27FC236}">
-                <a16:creationId xmlns:a16="http://schemas.microsoft.com/office/drawing/2014/main" id="{FC9CFAA2-134C-B55A-079D-1773C1135159}"/>
+          <p:cNvPr id="39" name="Picture 38">
+            <a:extLst>
+              <a:ext uri="{FF2B5EF4-FFF2-40B4-BE49-F238E27FC236}">
+                <a16:creationId xmlns:a16="http://schemas.microsoft.com/office/drawing/2014/main" id="{776C9052-254D-F5F0-20C8-F0083B44AB17}"/>
               </a:ext>
             </a:extLst>
           </p:cNvPr>
@@ -9876,15 +9876,15 @@
           <p:nvPr/>
         </p:nvPicPr>
         <p:blipFill>
-          <a:blip r:embed="rId4"/>
+          <a:blip r:embed="rId2"/>
           <a:stretch>
             <a:fillRect/>
           </a:stretch>
         </p:blipFill>
         <p:spPr>
           <a:xfrm>
-            <a:off x="6601538" y="1688432"/>
-            <a:ext cx="4265166" cy="2623672"/>
+            <a:off x="955378" y="1129359"/>
+            <a:ext cx="10281245" cy="4945400"/>
           </a:xfrm>
           <a:prstGeom prst="rect">
             <a:avLst/>
@@ -9903,10 +9903,90 @@
       </p:pic>
       <p:sp>
         <p:nvSpPr>
-          <p:cNvPr id="15" name="TextBox 14">
-            <a:extLst>
-              <a:ext uri="{FF2B5EF4-FFF2-40B4-BE49-F238E27FC236}">
-                <a16:creationId xmlns:a16="http://schemas.microsoft.com/office/drawing/2014/main" id="{2F608914-6A0A-DFF0-49D2-DAE6E22CC2D3}"/>
+          <p:cNvPr id="2" name="Title 1">
+            <a:extLst>
+              <a:ext uri="{FF2B5EF4-FFF2-40B4-BE49-F238E27FC236}">
+                <a16:creationId xmlns:a16="http://schemas.microsoft.com/office/drawing/2014/main" id="{389FD03E-798E-4118-B7D4-3E85419647BA}"/>
+              </a:ext>
+            </a:extLst>
+          </p:cNvPr>
+          <p:cNvSpPr>
+            <a:spLocks noGrp="1"/>
+          </p:cNvSpPr>
+          <p:nvPr>
+            <p:ph type="title"/>
+          </p:nvPr>
+        </p:nvSpPr>
+        <p:spPr>
+          <a:xfrm>
+            <a:off x="413855" y="262132"/>
+            <a:ext cx="10452849" cy="910492"/>
+          </a:xfrm>
+        </p:spPr>
+        <p:txBody>
+          <a:bodyPr>
+            <a:normAutofit/>
+          </a:bodyPr>
+          <a:lstStyle/>
+          <a:p>
+            <a:r>
+              <a:rPr lang="en-US" sz="3600" dirty="0"/>
+              <a:t>Buying Trends</a:t>
+            </a:r>
+          </a:p>
+        </p:txBody>
+      </p:sp>
+      <p:cxnSp>
+        <p:nvCxnSpPr>
+          <p:cNvPr id="31" name="Straight Arrow Connector 30">
+            <a:extLst>
+              <a:ext uri="{FF2B5EF4-FFF2-40B4-BE49-F238E27FC236}">
+                <a16:creationId xmlns:a16="http://schemas.microsoft.com/office/drawing/2014/main" id="{EB2940E2-6537-1E40-6351-089784D6A986}"/>
+              </a:ext>
+            </a:extLst>
+          </p:cNvPr>
+          <p:cNvCxnSpPr>
+            <a:cxnSpLocks/>
+          </p:cNvCxnSpPr>
+          <p:nvPr/>
+        </p:nvCxnSpPr>
+        <p:spPr>
+          <a:xfrm>
+            <a:off x="7934325" y="2710098"/>
+            <a:ext cx="2495550" cy="2119077"/>
+          </a:xfrm>
+          <a:prstGeom prst="straightConnector1">
+            <a:avLst/>
+          </a:prstGeom>
+          <a:ln w="12700">
+            <a:solidFill>
+              <a:schemeClr val="tx1"/>
+            </a:solidFill>
+            <a:headEnd type="triangle"/>
+            <a:tailEnd type="triangle"/>
+          </a:ln>
+        </p:spPr>
+        <p:style>
+          <a:lnRef idx="1">
+            <a:schemeClr val="accent1"/>
+          </a:lnRef>
+          <a:fillRef idx="0">
+            <a:schemeClr val="accent1"/>
+          </a:fillRef>
+          <a:effectRef idx="0">
+            <a:schemeClr val="accent1"/>
+          </a:effectRef>
+          <a:fontRef idx="minor">
+            <a:schemeClr val="tx1"/>
+          </a:fontRef>
+        </p:style>
+      </p:cxnSp>
+      <p:sp>
+        <p:nvSpPr>
+          <p:cNvPr id="32" name="TextBox 31">
+            <a:extLst>
+              <a:ext uri="{FF2B5EF4-FFF2-40B4-BE49-F238E27FC236}">
+                <a16:creationId xmlns:a16="http://schemas.microsoft.com/office/drawing/2014/main" id="{6BF74F69-F66F-FC64-7355-E23A464EA4D9}"/>
               </a:ext>
             </a:extLst>
           </p:cNvPr>
@@ -9915,7 +9995,3142 @@
         </p:nvSpPr>
         <p:spPr>
           <a:xfrm>
-            <a:off x="7650159" y="1277928"/>
+            <a:off x="8220710" y="3361337"/>
+            <a:ext cx="1998345" cy="338554"/>
+          </a:xfrm>
+          <a:prstGeom prst="rect">
+            <a:avLst/>
+          </a:prstGeom>
+          <a:noFill/>
+        </p:spPr>
+        <p:txBody>
+          <a:bodyPr wrap="square" rtlCol="0">
+            <a:spAutoFit/>
+          </a:bodyPr>
+          <a:lstStyle/>
+          <a:p>
+            <a:pPr algn="ctr"/>
+            <a:r>
+              <a:rPr lang="en-US" sz="1600" dirty="0">
+                <a:solidFill>
+                  <a:srgbClr val="FF0000"/>
+                </a:solidFill>
+                <a:latin typeface="Din"/>
+              </a:rPr>
+              <a:t>-43%</a:t>
+            </a:r>
+          </a:p>
+        </p:txBody>
+      </p:sp>
+    </p:spTree>
+    <p:extLst>
+      <p:ext uri="{BB962C8B-B14F-4D97-AF65-F5344CB8AC3E}">
+        <p14:creationId xmlns:p14="http://schemas.microsoft.com/office/powerpoint/2010/main" val="1007204279"/>
+      </p:ext>
+    </p:extLst>
+  </p:cSld>
+  <p:clrMapOvr>
+    <a:masterClrMapping/>
+  </p:clrMapOvr>
+</p:sld>
+</file>
+
+<file path=ppt/slides/slide12.xml><?xml version="1.0" encoding="utf-8"?>
+<p:sld xmlns:a="http://schemas.openxmlformats.org/drawingml/2006/main" xmlns:r="http://schemas.openxmlformats.org/officeDocument/2006/relationships" xmlns:p="http://schemas.openxmlformats.org/presentationml/2006/main">
+  <p:cSld>
+    <p:spTree>
+      <p:nvGrpSpPr>
+        <p:cNvPr id="1" name=""/>
+        <p:cNvGrpSpPr/>
+        <p:nvPr/>
+      </p:nvGrpSpPr>
+      <p:grpSpPr>
+        <a:xfrm>
+          <a:off x="0" y="0"/>
+          <a:ext cx="0" cy="0"/>
+          <a:chOff x="0" y="0"/>
+          <a:chExt cx="0" cy="0"/>
+        </a:xfrm>
+      </p:grpSpPr>
+      <p:sp>
+        <p:nvSpPr>
+          <p:cNvPr id="2" name="Title 1">
+            <a:extLst>
+              <a:ext uri="{FF2B5EF4-FFF2-40B4-BE49-F238E27FC236}">
+                <a16:creationId xmlns:a16="http://schemas.microsoft.com/office/drawing/2014/main" id="{389FD03E-798E-4118-B7D4-3E85419647BA}"/>
+              </a:ext>
+            </a:extLst>
+          </p:cNvPr>
+          <p:cNvSpPr>
+            <a:spLocks noGrp="1"/>
+          </p:cNvSpPr>
+          <p:nvPr>
+            <p:ph type="title"/>
+          </p:nvPr>
+        </p:nvSpPr>
+        <p:spPr>
+          <a:xfrm>
+            <a:off x="413855" y="262132"/>
+            <a:ext cx="10452849" cy="910492"/>
+          </a:xfrm>
+        </p:spPr>
+        <p:txBody>
+          <a:bodyPr>
+            <a:normAutofit/>
+          </a:bodyPr>
+          <a:lstStyle/>
+          <a:p>
+            <a:r>
+              <a:rPr lang="en-US" sz="3600" dirty="0"/>
+              <a:t>Are more people renting than buying?</a:t>
+            </a:r>
+          </a:p>
+        </p:txBody>
+      </p:sp>
+      <p:pic>
+        <p:nvPicPr>
+          <p:cNvPr id="6" name="Picture 5">
+            <a:extLst>
+              <a:ext uri="{FF2B5EF4-FFF2-40B4-BE49-F238E27FC236}">
+                <a16:creationId xmlns:a16="http://schemas.microsoft.com/office/drawing/2014/main" id="{4660FAC0-23CD-8AFA-D309-8992230790DD}"/>
+              </a:ext>
+            </a:extLst>
+          </p:cNvPr>
+          <p:cNvPicPr>
+            <a:picLocks noChangeAspect="1"/>
+          </p:cNvPicPr>
+          <p:nvPr/>
+        </p:nvPicPr>
+        <p:blipFill>
+          <a:blip r:embed="rId2"/>
+          <a:stretch>
+            <a:fillRect/>
+          </a:stretch>
+        </p:blipFill>
+        <p:spPr>
+          <a:xfrm>
+            <a:off x="1776053" y="1080385"/>
+            <a:ext cx="8639895" cy="5172778"/>
+          </a:xfrm>
+          <a:prstGeom prst="rect">
+            <a:avLst/>
+          </a:prstGeom>
+          <a:ln>
+            <a:noFill/>
+          </a:ln>
+          <a:effectLst>
+            <a:outerShdw blurRad="292100" dist="139700" dir="2700000" algn="tl" rotWithShape="0">
+              <a:srgbClr val="333333">
+                <a:alpha val="65000"/>
+              </a:srgbClr>
+            </a:outerShdw>
+          </a:effectLst>
+        </p:spPr>
+      </p:pic>
+      <p:sp>
+        <p:nvSpPr>
+          <p:cNvPr id="7" name="TextBox 6">
+            <a:extLst>
+              <a:ext uri="{FF2B5EF4-FFF2-40B4-BE49-F238E27FC236}">
+                <a16:creationId xmlns:a16="http://schemas.microsoft.com/office/drawing/2014/main" id="{6BDBD346-F04C-5737-13F0-ED734A2F2232}"/>
+              </a:ext>
+            </a:extLst>
+          </p:cNvPr>
+          <p:cNvSpPr txBox="1"/>
+          <p:nvPr/>
+        </p:nvSpPr>
+        <p:spPr>
+          <a:xfrm>
+            <a:off x="7296151" y="5254395"/>
+            <a:ext cx="1257300" cy="523220"/>
+          </a:xfrm>
+          <a:prstGeom prst="rect">
+            <a:avLst/>
+          </a:prstGeom>
+          <a:noFill/>
+        </p:spPr>
+        <p:txBody>
+          <a:bodyPr wrap="square" rtlCol="0">
+            <a:spAutoFit/>
+          </a:bodyPr>
+          <a:lstStyle/>
+          <a:p>
+            <a:pPr algn="ctr"/>
+            <a:r>
+              <a:rPr lang="en-US" sz="1400" i="1" dirty="0">
+                <a:latin typeface="Din"/>
+              </a:rPr>
+              <a:t>Census Data Not Available</a:t>
+            </a:r>
+          </a:p>
+        </p:txBody>
+      </p:sp>
+    </p:spTree>
+    <p:extLst>
+      <p:ext uri="{BB962C8B-B14F-4D97-AF65-F5344CB8AC3E}">
+        <p14:creationId xmlns:p14="http://schemas.microsoft.com/office/powerpoint/2010/main" val="3685414779"/>
+      </p:ext>
+    </p:extLst>
+  </p:cSld>
+  <p:clrMapOvr>
+    <a:masterClrMapping/>
+  </p:clrMapOvr>
+</p:sld>
+</file>
+
+<file path=ppt/slides/slide13.xml><?xml version="1.0" encoding="utf-8"?>
+<p:sld xmlns:a="http://schemas.openxmlformats.org/drawingml/2006/main" xmlns:r="http://schemas.openxmlformats.org/officeDocument/2006/relationships" xmlns:p="http://schemas.openxmlformats.org/presentationml/2006/main">
+  <p:cSld>
+    <p:spTree>
+      <p:nvGrpSpPr>
+        <p:cNvPr id="1" name=""/>
+        <p:cNvGrpSpPr/>
+        <p:nvPr/>
+      </p:nvGrpSpPr>
+      <p:grpSpPr>
+        <a:xfrm>
+          <a:off x="0" y="0"/>
+          <a:ext cx="0" cy="0"/>
+          <a:chOff x="0" y="0"/>
+          <a:chExt cx="0" cy="0"/>
+        </a:xfrm>
+      </p:grpSpPr>
+      <p:sp>
+        <p:nvSpPr>
+          <p:cNvPr id="2" name="Title 1">
+            <a:extLst>
+              <a:ext uri="{FF2B5EF4-FFF2-40B4-BE49-F238E27FC236}">
+                <a16:creationId xmlns:a16="http://schemas.microsoft.com/office/drawing/2014/main" id="{AEC8EAF8-4B2D-6CF6-E1A7-81008BBEE809}"/>
+              </a:ext>
+            </a:extLst>
+          </p:cNvPr>
+          <p:cNvSpPr>
+            <a:spLocks noGrp="1"/>
+          </p:cNvSpPr>
+          <p:nvPr>
+            <p:ph type="title"/>
+          </p:nvPr>
+        </p:nvSpPr>
+        <p:spPr/>
+        <p:txBody>
+          <a:bodyPr/>
+          <a:lstStyle/>
+          <a:p>
+            <a:r>
+              <a:rPr lang="en-US" dirty="0"/>
+              <a:t>Sources</a:t>
+            </a:r>
+          </a:p>
+        </p:txBody>
+      </p:sp>
+      <p:sp>
+        <p:nvSpPr>
+          <p:cNvPr id="4" name="Content Placeholder 9">
+            <a:extLst>
+              <a:ext uri="{FF2B5EF4-FFF2-40B4-BE49-F238E27FC236}">
+                <a16:creationId xmlns:a16="http://schemas.microsoft.com/office/drawing/2014/main" id="{BBB00122-B7C2-1FA9-D917-21B0FBFC55CF}"/>
+              </a:ext>
+            </a:extLst>
+          </p:cNvPr>
+          <p:cNvSpPr txBox="1">
+            <a:spLocks/>
+          </p:cNvSpPr>
+          <p:nvPr/>
+        </p:nvSpPr>
+        <p:spPr>
+          <a:xfrm>
+            <a:off x="6908149" y="1462765"/>
+            <a:ext cx="4488857" cy="4589243"/>
+          </a:xfrm>
+          <a:prstGeom prst="rect">
+            <a:avLst/>
+          </a:prstGeom>
+        </p:spPr>
+        <p:txBody>
+          <a:bodyPr>
+            <a:normAutofit/>
+          </a:bodyPr>
+          <a:lstStyle>
+            <a:lvl1pPr marL="91440" indent="-91440" algn="l" defTabSz="914400" rtl="0" eaLnBrk="1" latinLnBrk="0" hangingPunct="1">
+              <a:lnSpc>
+                <a:spcPct val="100000"/>
+              </a:lnSpc>
+              <a:spcBef>
+                <a:spcPts val="1200"/>
+              </a:spcBef>
+              <a:spcAft>
+                <a:spcPts val="200"/>
+              </a:spcAft>
+              <a:buClr>
+                <a:schemeClr val="accent1"/>
+              </a:buClr>
+              <a:buSzPct val="100000"/>
+              <a:buFont typeface="Calibri" panose="020F0502020204030204" pitchFamily="34" charset="0"/>
+              <a:buChar char=" "/>
+              <a:defRPr sz="2000" kern="1200">
+                <a:solidFill>
+                  <a:schemeClr val="tx1">
+                    <a:lumMod val="75000"/>
+                    <a:lumOff val="25000"/>
+                  </a:schemeClr>
+                </a:solidFill>
+                <a:latin typeface="+mn-lt"/>
+                <a:ea typeface="+mn-ea"/>
+                <a:cs typeface="+mn-cs"/>
+              </a:defRPr>
+            </a:lvl1pPr>
+            <a:lvl2pPr marL="384048" indent="-182880" algn="l" defTabSz="914400" rtl="0" eaLnBrk="1" latinLnBrk="0" hangingPunct="1">
+              <a:lnSpc>
+                <a:spcPct val="100000"/>
+              </a:lnSpc>
+              <a:spcBef>
+                <a:spcPts val="200"/>
+              </a:spcBef>
+              <a:spcAft>
+                <a:spcPts val="400"/>
+              </a:spcAft>
+              <a:buClrTx/>
+              <a:buFont typeface="Calibri" pitchFamily="34" charset="0"/>
+              <a:buChar char="◦"/>
+              <a:defRPr sz="1800" kern="1200">
+                <a:solidFill>
+                  <a:schemeClr val="tx1">
+                    <a:lumMod val="75000"/>
+                    <a:lumOff val="25000"/>
+                  </a:schemeClr>
+                </a:solidFill>
+                <a:latin typeface="+mn-lt"/>
+                <a:ea typeface="+mn-ea"/>
+                <a:cs typeface="+mn-cs"/>
+              </a:defRPr>
+            </a:lvl2pPr>
+            <a:lvl3pPr marL="566928" indent="-182880" algn="l" defTabSz="914400" rtl="0" eaLnBrk="1" latinLnBrk="0" hangingPunct="1">
+              <a:lnSpc>
+                <a:spcPct val="100000"/>
+              </a:lnSpc>
+              <a:spcBef>
+                <a:spcPts val="200"/>
+              </a:spcBef>
+              <a:spcAft>
+                <a:spcPts val="400"/>
+              </a:spcAft>
+              <a:buClrTx/>
+              <a:buFont typeface="Calibri" pitchFamily="34" charset="0"/>
+              <a:buChar char="◦"/>
+              <a:defRPr sz="1400" kern="1200">
+                <a:solidFill>
+                  <a:schemeClr val="tx1">
+                    <a:lumMod val="75000"/>
+                    <a:lumOff val="25000"/>
+                  </a:schemeClr>
+                </a:solidFill>
+                <a:latin typeface="+mn-lt"/>
+                <a:ea typeface="+mn-ea"/>
+                <a:cs typeface="+mn-cs"/>
+              </a:defRPr>
+            </a:lvl3pPr>
+            <a:lvl4pPr marL="749808" indent="-182880" algn="l" defTabSz="914400" rtl="0" eaLnBrk="1" latinLnBrk="0" hangingPunct="1">
+              <a:lnSpc>
+                <a:spcPct val="100000"/>
+              </a:lnSpc>
+              <a:spcBef>
+                <a:spcPts val="200"/>
+              </a:spcBef>
+              <a:spcAft>
+                <a:spcPts val="400"/>
+              </a:spcAft>
+              <a:buClrTx/>
+              <a:buFont typeface="Calibri" pitchFamily="34" charset="0"/>
+              <a:buChar char="◦"/>
+              <a:defRPr sz="1400" kern="1200">
+                <a:solidFill>
+                  <a:schemeClr val="tx1">
+                    <a:lumMod val="75000"/>
+                    <a:lumOff val="25000"/>
+                  </a:schemeClr>
+                </a:solidFill>
+                <a:latin typeface="+mn-lt"/>
+                <a:ea typeface="+mn-ea"/>
+                <a:cs typeface="+mn-cs"/>
+              </a:defRPr>
+            </a:lvl4pPr>
+            <a:lvl5pPr marL="932688" indent="-182880" algn="l" defTabSz="914400" rtl="0" eaLnBrk="1" latinLnBrk="0" hangingPunct="1">
+              <a:lnSpc>
+                <a:spcPct val="100000"/>
+              </a:lnSpc>
+              <a:spcBef>
+                <a:spcPts val="200"/>
+              </a:spcBef>
+              <a:spcAft>
+                <a:spcPts val="400"/>
+              </a:spcAft>
+              <a:buClrTx/>
+              <a:buFont typeface="Calibri" pitchFamily="34" charset="0"/>
+              <a:buChar char="◦"/>
+              <a:defRPr sz="1400" kern="1200">
+                <a:solidFill>
+                  <a:schemeClr val="tx1">
+                    <a:lumMod val="75000"/>
+                    <a:lumOff val="25000"/>
+                  </a:schemeClr>
+                </a:solidFill>
+                <a:latin typeface="+mn-lt"/>
+                <a:ea typeface="+mn-ea"/>
+                <a:cs typeface="+mn-cs"/>
+              </a:defRPr>
+            </a:lvl5pPr>
+            <a:lvl6pPr marL="1100000" indent="-228600" algn="l" defTabSz="914400" rtl="0" eaLnBrk="1" latinLnBrk="0" hangingPunct="1">
+              <a:lnSpc>
+                <a:spcPct val="90000"/>
+              </a:lnSpc>
+              <a:spcBef>
+                <a:spcPts val="200"/>
+              </a:spcBef>
+              <a:spcAft>
+                <a:spcPts val="400"/>
+              </a:spcAft>
+              <a:buClr>
+                <a:schemeClr val="accent1"/>
+              </a:buClr>
+              <a:buFont typeface="Calibri" pitchFamily="34" charset="0"/>
+              <a:buChar char="◦"/>
+              <a:defRPr sz="1400" kern="1200">
+                <a:solidFill>
+                  <a:schemeClr val="tx1">
+                    <a:lumMod val="75000"/>
+                    <a:lumOff val="25000"/>
+                  </a:schemeClr>
+                </a:solidFill>
+                <a:latin typeface="+mn-lt"/>
+                <a:ea typeface="+mn-ea"/>
+                <a:cs typeface="+mn-cs"/>
+              </a:defRPr>
+            </a:lvl6pPr>
+            <a:lvl7pPr marL="1300000" indent="-228600" algn="l" defTabSz="914400" rtl="0" eaLnBrk="1" latinLnBrk="0" hangingPunct="1">
+              <a:lnSpc>
+                <a:spcPct val="90000"/>
+              </a:lnSpc>
+              <a:spcBef>
+                <a:spcPts val="200"/>
+              </a:spcBef>
+              <a:spcAft>
+                <a:spcPts val="400"/>
+              </a:spcAft>
+              <a:buClr>
+                <a:schemeClr val="accent1"/>
+              </a:buClr>
+              <a:buFont typeface="Calibri" pitchFamily="34" charset="0"/>
+              <a:buChar char="◦"/>
+              <a:defRPr sz="1400" kern="1200">
+                <a:solidFill>
+                  <a:schemeClr val="tx1">
+                    <a:lumMod val="75000"/>
+                    <a:lumOff val="25000"/>
+                  </a:schemeClr>
+                </a:solidFill>
+                <a:latin typeface="+mn-lt"/>
+                <a:ea typeface="+mn-ea"/>
+                <a:cs typeface="+mn-cs"/>
+              </a:defRPr>
+            </a:lvl7pPr>
+            <a:lvl8pPr marL="1500000" indent="-228600" algn="l" defTabSz="914400" rtl="0" eaLnBrk="1" latinLnBrk="0" hangingPunct="1">
+              <a:lnSpc>
+                <a:spcPct val="90000"/>
+              </a:lnSpc>
+              <a:spcBef>
+                <a:spcPts val="200"/>
+              </a:spcBef>
+              <a:spcAft>
+                <a:spcPts val="400"/>
+              </a:spcAft>
+              <a:buClr>
+                <a:schemeClr val="accent1"/>
+              </a:buClr>
+              <a:buFont typeface="Calibri" pitchFamily="34" charset="0"/>
+              <a:buChar char="◦"/>
+              <a:defRPr sz="1400" kern="1200">
+                <a:solidFill>
+                  <a:schemeClr val="tx1">
+                    <a:lumMod val="75000"/>
+                    <a:lumOff val="25000"/>
+                  </a:schemeClr>
+                </a:solidFill>
+                <a:latin typeface="+mn-lt"/>
+                <a:ea typeface="+mn-ea"/>
+                <a:cs typeface="+mn-cs"/>
+              </a:defRPr>
+            </a:lvl8pPr>
+            <a:lvl9pPr marL="1700000" indent="-228600" algn="l" defTabSz="914400" rtl="0" eaLnBrk="1" latinLnBrk="0" hangingPunct="1">
+              <a:lnSpc>
+                <a:spcPct val="90000"/>
+              </a:lnSpc>
+              <a:spcBef>
+                <a:spcPts val="200"/>
+              </a:spcBef>
+              <a:spcAft>
+                <a:spcPts val="400"/>
+              </a:spcAft>
+              <a:buClr>
+                <a:schemeClr val="accent1"/>
+              </a:buClr>
+              <a:buFont typeface="Calibri" pitchFamily="34" charset="0"/>
+              <a:buChar char="◦"/>
+              <a:defRPr sz="1400" kern="1200">
+                <a:solidFill>
+                  <a:schemeClr val="tx1">
+                    <a:lumMod val="75000"/>
+                    <a:lumOff val="25000"/>
+                  </a:schemeClr>
+                </a:solidFill>
+                <a:latin typeface="+mn-lt"/>
+                <a:ea typeface="+mn-ea"/>
+                <a:cs typeface="+mn-cs"/>
+              </a:defRPr>
+            </a:lvl9pPr>
+          </a:lstStyle>
+          <a:p>
+            <a:pPr>
+              <a:buFont typeface="Wingdings" panose="05000000000000000000" pitchFamily="2" charset="2"/>
+              <a:buChar char="q"/>
+            </a:pPr>
+            <a:r>
+              <a:rPr lang="en-US" dirty="0"/>
+              <a:t> </a:t>
+            </a:r>
+            <a:r>
+              <a:rPr lang="en-US" dirty="0">
+                <a:hlinkClick r:id="rId2"/>
+              </a:rPr>
+              <a:t>Zillow Housing Research</a:t>
+            </a:r>
+            <a:endParaRPr lang="en-US" dirty="0"/>
+          </a:p>
+          <a:p>
+            <a:pPr>
+              <a:buFont typeface="Wingdings" panose="05000000000000000000" pitchFamily="2" charset="2"/>
+              <a:buChar char="q"/>
+            </a:pPr>
+            <a:r>
+              <a:rPr lang="en-US" dirty="0"/>
+              <a:t> </a:t>
+            </a:r>
+            <a:r>
+              <a:rPr lang="en-US" dirty="0">
+                <a:hlinkClick r:id="rId3"/>
+              </a:rPr>
+              <a:t>US Census Data</a:t>
+            </a:r>
+            <a:endParaRPr lang="en-US" dirty="0"/>
+          </a:p>
+          <a:p>
+            <a:pPr>
+              <a:buFont typeface="Wingdings" panose="05000000000000000000" pitchFamily="2" charset="2"/>
+              <a:buChar char="q"/>
+            </a:pPr>
+            <a:r>
+              <a:rPr lang="en-US" dirty="0"/>
+              <a:t> </a:t>
+            </a:r>
+            <a:r>
+              <a:rPr lang="en-US" dirty="0">
+                <a:hlinkClick r:id="rId4"/>
+              </a:rPr>
+              <a:t>Davidson County Assessors Data</a:t>
+            </a:r>
+            <a:endParaRPr lang="en-US" dirty="0"/>
+          </a:p>
+        </p:txBody>
+      </p:sp>
+    </p:spTree>
+    <p:extLst>
+      <p:ext uri="{BB962C8B-B14F-4D97-AF65-F5344CB8AC3E}">
+        <p14:creationId xmlns:p14="http://schemas.microsoft.com/office/powerpoint/2010/main" val="2742051720"/>
+      </p:ext>
+    </p:extLst>
+  </p:cSld>
+  <p:clrMapOvr>
+    <a:masterClrMapping/>
+  </p:clrMapOvr>
+</p:sld>
+</file>
+
+<file path=ppt/slides/slide14.xml><?xml version="1.0" encoding="utf-8"?>
+<p:sld xmlns:a="http://schemas.openxmlformats.org/drawingml/2006/main" xmlns:r="http://schemas.openxmlformats.org/officeDocument/2006/relationships" xmlns:p="http://schemas.openxmlformats.org/presentationml/2006/main">
+  <p:cSld>
+    <p:spTree>
+      <p:nvGrpSpPr>
+        <p:cNvPr id="1" name=""/>
+        <p:cNvGrpSpPr/>
+        <p:nvPr/>
+      </p:nvGrpSpPr>
+      <p:grpSpPr>
+        <a:xfrm>
+          <a:off x="0" y="0"/>
+          <a:ext cx="0" cy="0"/>
+          <a:chOff x="0" y="0"/>
+          <a:chExt cx="0" cy="0"/>
+        </a:xfrm>
+      </p:grpSpPr>
+      <p:sp>
+        <p:nvSpPr>
+          <p:cNvPr id="6" name="Title 5">
+            <a:extLst>
+              <a:ext uri="{FF2B5EF4-FFF2-40B4-BE49-F238E27FC236}">
+                <a16:creationId xmlns:a16="http://schemas.microsoft.com/office/drawing/2014/main" id="{66CBFE42-DFD1-4945-A9A4-5544D38C9B7E}"/>
+              </a:ext>
+            </a:extLst>
+          </p:cNvPr>
+          <p:cNvSpPr>
+            <a:spLocks noGrp="1"/>
+          </p:cNvSpPr>
+          <p:nvPr>
+            <p:ph type="title"/>
+          </p:nvPr>
+        </p:nvSpPr>
+        <p:spPr/>
+        <p:txBody>
+          <a:bodyPr/>
+          <a:lstStyle/>
+          <a:p>
+            <a:r>
+              <a:rPr lang="en-US" dirty="0"/>
+              <a:t>Challenges &amp; Next Steps</a:t>
+            </a:r>
+          </a:p>
+        </p:txBody>
+      </p:sp>
+      <p:sp>
+        <p:nvSpPr>
+          <p:cNvPr id="2" name="Content Placeholder 9">
+            <a:extLst>
+              <a:ext uri="{FF2B5EF4-FFF2-40B4-BE49-F238E27FC236}">
+                <a16:creationId xmlns:a16="http://schemas.microsoft.com/office/drawing/2014/main" id="{271931E9-116F-2FF4-A1FF-DD182677B69B}"/>
+              </a:ext>
+            </a:extLst>
+          </p:cNvPr>
+          <p:cNvSpPr txBox="1">
+            <a:spLocks/>
+          </p:cNvSpPr>
+          <p:nvPr/>
+        </p:nvSpPr>
+        <p:spPr>
+          <a:xfrm>
+            <a:off x="6219825" y="1333501"/>
+            <a:ext cx="6057899" cy="6353174"/>
+          </a:xfrm>
+          <a:prstGeom prst="rect">
+            <a:avLst/>
+          </a:prstGeom>
+        </p:spPr>
+        <p:txBody>
+          <a:bodyPr>
+            <a:normAutofit/>
+          </a:bodyPr>
+          <a:lstStyle>
+            <a:lvl1pPr marL="91440" indent="-91440" algn="l" defTabSz="914400" rtl="0" eaLnBrk="1" latinLnBrk="0" hangingPunct="1">
+              <a:lnSpc>
+                <a:spcPct val="100000"/>
+              </a:lnSpc>
+              <a:spcBef>
+                <a:spcPts val="1200"/>
+              </a:spcBef>
+              <a:spcAft>
+                <a:spcPts val="200"/>
+              </a:spcAft>
+              <a:buClr>
+                <a:schemeClr val="accent1"/>
+              </a:buClr>
+              <a:buSzPct val="100000"/>
+              <a:buFont typeface="Calibri" panose="020F0502020204030204" pitchFamily="34" charset="0"/>
+              <a:buChar char=" "/>
+              <a:defRPr sz="2000" kern="1200">
+                <a:solidFill>
+                  <a:schemeClr val="tx1">
+                    <a:lumMod val="75000"/>
+                    <a:lumOff val="25000"/>
+                  </a:schemeClr>
+                </a:solidFill>
+                <a:latin typeface="+mn-lt"/>
+                <a:ea typeface="+mn-ea"/>
+                <a:cs typeface="+mn-cs"/>
+              </a:defRPr>
+            </a:lvl1pPr>
+            <a:lvl2pPr marL="384048" indent="-182880" algn="l" defTabSz="914400" rtl="0" eaLnBrk="1" latinLnBrk="0" hangingPunct="1">
+              <a:lnSpc>
+                <a:spcPct val="100000"/>
+              </a:lnSpc>
+              <a:spcBef>
+                <a:spcPts val="200"/>
+              </a:spcBef>
+              <a:spcAft>
+                <a:spcPts val="400"/>
+              </a:spcAft>
+              <a:buClrTx/>
+              <a:buFont typeface="Calibri" pitchFamily="34" charset="0"/>
+              <a:buChar char="◦"/>
+              <a:defRPr sz="1800" kern="1200">
+                <a:solidFill>
+                  <a:schemeClr val="tx1">
+                    <a:lumMod val="75000"/>
+                    <a:lumOff val="25000"/>
+                  </a:schemeClr>
+                </a:solidFill>
+                <a:latin typeface="+mn-lt"/>
+                <a:ea typeface="+mn-ea"/>
+                <a:cs typeface="+mn-cs"/>
+              </a:defRPr>
+            </a:lvl2pPr>
+            <a:lvl3pPr marL="566928" indent="-182880" algn="l" defTabSz="914400" rtl="0" eaLnBrk="1" latinLnBrk="0" hangingPunct="1">
+              <a:lnSpc>
+                <a:spcPct val="100000"/>
+              </a:lnSpc>
+              <a:spcBef>
+                <a:spcPts val="200"/>
+              </a:spcBef>
+              <a:spcAft>
+                <a:spcPts val="400"/>
+              </a:spcAft>
+              <a:buClrTx/>
+              <a:buFont typeface="Calibri" pitchFamily="34" charset="0"/>
+              <a:buChar char="◦"/>
+              <a:defRPr sz="1400" kern="1200">
+                <a:solidFill>
+                  <a:schemeClr val="tx1">
+                    <a:lumMod val="75000"/>
+                    <a:lumOff val="25000"/>
+                  </a:schemeClr>
+                </a:solidFill>
+                <a:latin typeface="+mn-lt"/>
+                <a:ea typeface="+mn-ea"/>
+                <a:cs typeface="+mn-cs"/>
+              </a:defRPr>
+            </a:lvl3pPr>
+            <a:lvl4pPr marL="749808" indent="-182880" algn="l" defTabSz="914400" rtl="0" eaLnBrk="1" latinLnBrk="0" hangingPunct="1">
+              <a:lnSpc>
+                <a:spcPct val="100000"/>
+              </a:lnSpc>
+              <a:spcBef>
+                <a:spcPts val="200"/>
+              </a:spcBef>
+              <a:spcAft>
+                <a:spcPts val="400"/>
+              </a:spcAft>
+              <a:buClrTx/>
+              <a:buFont typeface="Calibri" pitchFamily="34" charset="0"/>
+              <a:buChar char="◦"/>
+              <a:defRPr sz="1400" kern="1200">
+                <a:solidFill>
+                  <a:schemeClr val="tx1">
+                    <a:lumMod val="75000"/>
+                    <a:lumOff val="25000"/>
+                  </a:schemeClr>
+                </a:solidFill>
+                <a:latin typeface="+mn-lt"/>
+                <a:ea typeface="+mn-ea"/>
+                <a:cs typeface="+mn-cs"/>
+              </a:defRPr>
+            </a:lvl4pPr>
+            <a:lvl5pPr marL="932688" indent="-182880" algn="l" defTabSz="914400" rtl="0" eaLnBrk="1" latinLnBrk="0" hangingPunct="1">
+              <a:lnSpc>
+                <a:spcPct val="100000"/>
+              </a:lnSpc>
+              <a:spcBef>
+                <a:spcPts val="200"/>
+              </a:spcBef>
+              <a:spcAft>
+                <a:spcPts val="400"/>
+              </a:spcAft>
+              <a:buClrTx/>
+              <a:buFont typeface="Calibri" pitchFamily="34" charset="0"/>
+              <a:buChar char="◦"/>
+              <a:defRPr sz="1400" kern="1200">
+                <a:solidFill>
+                  <a:schemeClr val="tx1">
+                    <a:lumMod val="75000"/>
+                    <a:lumOff val="25000"/>
+                  </a:schemeClr>
+                </a:solidFill>
+                <a:latin typeface="+mn-lt"/>
+                <a:ea typeface="+mn-ea"/>
+                <a:cs typeface="+mn-cs"/>
+              </a:defRPr>
+            </a:lvl5pPr>
+            <a:lvl6pPr marL="1100000" indent="-228600" algn="l" defTabSz="914400" rtl="0" eaLnBrk="1" latinLnBrk="0" hangingPunct="1">
+              <a:lnSpc>
+                <a:spcPct val="90000"/>
+              </a:lnSpc>
+              <a:spcBef>
+                <a:spcPts val="200"/>
+              </a:spcBef>
+              <a:spcAft>
+                <a:spcPts val="400"/>
+              </a:spcAft>
+              <a:buClr>
+                <a:schemeClr val="accent1"/>
+              </a:buClr>
+              <a:buFont typeface="Calibri" pitchFamily="34" charset="0"/>
+              <a:buChar char="◦"/>
+              <a:defRPr sz="1400" kern="1200">
+                <a:solidFill>
+                  <a:schemeClr val="tx1">
+                    <a:lumMod val="75000"/>
+                    <a:lumOff val="25000"/>
+                  </a:schemeClr>
+                </a:solidFill>
+                <a:latin typeface="+mn-lt"/>
+                <a:ea typeface="+mn-ea"/>
+                <a:cs typeface="+mn-cs"/>
+              </a:defRPr>
+            </a:lvl6pPr>
+            <a:lvl7pPr marL="1300000" indent="-228600" algn="l" defTabSz="914400" rtl="0" eaLnBrk="1" latinLnBrk="0" hangingPunct="1">
+              <a:lnSpc>
+                <a:spcPct val="90000"/>
+              </a:lnSpc>
+              <a:spcBef>
+                <a:spcPts val="200"/>
+              </a:spcBef>
+              <a:spcAft>
+                <a:spcPts val="400"/>
+              </a:spcAft>
+              <a:buClr>
+                <a:schemeClr val="accent1"/>
+              </a:buClr>
+              <a:buFont typeface="Calibri" pitchFamily="34" charset="0"/>
+              <a:buChar char="◦"/>
+              <a:defRPr sz="1400" kern="1200">
+                <a:solidFill>
+                  <a:schemeClr val="tx1">
+                    <a:lumMod val="75000"/>
+                    <a:lumOff val="25000"/>
+                  </a:schemeClr>
+                </a:solidFill>
+                <a:latin typeface="+mn-lt"/>
+                <a:ea typeface="+mn-ea"/>
+                <a:cs typeface="+mn-cs"/>
+              </a:defRPr>
+            </a:lvl7pPr>
+            <a:lvl8pPr marL="1500000" indent="-228600" algn="l" defTabSz="914400" rtl="0" eaLnBrk="1" latinLnBrk="0" hangingPunct="1">
+              <a:lnSpc>
+                <a:spcPct val="90000"/>
+              </a:lnSpc>
+              <a:spcBef>
+                <a:spcPts val="200"/>
+              </a:spcBef>
+              <a:spcAft>
+                <a:spcPts val="400"/>
+              </a:spcAft>
+              <a:buClr>
+                <a:schemeClr val="accent1"/>
+              </a:buClr>
+              <a:buFont typeface="Calibri" pitchFamily="34" charset="0"/>
+              <a:buChar char="◦"/>
+              <a:defRPr sz="1400" kern="1200">
+                <a:solidFill>
+                  <a:schemeClr val="tx1">
+                    <a:lumMod val="75000"/>
+                    <a:lumOff val="25000"/>
+                  </a:schemeClr>
+                </a:solidFill>
+                <a:latin typeface="+mn-lt"/>
+                <a:ea typeface="+mn-ea"/>
+                <a:cs typeface="+mn-cs"/>
+              </a:defRPr>
+            </a:lvl8pPr>
+            <a:lvl9pPr marL="1700000" indent="-228600" algn="l" defTabSz="914400" rtl="0" eaLnBrk="1" latinLnBrk="0" hangingPunct="1">
+              <a:lnSpc>
+                <a:spcPct val="90000"/>
+              </a:lnSpc>
+              <a:spcBef>
+                <a:spcPts val="200"/>
+              </a:spcBef>
+              <a:spcAft>
+                <a:spcPts val="400"/>
+              </a:spcAft>
+              <a:buClr>
+                <a:schemeClr val="accent1"/>
+              </a:buClr>
+              <a:buFont typeface="Calibri" pitchFamily="34" charset="0"/>
+              <a:buChar char="◦"/>
+              <a:defRPr sz="1400" kern="1200">
+                <a:solidFill>
+                  <a:schemeClr val="tx1">
+                    <a:lumMod val="75000"/>
+                    <a:lumOff val="25000"/>
+                  </a:schemeClr>
+                </a:solidFill>
+                <a:latin typeface="+mn-lt"/>
+                <a:ea typeface="+mn-ea"/>
+                <a:cs typeface="+mn-cs"/>
+              </a:defRPr>
+            </a:lvl9pPr>
+          </a:lstStyle>
+          <a:p>
+            <a:pPr>
+              <a:buFont typeface="Wingdings" panose="05000000000000000000" pitchFamily="2" charset="2"/>
+              <a:buChar char="q"/>
+            </a:pPr>
+            <a:r>
+              <a:rPr lang="en-US" sz="2400" dirty="0"/>
+              <a:t> Challenges:</a:t>
+            </a:r>
+          </a:p>
+          <a:p>
+            <a:pPr lvl="1">
+              <a:buFont typeface="Wingdings" panose="05000000000000000000" pitchFamily="2" charset="2"/>
+              <a:buChar char="q"/>
+            </a:pPr>
+            <a:r>
+              <a:rPr lang="en-US" sz="2000" dirty="0"/>
+              <a:t>Census data for migratory patterns not available beyond 2020</a:t>
+            </a:r>
+          </a:p>
+          <a:p>
+            <a:pPr lvl="1">
+              <a:buFont typeface="Wingdings" panose="05000000000000000000" pitchFamily="2" charset="2"/>
+              <a:buChar char="q"/>
+            </a:pPr>
+            <a:r>
+              <a:rPr lang="en-US" sz="2000" dirty="0"/>
+              <a:t>Listing details unavailable prior to 2016 (for free)</a:t>
+            </a:r>
+          </a:p>
+          <a:p>
+            <a:pPr>
+              <a:buFont typeface="Wingdings" panose="05000000000000000000" pitchFamily="2" charset="2"/>
+              <a:buChar char="q"/>
+            </a:pPr>
+            <a:r>
+              <a:rPr lang="en-US" sz="2400" dirty="0"/>
+              <a:t> Next Steps: </a:t>
+            </a:r>
+          </a:p>
+          <a:p>
+            <a:pPr lvl="1">
+              <a:buFont typeface="Wingdings" panose="05000000000000000000" pitchFamily="2" charset="2"/>
+              <a:buChar char="q"/>
+            </a:pPr>
+            <a:r>
+              <a:rPr lang="en-US" sz="2000" dirty="0"/>
+              <a:t> % of homes sold above/under list price and by how much</a:t>
+            </a:r>
+          </a:p>
+          <a:p>
+            <a:pPr lvl="1">
+              <a:buFont typeface="Wingdings" panose="05000000000000000000" pitchFamily="2" charset="2"/>
+              <a:buChar char="q"/>
+            </a:pPr>
+            <a:r>
+              <a:rPr lang="en-US" sz="2000" dirty="0"/>
+              <a:t> How many homes were purchased and resold within 1 year and the price differences between</a:t>
+            </a:r>
+          </a:p>
+          <a:p>
+            <a:pPr lvl="1">
+              <a:buFont typeface="Wingdings" panose="05000000000000000000" pitchFamily="2" charset="2"/>
+              <a:buChar char="q"/>
+            </a:pPr>
+            <a:r>
+              <a:rPr lang="en-US" sz="2000" dirty="0"/>
+              <a:t> Distribution of “homes” purchased that were single family/condo/new construction</a:t>
+            </a:r>
+          </a:p>
+          <a:p>
+            <a:pPr lvl="1">
+              <a:buFont typeface="Wingdings" panose="05000000000000000000" pitchFamily="2" charset="2"/>
+              <a:buChar char="q"/>
+            </a:pPr>
+            <a:r>
+              <a:rPr lang="en-US" sz="2000" dirty="0"/>
+              <a:t> Break up the trends by price bands</a:t>
+            </a:r>
+          </a:p>
+          <a:p>
+            <a:pPr lvl="1">
+              <a:buFont typeface="Wingdings" panose="05000000000000000000" pitchFamily="2" charset="2"/>
+              <a:buChar char="q"/>
+            </a:pPr>
+            <a:r>
+              <a:rPr lang="en-US" sz="2000" dirty="0"/>
+              <a:t> National Average for all metrics</a:t>
+            </a:r>
+          </a:p>
+          <a:p>
+            <a:pPr lvl="1">
+              <a:buFont typeface="Wingdings" panose="05000000000000000000" pitchFamily="2" charset="2"/>
+              <a:buChar char="q"/>
+            </a:pPr>
+            <a:endParaRPr lang="en-US" dirty="0"/>
+          </a:p>
+          <a:p>
+            <a:pPr lvl="1">
+              <a:buFont typeface="Wingdings" panose="05000000000000000000" pitchFamily="2" charset="2"/>
+              <a:buChar char="q"/>
+            </a:pPr>
+            <a:endParaRPr lang="en-US" dirty="0"/>
+          </a:p>
+          <a:p>
+            <a:pPr>
+              <a:buFont typeface="Wingdings" panose="05000000000000000000" pitchFamily="2" charset="2"/>
+              <a:buChar char="q"/>
+            </a:pPr>
+            <a:endParaRPr lang="en-US" dirty="0"/>
+          </a:p>
+          <a:p>
+            <a:pPr>
+              <a:buFont typeface="Wingdings" panose="05000000000000000000" pitchFamily="2" charset="2"/>
+              <a:buChar char="q"/>
+            </a:pPr>
+            <a:endParaRPr lang="en-US" dirty="0"/>
+          </a:p>
+        </p:txBody>
+      </p:sp>
+    </p:spTree>
+    <p:extLst>
+      <p:ext uri="{BB962C8B-B14F-4D97-AF65-F5344CB8AC3E}">
+        <p14:creationId xmlns:p14="http://schemas.microsoft.com/office/powerpoint/2010/main" val="1892253224"/>
+      </p:ext>
+    </p:extLst>
+  </p:cSld>
+  <p:clrMapOvr>
+    <a:masterClrMapping/>
+  </p:clrMapOvr>
+</p:sld>
+</file>
+
+<file path=ppt/slides/slide15.xml><?xml version="1.0" encoding="utf-8"?>
+<p:sld xmlns:a="http://schemas.openxmlformats.org/drawingml/2006/main" xmlns:r="http://schemas.openxmlformats.org/officeDocument/2006/relationships" xmlns:p="http://schemas.openxmlformats.org/presentationml/2006/main">
+  <p:cSld>
+    <p:spTree>
+      <p:nvGrpSpPr>
+        <p:cNvPr id="1" name=""/>
+        <p:cNvGrpSpPr/>
+        <p:nvPr/>
+      </p:nvGrpSpPr>
+      <p:grpSpPr>
+        <a:xfrm>
+          <a:off x="0" y="0"/>
+          <a:ext cx="0" cy="0"/>
+          <a:chOff x="0" y="0"/>
+          <a:chExt cx="0" cy="0"/>
+        </a:xfrm>
+      </p:grpSpPr>
+      <p:sp>
+        <p:nvSpPr>
+          <p:cNvPr id="6" name="Title 5">
+            <a:extLst>
+              <a:ext uri="{FF2B5EF4-FFF2-40B4-BE49-F238E27FC236}">
+                <a16:creationId xmlns:a16="http://schemas.microsoft.com/office/drawing/2014/main" id="{66CBFE42-DFD1-4945-A9A4-5544D38C9B7E}"/>
+              </a:ext>
+            </a:extLst>
+          </p:cNvPr>
+          <p:cNvSpPr>
+            <a:spLocks noGrp="1"/>
+          </p:cNvSpPr>
+          <p:nvPr>
+            <p:ph type="title"/>
+          </p:nvPr>
+        </p:nvSpPr>
+        <p:spPr/>
+        <p:txBody>
+          <a:bodyPr/>
+          <a:lstStyle/>
+          <a:p>
+            <a:r>
+              <a:rPr lang="en-US" dirty="0"/>
+              <a:t>Conclusions</a:t>
+            </a:r>
+          </a:p>
+        </p:txBody>
+      </p:sp>
+      <p:sp>
+        <p:nvSpPr>
+          <p:cNvPr id="2" name="Content Placeholder 9">
+            <a:extLst>
+              <a:ext uri="{FF2B5EF4-FFF2-40B4-BE49-F238E27FC236}">
+                <a16:creationId xmlns:a16="http://schemas.microsoft.com/office/drawing/2014/main" id="{271931E9-116F-2FF4-A1FF-DD182677B69B}"/>
+              </a:ext>
+            </a:extLst>
+          </p:cNvPr>
+          <p:cNvSpPr txBox="1">
+            <a:spLocks/>
+          </p:cNvSpPr>
+          <p:nvPr/>
+        </p:nvSpPr>
+        <p:spPr>
+          <a:xfrm>
+            <a:off x="6908149" y="1462765"/>
+            <a:ext cx="4488857" cy="4589243"/>
+          </a:xfrm>
+          <a:prstGeom prst="rect">
+            <a:avLst/>
+          </a:prstGeom>
+        </p:spPr>
+        <p:txBody>
+          <a:bodyPr>
+            <a:normAutofit/>
+          </a:bodyPr>
+          <a:lstStyle>
+            <a:lvl1pPr marL="91440" indent="-91440" algn="l" defTabSz="914400" rtl="0" eaLnBrk="1" latinLnBrk="0" hangingPunct="1">
+              <a:lnSpc>
+                <a:spcPct val="100000"/>
+              </a:lnSpc>
+              <a:spcBef>
+                <a:spcPts val="1200"/>
+              </a:spcBef>
+              <a:spcAft>
+                <a:spcPts val="200"/>
+              </a:spcAft>
+              <a:buClr>
+                <a:schemeClr val="accent1"/>
+              </a:buClr>
+              <a:buSzPct val="100000"/>
+              <a:buFont typeface="Calibri" panose="020F0502020204030204" pitchFamily="34" charset="0"/>
+              <a:buChar char=" "/>
+              <a:defRPr sz="2000" kern="1200">
+                <a:solidFill>
+                  <a:schemeClr val="tx1">
+                    <a:lumMod val="75000"/>
+                    <a:lumOff val="25000"/>
+                  </a:schemeClr>
+                </a:solidFill>
+                <a:latin typeface="+mn-lt"/>
+                <a:ea typeface="+mn-ea"/>
+                <a:cs typeface="+mn-cs"/>
+              </a:defRPr>
+            </a:lvl1pPr>
+            <a:lvl2pPr marL="384048" indent="-182880" algn="l" defTabSz="914400" rtl="0" eaLnBrk="1" latinLnBrk="0" hangingPunct="1">
+              <a:lnSpc>
+                <a:spcPct val="100000"/>
+              </a:lnSpc>
+              <a:spcBef>
+                <a:spcPts val="200"/>
+              </a:spcBef>
+              <a:spcAft>
+                <a:spcPts val="400"/>
+              </a:spcAft>
+              <a:buClrTx/>
+              <a:buFont typeface="Calibri" pitchFamily="34" charset="0"/>
+              <a:buChar char="◦"/>
+              <a:defRPr sz="1800" kern="1200">
+                <a:solidFill>
+                  <a:schemeClr val="tx1">
+                    <a:lumMod val="75000"/>
+                    <a:lumOff val="25000"/>
+                  </a:schemeClr>
+                </a:solidFill>
+                <a:latin typeface="+mn-lt"/>
+                <a:ea typeface="+mn-ea"/>
+                <a:cs typeface="+mn-cs"/>
+              </a:defRPr>
+            </a:lvl2pPr>
+            <a:lvl3pPr marL="566928" indent="-182880" algn="l" defTabSz="914400" rtl="0" eaLnBrk="1" latinLnBrk="0" hangingPunct="1">
+              <a:lnSpc>
+                <a:spcPct val="100000"/>
+              </a:lnSpc>
+              <a:spcBef>
+                <a:spcPts val="200"/>
+              </a:spcBef>
+              <a:spcAft>
+                <a:spcPts val="400"/>
+              </a:spcAft>
+              <a:buClrTx/>
+              <a:buFont typeface="Calibri" pitchFamily="34" charset="0"/>
+              <a:buChar char="◦"/>
+              <a:defRPr sz="1400" kern="1200">
+                <a:solidFill>
+                  <a:schemeClr val="tx1">
+                    <a:lumMod val="75000"/>
+                    <a:lumOff val="25000"/>
+                  </a:schemeClr>
+                </a:solidFill>
+                <a:latin typeface="+mn-lt"/>
+                <a:ea typeface="+mn-ea"/>
+                <a:cs typeface="+mn-cs"/>
+              </a:defRPr>
+            </a:lvl3pPr>
+            <a:lvl4pPr marL="749808" indent="-182880" algn="l" defTabSz="914400" rtl="0" eaLnBrk="1" latinLnBrk="0" hangingPunct="1">
+              <a:lnSpc>
+                <a:spcPct val="100000"/>
+              </a:lnSpc>
+              <a:spcBef>
+                <a:spcPts val="200"/>
+              </a:spcBef>
+              <a:spcAft>
+                <a:spcPts val="400"/>
+              </a:spcAft>
+              <a:buClrTx/>
+              <a:buFont typeface="Calibri" pitchFamily="34" charset="0"/>
+              <a:buChar char="◦"/>
+              <a:defRPr sz="1400" kern="1200">
+                <a:solidFill>
+                  <a:schemeClr val="tx1">
+                    <a:lumMod val="75000"/>
+                    <a:lumOff val="25000"/>
+                  </a:schemeClr>
+                </a:solidFill>
+                <a:latin typeface="+mn-lt"/>
+                <a:ea typeface="+mn-ea"/>
+                <a:cs typeface="+mn-cs"/>
+              </a:defRPr>
+            </a:lvl4pPr>
+            <a:lvl5pPr marL="932688" indent="-182880" algn="l" defTabSz="914400" rtl="0" eaLnBrk="1" latinLnBrk="0" hangingPunct="1">
+              <a:lnSpc>
+                <a:spcPct val="100000"/>
+              </a:lnSpc>
+              <a:spcBef>
+                <a:spcPts val="200"/>
+              </a:spcBef>
+              <a:spcAft>
+                <a:spcPts val="400"/>
+              </a:spcAft>
+              <a:buClrTx/>
+              <a:buFont typeface="Calibri" pitchFamily="34" charset="0"/>
+              <a:buChar char="◦"/>
+              <a:defRPr sz="1400" kern="1200">
+                <a:solidFill>
+                  <a:schemeClr val="tx1">
+                    <a:lumMod val="75000"/>
+                    <a:lumOff val="25000"/>
+                  </a:schemeClr>
+                </a:solidFill>
+                <a:latin typeface="+mn-lt"/>
+                <a:ea typeface="+mn-ea"/>
+                <a:cs typeface="+mn-cs"/>
+              </a:defRPr>
+            </a:lvl5pPr>
+            <a:lvl6pPr marL="1100000" indent="-228600" algn="l" defTabSz="914400" rtl="0" eaLnBrk="1" latinLnBrk="0" hangingPunct="1">
+              <a:lnSpc>
+                <a:spcPct val="90000"/>
+              </a:lnSpc>
+              <a:spcBef>
+                <a:spcPts val="200"/>
+              </a:spcBef>
+              <a:spcAft>
+                <a:spcPts val="400"/>
+              </a:spcAft>
+              <a:buClr>
+                <a:schemeClr val="accent1"/>
+              </a:buClr>
+              <a:buFont typeface="Calibri" pitchFamily="34" charset="0"/>
+              <a:buChar char="◦"/>
+              <a:defRPr sz="1400" kern="1200">
+                <a:solidFill>
+                  <a:schemeClr val="tx1">
+                    <a:lumMod val="75000"/>
+                    <a:lumOff val="25000"/>
+                  </a:schemeClr>
+                </a:solidFill>
+                <a:latin typeface="+mn-lt"/>
+                <a:ea typeface="+mn-ea"/>
+                <a:cs typeface="+mn-cs"/>
+              </a:defRPr>
+            </a:lvl6pPr>
+            <a:lvl7pPr marL="1300000" indent="-228600" algn="l" defTabSz="914400" rtl="0" eaLnBrk="1" latinLnBrk="0" hangingPunct="1">
+              <a:lnSpc>
+                <a:spcPct val="90000"/>
+              </a:lnSpc>
+              <a:spcBef>
+                <a:spcPts val="200"/>
+              </a:spcBef>
+              <a:spcAft>
+                <a:spcPts val="400"/>
+              </a:spcAft>
+              <a:buClr>
+                <a:schemeClr val="accent1"/>
+              </a:buClr>
+              <a:buFont typeface="Calibri" pitchFamily="34" charset="0"/>
+              <a:buChar char="◦"/>
+              <a:defRPr sz="1400" kern="1200">
+                <a:solidFill>
+                  <a:schemeClr val="tx1">
+                    <a:lumMod val="75000"/>
+                    <a:lumOff val="25000"/>
+                  </a:schemeClr>
+                </a:solidFill>
+                <a:latin typeface="+mn-lt"/>
+                <a:ea typeface="+mn-ea"/>
+                <a:cs typeface="+mn-cs"/>
+              </a:defRPr>
+            </a:lvl7pPr>
+            <a:lvl8pPr marL="1500000" indent="-228600" algn="l" defTabSz="914400" rtl="0" eaLnBrk="1" latinLnBrk="0" hangingPunct="1">
+              <a:lnSpc>
+                <a:spcPct val="90000"/>
+              </a:lnSpc>
+              <a:spcBef>
+                <a:spcPts val="200"/>
+              </a:spcBef>
+              <a:spcAft>
+                <a:spcPts val="400"/>
+              </a:spcAft>
+              <a:buClr>
+                <a:schemeClr val="accent1"/>
+              </a:buClr>
+              <a:buFont typeface="Calibri" pitchFamily="34" charset="0"/>
+              <a:buChar char="◦"/>
+              <a:defRPr sz="1400" kern="1200">
+                <a:solidFill>
+                  <a:schemeClr val="tx1">
+                    <a:lumMod val="75000"/>
+                    <a:lumOff val="25000"/>
+                  </a:schemeClr>
+                </a:solidFill>
+                <a:latin typeface="+mn-lt"/>
+                <a:ea typeface="+mn-ea"/>
+                <a:cs typeface="+mn-cs"/>
+              </a:defRPr>
+            </a:lvl8pPr>
+            <a:lvl9pPr marL="1700000" indent="-228600" algn="l" defTabSz="914400" rtl="0" eaLnBrk="1" latinLnBrk="0" hangingPunct="1">
+              <a:lnSpc>
+                <a:spcPct val="90000"/>
+              </a:lnSpc>
+              <a:spcBef>
+                <a:spcPts val="200"/>
+              </a:spcBef>
+              <a:spcAft>
+                <a:spcPts val="400"/>
+              </a:spcAft>
+              <a:buClr>
+                <a:schemeClr val="accent1"/>
+              </a:buClr>
+              <a:buFont typeface="Calibri" pitchFamily="34" charset="0"/>
+              <a:buChar char="◦"/>
+              <a:defRPr sz="1400" kern="1200">
+                <a:solidFill>
+                  <a:schemeClr val="tx1">
+                    <a:lumMod val="75000"/>
+                    <a:lumOff val="25000"/>
+                  </a:schemeClr>
+                </a:solidFill>
+                <a:latin typeface="+mn-lt"/>
+                <a:ea typeface="+mn-ea"/>
+                <a:cs typeface="+mn-cs"/>
+              </a:defRPr>
+            </a:lvl9pPr>
+          </a:lstStyle>
+          <a:p>
+            <a:pPr>
+              <a:buFont typeface="Wingdings" panose="05000000000000000000" pitchFamily="2" charset="2"/>
+              <a:buChar char="q"/>
+            </a:pPr>
+            <a:r>
+              <a:rPr lang="en-US" dirty="0"/>
+              <a:t> 2021 was the most difficult year in the past 10 years in Nashville to purchase a home</a:t>
+            </a:r>
+          </a:p>
+          <a:p>
+            <a:pPr>
+              <a:buFont typeface="Wingdings" panose="05000000000000000000" pitchFamily="2" charset="2"/>
+              <a:buChar char="q"/>
+            </a:pPr>
+            <a:r>
+              <a:rPr lang="en-US" dirty="0"/>
+              <a:t> Nashville remains one of the most competitive and pricey home markets in the nation</a:t>
+            </a:r>
+          </a:p>
+          <a:p>
+            <a:pPr>
+              <a:buFont typeface="Wingdings" panose="05000000000000000000" pitchFamily="2" charset="2"/>
+              <a:buChar char="q"/>
+            </a:pPr>
+            <a:r>
+              <a:rPr lang="en-US" dirty="0"/>
+              <a:t> If you have a time machine, go back to roughly 2010, or even 2019 and buy a house</a:t>
+            </a:r>
+          </a:p>
+          <a:p>
+            <a:pPr>
+              <a:buFont typeface="Wingdings" panose="05000000000000000000" pitchFamily="2" charset="2"/>
+              <a:buChar char="q"/>
+            </a:pPr>
+            <a:r>
+              <a:rPr lang="en-US" dirty="0"/>
+              <a:t> If you have friends in FL, IL, or CA, tell them not to move here</a:t>
+            </a:r>
+          </a:p>
+          <a:p>
+            <a:pPr>
+              <a:buFont typeface="Wingdings" panose="05000000000000000000" pitchFamily="2" charset="2"/>
+              <a:buChar char="q"/>
+            </a:pPr>
+            <a:endParaRPr lang="en-US" dirty="0"/>
+          </a:p>
+        </p:txBody>
+      </p:sp>
+    </p:spTree>
+    <p:extLst>
+      <p:ext uri="{BB962C8B-B14F-4D97-AF65-F5344CB8AC3E}">
+        <p14:creationId xmlns:p14="http://schemas.microsoft.com/office/powerpoint/2010/main" val="2345680055"/>
+      </p:ext>
+    </p:extLst>
+  </p:cSld>
+  <p:clrMapOvr>
+    <a:masterClrMapping/>
+  </p:clrMapOvr>
+</p:sld>
+</file>
+
+<file path=ppt/slides/slide2.xml><?xml version="1.0" encoding="utf-8"?>
+<p:sld xmlns:a="http://schemas.openxmlformats.org/drawingml/2006/main" xmlns:r="http://schemas.openxmlformats.org/officeDocument/2006/relationships" xmlns:p="http://schemas.openxmlformats.org/presentationml/2006/main">
+  <p:cSld>
+    <p:spTree>
+      <p:nvGrpSpPr>
+        <p:cNvPr id="1" name=""/>
+        <p:cNvGrpSpPr/>
+        <p:nvPr/>
+      </p:nvGrpSpPr>
+      <p:grpSpPr>
+        <a:xfrm>
+          <a:off x="0" y="0"/>
+          <a:ext cx="0" cy="0"/>
+          <a:chOff x="0" y="0"/>
+          <a:chExt cx="0" cy="0"/>
+        </a:xfrm>
+      </p:grpSpPr>
+      <p:sp>
+        <p:nvSpPr>
+          <p:cNvPr id="9" name="Title 8">
+            <a:extLst>
+              <a:ext uri="{FF2B5EF4-FFF2-40B4-BE49-F238E27FC236}">
+                <a16:creationId xmlns:a16="http://schemas.microsoft.com/office/drawing/2014/main" id="{2D7F6A80-08DF-8645-A4CD-7D0B49A3BF79}"/>
+              </a:ext>
+            </a:extLst>
+          </p:cNvPr>
+          <p:cNvSpPr>
+            <a:spLocks noGrp="1"/>
+          </p:cNvSpPr>
+          <p:nvPr>
+            <p:ph type="title"/>
+          </p:nvPr>
+        </p:nvSpPr>
+        <p:spPr>
+          <a:xfrm>
+            <a:off x="3607581" y="77533"/>
+            <a:ext cx="4845068" cy="767856"/>
+          </a:xfrm>
+        </p:spPr>
+        <p:txBody>
+          <a:bodyPr>
+            <a:normAutofit/>
+          </a:bodyPr>
+          <a:lstStyle/>
+          <a:p>
+            <a:r>
+              <a:rPr lang="en-US" sz="3600" dirty="0"/>
+              <a:t>Motivation</a:t>
+            </a:r>
+          </a:p>
+        </p:txBody>
+      </p:sp>
+      <p:sp>
+        <p:nvSpPr>
+          <p:cNvPr id="10" name="Content Placeholder 9">
+            <a:extLst>
+              <a:ext uri="{FF2B5EF4-FFF2-40B4-BE49-F238E27FC236}">
+                <a16:creationId xmlns:a16="http://schemas.microsoft.com/office/drawing/2014/main" id="{5613A2D6-52A2-8C4D-985E-CB4BEE6B29BD}"/>
+              </a:ext>
+            </a:extLst>
+          </p:cNvPr>
+          <p:cNvSpPr>
+            <a:spLocks noGrp="1"/>
+          </p:cNvSpPr>
+          <p:nvPr>
+            <p:ph idx="1"/>
+          </p:nvPr>
+        </p:nvSpPr>
+        <p:spPr>
+          <a:xfrm>
+            <a:off x="3607581" y="1456480"/>
+            <a:ext cx="8348630" cy="3945040"/>
+          </a:xfrm>
+        </p:spPr>
+        <p:txBody>
+          <a:bodyPr>
+            <a:normAutofit/>
+          </a:bodyPr>
+          <a:lstStyle/>
+          <a:p>
+            <a:r>
+              <a:rPr lang="en-US" dirty="0"/>
+              <a:t>I began my home-buying journey in late 2020/early 2021 </a:t>
+            </a:r>
+          </a:p>
+          <a:p>
+            <a:r>
+              <a:rPr lang="en-US" dirty="0"/>
+              <a:t>Focused our search on Davidson County/Metro Nashville</a:t>
+            </a:r>
+          </a:p>
+          <a:p>
+            <a:r>
+              <a:rPr lang="en-US" dirty="0"/>
+              <a:t>My search statistics:</a:t>
+            </a:r>
+          </a:p>
+          <a:p>
+            <a:pPr lvl="1"/>
+            <a:r>
+              <a:rPr lang="en-US" dirty="0"/>
+              <a:t>1 year total spent searching</a:t>
+            </a:r>
+          </a:p>
+          <a:p>
+            <a:pPr lvl="1"/>
+            <a:r>
+              <a:rPr lang="en-US" dirty="0"/>
+              <a:t>Countless drive-</a:t>
+            </a:r>
+            <a:r>
+              <a:rPr lang="en-US" dirty="0" err="1"/>
+              <a:t>bys</a:t>
+            </a:r>
+            <a:endParaRPr lang="en-US" dirty="0"/>
+          </a:p>
+          <a:p>
+            <a:pPr lvl="1"/>
+            <a:r>
+              <a:rPr lang="en-US" dirty="0"/>
+              <a:t>65 official showings</a:t>
+            </a:r>
+          </a:p>
+          <a:p>
+            <a:pPr lvl="1"/>
+            <a:r>
+              <a:rPr lang="en-US" dirty="0"/>
+              <a:t>25 failed offers</a:t>
+            </a:r>
+          </a:p>
+          <a:p>
+            <a:pPr lvl="1"/>
+            <a:r>
+              <a:rPr lang="en-US" dirty="0"/>
+              <a:t>Over 6,000 miles driven across Middle TN</a:t>
+            </a:r>
+          </a:p>
+        </p:txBody>
+      </p:sp>
+    </p:spTree>
+    <p:extLst>
+      <p:ext uri="{BB962C8B-B14F-4D97-AF65-F5344CB8AC3E}">
+        <p14:creationId xmlns:p14="http://schemas.microsoft.com/office/powerpoint/2010/main" val="307285950"/>
+      </p:ext>
+    </p:extLst>
+  </p:cSld>
+  <p:clrMapOvr>
+    <a:masterClrMapping/>
+  </p:clrMapOvr>
+</p:sld>
+</file>
+
+<file path=ppt/slides/slide3.xml><?xml version="1.0" encoding="utf-8"?>
+<p:sld xmlns:a="http://schemas.openxmlformats.org/drawingml/2006/main" xmlns:r="http://schemas.openxmlformats.org/officeDocument/2006/relationships" xmlns:p="http://schemas.openxmlformats.org/presentationml/2006/main">
+  <p:cSld>
+    <p:spTree>
+      <p:nvGrpSpPr>
+        <p:cNvPr id="1" name=""/>
+        <p:cNvGrpSpPr/>
+        <p:nvPr/>
+      </p:nvGrpSpPr>
+      <p:grpSpPr>
+        <a:xfrm>
+          <a:off x="0" y="0"/>
+          <a:ext cx="0" cy="0"/>
+          <a:chOff x="0" y="0"/>
+          <a:chExt cx="0" cy="0"/>
+        </a:xfrm>
+      </p:grpSpPr>
+      <p:sp>
+        <p:nvSpPr>
+          <p:cNvPr id="9" name="Title 8">
+            <a:extLst>
+              <a:ext uri="{FF2B5EF4-FFF2-40B4-BE49-F238E27FC236}">
+                <a16:creationId xmlns:a16="http://schemas.microsoft.com/office/drawing/2014/main" id="{2D7F6A80-08DF-8645-A4CD-7D0B49A3BF79}"/>
+              </a:ext>
+            </a:extLst>
+          </p:cNvPr>
+          <p:cNvSpPr>
+            <a:spLocks noGrp="1"/>
+          </p:cNvSpPr>
+          <p:nvPr>
+            <p:ph type="title"/>
+          </p:nvPr>
+        </p:nvSpPr>
+        <p:spPr>
+          <a:xfrm>
+            <a:off x="3607581" y="77533"/>
+            <a:ext cx="4845068" cy="767856"/>
+          </a:xfrm>
+        </p:spPr>
+        <p:txBody>
+          <a:bodyPr>
+            <a:normAutofit/>
+          </a:bodyPr>
+          <a:lstStyle/>
+          <a:p>
+            <a:r>
+              <a:rPr lang="en-US" sz="3600" dirty="0"/>
+              <a:t>Question</a:t>
+            </a:r>
+          </a:p>
+        </p:txBody>
+      </p:sp>
+      <p:sp>
+        <p:nvSpPr>
+          <p:cNvPr id="10" name="Content Placeholder 9">
+            <a:extLst>
+              <a:ext uri="{FF2B5EF4-FFF2-40B4-BE49-F238E27FC236}">
+                <a16:creationId xmlns:a16="http://schemas.microsoft.com/office/drawing/2014/main" id="{5613A2D6-52A2-8C4D-985E-CB4BEE6B29BD}"/>
+              </a:ext>
+            </a:extLst>
+          </p:cNvPr>
+          <p:cNvSpPr>
+            <a:spLocks noGrp="1"/>
+          </p:cNvSpPr>
+          <p:nvPr>
+            <p:ph idx="1"/>
+          </p:nvPr>
+        </p:nvSpPr>
+        <p:spPr>
+          <a:xfrm>
+            <a:off x="3607581" y="2586540"/>
+            <a:ext cx="8348630" cy="958916"/>
+          </a:xfrm>
+        </p:spPr>
+        <p:txBody>
+          <a:bodyPr>
+            <a:normAutofit/>
+          </a:bodyPr>
+          <a:lstStyle/>
+          <a:p>
+            <a:pPr marL="0" indent="0" algn="ctr">
+              <a:buNone/>
+            </a:pPr>
+            <a:r>
+              <a:rPr lang="en-US" sz="2400" dirty="0"/>
+              <a:t>How did 2021 compare to previous years for homebuyers in Nashville, TN? Was my journey typical for everyone or was it just me?</a:t>
+            </a:r>
+          </a:p>
+        </p:txBody>
+      </p:sp>
+    </p:spTree>
+    <p:extLst>
+      <p:ext uri="{BB962C8B-B14F-4D97-AF65-F5344CB8AC3E}">
+        <p14:creationId xmlns:p14="http://schemas.microsoft.com/office/powerpoint/2010/main" val="1209632279"/>
+      </p:ext>
+    </p:extLst>
+  </p:cSld>
+  <p:clrMapOvr>
+    <a:masterClrMapping/>
+  </p:clrMapOvr>
+</p:sld>
+</file>
+
+<file path=ppt/slides/slide4.xml><?xml version="1.0" encoding="utf-8"?>
+<p:sld xmlns:a="http://schemas.openxmlformats.org/drawingml/2006/main" xmlns:r="http://schemas.openxmlformats.org/officeDocument/2006/relationships" xmlns:p="http://schemas.openxmlformats.org/presentationml/2006/main">
+  <p:cSld>
+    <p:spTree>
+      <p:nvGrpSpPr>
+        <p:cNvPr id="1" name=""/>
+        <p:cNvGrpSpPr/>
+        <p:nvPr/>
+      </p:nvGrpSpPr>
+      <p:grpSpPr>
+        <a:xfrm>
+          <a:off x="0" y="0"/>
+          <a:ext cx="0" cy="0"/>
+          <a:chOff x="0" y="0"/>
+          <a:chExt cx="0" cy="0"/>
+        </a:xfrm>
+      </p:grpSpPr>
+      <p:sp>
+        <p:nvSpPr>
+          <p:cNvPr id="3" name="Title 2">
+            <a:extLst>
+              <a:ext uri="{FF2B5EF4-FFF2-40B4-BE49-F238E27FC236}">
+                <a16:creationId xmlns:a16="http://schemas.microsoft.com/office/drawing/2014/main" id="{A01BE407-F181-1072-187A-ACBEF34B9322}"/>
+              </a:ext>
+            </a:extLst>
+          </p:cNvPr>
+          <p:cNvSpPr>
+            <a:spLocks noGrp="1"/>
+          </p:cNvSpPr>
+          <p:nvPr>
+            <p:ph type="title"/>
+          </p:nvPr>
+        </p:nvSpPr>
+        <p:spPr>
+          <a:xfrm>
+            <a:off x="3529945" y="68907"/>
+            <a:ext cx="4845068" cy="802362"/>
+          </a:xfrm>
+        </p:spPr>
+        <p:txBody>
+          <a:bodyPr>
+            <a:normAutofit/>
+          </a:bodyPr>
+          <a:lstStyle/>
+          <a:p>
+            <a:r>
+              <a:rPr lang="en-US" sz="3600" dirty="0"/>
+              <a:t>Technologies Used</a:t>
+            </a:r>
+          </a:p>
+        </p:txBody>
+      </p:sp>
+      <p:pic>
+        <p:nvPicPr>
+          <p:cNvPr id="6" name="Picture 5" descr="A yellow sign with black text">
+            <a:extLst>
+              <a:ext uri="{FF2B5EF4-FFF2-40B4-BE49-F238E27FC236}">
+                <a16:creationId xmlns:a16="http://schemas.microsoft.com/office/drawing/2014/main" id="{429DC96D-F673-D67E-C333-CE0649C070F6}"/>
+              </a:ext>
+            </a:extLst>
+          </p:cNvPr>
+          <p:cNvPicPr>
+            <a:picLocks noChangeAspect="1"/>
+          </p:cNvPicPr>
+          <p:nvPr/>
+        </p:nvPicPr>
+        <p:blipFill>
+          <a:blip r:embed="rId2" cstate="print">
+            <a:extLst>
+              <a:ext uri="{28A0092B-C50C-407E-A947-70E740481C1C}">
+                <a14:useLocalDpi xmlns:a14="http://schemas.microsoft.com/office/drawing/2010/main" val="0"/>
+              </a:ext>
+            </a:extLst>
+          </a:blip>
+          <a:stretch>
+            <a:fillRect/>
+          </a:stretch>
+        </p:blipFill>
+        <p:spPr>
+          <a:xfrm>
+            <a:off x="4564125" y="1898221"/>
+            <a:ext cx="3246669" cy="1265747"/>
+          </a:xfrm>
+          <a:prstGeom prst="rect">
+            <a:avLst/>
+          </a:prstGeom>
+        </p:spPr>
+      </p:pic>
+      <p:pic>
+        <p:nvPicPr>
+          <p:cNvPr id="8" name="Picture 7" descr="A green and white flag&#10;&#10;Description automatically generated with low confidence">
+            <a:extLst>
+              <a:ext uri="{FF2B5EF4-FFF2-40B4-BE49-F238E27FC236}">
+                <a16:creationId xmlns:a16="http://schemas.microsoft.com/office/drawing/2014/main" id="{B36662BD-42F9-03F1-937D-BF9C83049407}"/>
+              </a:ext>
+            </a:extLst>
+          </p:cNvPr>
+          <p:cNvPicPr>
+            <a:picLocks noChangeAspect="1"/>
+          </p:cNvPicPr>
+          <p:nvPr/>
+        </p:nvPicPr>
+        <p:blipFill>
+          <a:blip r:embed="rId3">
+            <a:extLst>
+              <a:ext uri="{28A0092B-C50C-407E-A947-70E740481C1C}">
+                <a14:useLocalDpi xmlns:a14="http://schemas.microsoft.com/office/drawing/2010/main" val="0"/>
+              </a:ext>
+            </a:extLst>
+          </a:blip>
+          <a:stretch>
+            <a:fillRect/>
+          </a:stretch>
+        </p:blipFill>
+        <p:spPr>
+          <a:xfrm>
+            <a:off x="9461442" y="3767167"/>
+            <a:ext cx="1365366" cy="1265747"/>
+          </a:xfrm>
+          <a:prstGeom prst="rect">
+            <a:avLst/>
+          </a:prstGeom>
+        </p:spPr>
+      </p:pic>
+      <p:pic>
+        <p:nvPicPr>
+          <p:cNvPr id="10" name="Picture 9" descr="Logo, company name&#10;&#10;Description automatically generated">
+            <a:extLst>
+              <a:ext uri="{FF2B5EF4-FFF2-40B4-BE49-F238E27FC236}">
+                <a16:creationId xmlns:a16="http://schemas.microsoft.com/office/drawing/2014/main" id="{79EDD0EE-8267-AA07-C1E2-463B108A8918}"/>
+              </a:ext>
+            </a:extLst>
+          </p:cNvPr>
+          <p:cNvPicPr>
+            <a:picLocks noChangeAspect="1"/>
+          </p:cNvPicPr>
+          <p:nvPr/>
+        </p:nvPicPr>
+        <p:blipFill>
+          <a:blip r:embed="rId4">
+            <a:extLst>
+              <a:ext uri="{28A0092B-C50C-407E-A947-70E740481C1C}">
+                <a14:useLocalDpi xmlns:a14="http://schemas.microsoft.com/office/drawing/2010/main" val="0"/>
+              </a:ext>
+            </a:extLst>
+          </a:blip>
+          <a:stretch>
+            <a:fillRect/>
+          </a:stretch>
+        </p:blipFill>
+        <p:spPr>
+          <a:xfrm>
+            <a:off x="8248650" y="1971353"/>
+            <a:ext cx="3314327" cy="1119481"/>
+          </a:xfrm>
+          <a:prstGeom prst="rect">
+            <a:avLst/>
+          </a:prstGeom>
+        </p:spPr>
+      </p:pic>
+      <p:pic>
+        <p:nvPicPr>
+          <p:cNvPr id="1026" name="Picture 2" descr="Tableau, A Salesforce Company">
+            <a:extLst>
+              <a:ext uri="{FF2B5EF4-FFF2-40B4-BE49-F238E27FC236}">
+                <a16:creationId xmlns:a16="http://schemas.microsoft.com/office/drawing/2014/main" id="{27718649-42ED-CF59-E44E-F0D28106577B}"/>
+              </a:ext>
+            </a:extLst>
+          </p:cNvPr>
+          <p:cNvPicPr>
+            <a:picLocks noChangeAspect="1" noChangeArrowheads="1"/>
+          </p:cNvPicPr>
+          <p:nvPr/>
+        </p:nvPicPr>
+        <p:blipFill>
+          <a:blip r:embed="rId5">
+            <a:extLst>
+              <a:ext uri="{28A0092B-C50C-407E-A947-70E740481C1C}">
+                <a14:useLocalDpi xmlns:a14="http://schemas.microsoft.com/office/drawing/2010/main" val="0"/>
+              </a:ext>
+            </a:extLst>
+          </a:blip>
+          <a:srcRect/>
+          <a:stretch>
+            <a:fillRect/>
+          </a:stretch>
+        </p:blipFill>
+        <p:spPr bwMode="auto">
+          <a:xfrm>
+            <a:off x="4143375" y="4033201"/>
+            <a:ext cx="4305300" cy="895350"/>
+          </a:xfrm>
+          <a:prstGeom prst="rect">
+            <a:avLst/>
+          </a:prstGeom>
+          <a:noFill/>
+          <a:extLst>
+            <a:ext uri="{909E8E84-426E-40DD-AFC4-6F175D3DCCD1}">
+              <a14:hiddenFill xmlns:a14="http://schemas.microsoft.com/office/drawing/2010/main">
+                <a:solidFill>
+                  <a:srgbClr val="FFFFFF"/>
+                </a:solidFill>
+              </a14:hiddenFill>
+            </a:ext>
+          </a:extLst>
+        </p:spPr>
+      </p:pic>
+    </p:spTree>
+    <p:extLst>
+      <p:ext uri="{BB962C8B-B14F-4D97-AF65-F5344CB8AC3E}">
+        <p14:creationId xmlns:p14="http://schemas.microsoft.com/office/powerpoint/2010/main" val="515189035"/>
+      </p:ext>
+    </p:extLst>
+  </p:cSld>
+  <p:clrMapOvr>
+    <a:masterClrMapping/>
+  </p:clrMapOvr>
+</p:sld>
+</file>
+
+<file path=ppt/slides/slide5.xml><?xml version="1.0" encoding="utf-8"?>
+<p:sld xmlns:a="http://schemas.openxmlformats.org/drawingml/2006/main" xmlns:r="http://schemas.openxmlformats.org/officeDocument/2006/relationships" xmlns:p="http://schemas.openxmlformats.org/presentationml/2006/main">
+  <p:cSld>
+    <p:spTree>
+      <p:nvGrpSpPr>
+        <p:cNvPr id="1" name=""/>
+        <p:cNvGrpSpPr/>
+        <p:nvPr/>
+      </p:nvGrpSpPr>
+      <p:grpSpPr>
+        <a:xfrm>
+          <a:off x="0" y="0"/>
+          <a:ext cx="0" cy="0"/>
+          <a:chOff x="0" y="0"/>
+          <a:chExt cx="0" cy="0"/>
+        </a:xfrm>
+      </p:grpSpPr>
+      <p:sp>
+        <p:nvSpPr>
+          <p:cNvPr id="2" name="Title 1">
+            <a:extLst>
+              <a:ext uri="{FF2B5EF4-FFF2-40B4-BE49-F238E27FC236}">
+                <a16:creationId xmlns:a16="http://schemas.microsoft.com/office/drawing/2014/main" id="{389FD03E-798E-4118-B7D4-3E85419647BA}"/>
+              </a:ext>
+            </a:extLst>
+          </p:cNvPr>
+          <p:cNvSpPr>
+            <a:spLocks noGrp="1"/>
+          </p:cNvSpPr>
+          <p:nvPr>
+            <p:ph type="title"/>
+          </p:nvPr>
+        </p:nvSpPr>
+        <p:spPr>
+          <a:xfrm>
+            <a:off x="413855" y="431815"/>
+            <a:ext cx="10452849" cy="910492"/>
+          </a:xfrm>
+        </p:spPr>
+        <p:txBody>
+          <a:bodyPr>
+            <a:normAutofit/>
+          </a:bodyPr>
+          <a:lstStyle/>
+          <a:p>
+            <a:r>
+              <a:rPr lang="en-US" sz="3600" dirty="0"/>
+              <a:t>How has availability changed?</a:t>
+            </a:r>
+          </a:p>
+        </p:txBody>
+      </p:sp>
+      <p:sp>
+        <p:nvSpPr>
+          <p:cNvPr id="6" name="Content Placeholder 9">
+            <a:extLst>
+              <a:ext uri="{FF2B5EF4-FFF2-40B4-BE49-F238E27FC236}">
+                <a16:creationId xmlns:a16="http://schemas.microsoft.com/office/drawing/2014/main" id="{E5DF39EA-B5B3-E986-7E97-71274898A1A2}"/>
+              </a:ext>
+            </a:extLst>
+          </p:cNvPr>
+          <p:cNvSpPr txBox="1">
+            <a:spLocks/>
+          </p:cNvSpPr>
+          <p:nvPr/>
+        </p:nvSpPr>
+        <p:spPr>
+          <a:xfrm>
+            <a:off x="489269" y="5319664"/>
+            <a:ext cx="10870030" cy="2031325"/>
+          </a:xfrm>
+          <a:prstGeom prst="rect">
+            <a:avLst/>
+          </a:prstGeom>
+        </p:spPr>
+        <p:txBody>
+          <a:bodyPr>
+            <a:normAutofit/>
+          </a:bodyPr>
+          <a:lstStyle>
+            <a:lvl1pPr marL="91440" indent="-91440" algn="l" defTabSz="914400" rtl="0" eaLnBrk="1" latinLnBrk="0" hangingPunct="1">
+              <a:lnSpc>
+                <a:spcPct val="100000"/>
+              </a:lnSpc>
+              <a:spcBef>
+                <a:spcPts val="1200"/>
+              </a:spcBef>
+              <a:spcAft>
+                <a:spcPts val="200"/>
+              </a:spcAft>
+              <a:buClr>
+                <a:schemeClr val="accent1"/>
+              </a:buClr>
+              <a:buSzPct val="100000"/>
+              <a:buFont typeface="Calibri" panose="020F0502020204030204" pitchFamily="34" charset="0"/>
+              <a:buChar char=" "/>
+              <a:defRPr sz="2000" kern="1200">
+                <a:solidFill>
+                  <a:schemeClr val="tx1">
+                    <a:lumMod val="75000"/>
+                    <a:lumOff val="25000"/>
+                  </a:schemeClr>
+                </a:solidFill>
+                <a:latin typeface="+mn-lt"/>
+                <a:ea typeface="+mn-ea"/>
+                <a:cs typeface="+mn-cs"/>
+              </a:defRPr>
+            </a:lvl1pPr>
+            <a:lvl2pPr marL="384048" indent="-182880" algn="l" defTabSz="914400" rtl="0" eaLnBrk="1" latinLnBrk="0" hangingPunct="1">
+              <a:lnSpc>
+                <a:spcPct val="100000"/>
+              </a:lnSpc>
+              <a:spcBef>
+                <a:spcPts val="200"/>
+              </a:spcBef>
+              <a:spcAft>
+                <a:spcPts val="400"/>
+              </a:spcAft>
+              <a:buClrTx/>
+              <a:buFont typeface="Calibri" pitchFamily="34" charset="0"/>
+              <a:buChar char="◦"/>
+              <a:defRPr sz="1800" kern="1200">
+                <a:solidFill>
+                  <a:schemeClr val="tx1">
+                    <a:lumMod val="75000"/>
+                    <a:lumOff val="25000"/>
+                  </a:schemeClr>
+                </a:solidFill>
+                <a:latin typeface="+mn-lt"/>
+                <a:ea typeface="+mn-ea"/>
+                <a:cs typeface="+mn-cs"/>
+              </a:defRPr>
+            </a:lvl2pPr>
+            <a:lvl3pPr marL="566928" indent="-182880" algn="l" defTabSz="914400" rtl="0" eaLnBrk="1" latinLnBrk="0" hangingPunct="1">
+              <a:lnSpc>
+                <a:spcPct val="100000"/>
+              </a:lnSpc>
+              <a:spcBef>
+                <a:spcPts val="200"/>
+              </a:spcBef>
+              <a:spcAft>
+                <a:spcPts val="400"/>
+              </a:spcAft>
+              <a:buClrTx/>
+              <a:buFont typeface="Calibri" pitchFamily="34" charset="0"/>
+              <a:buChar char="◦"/>
+              <a:defRPr sz="1400" kern="1200">
+                <a:solidFill>
+                  <a:schemeClr val="tx1">
+                    <a:lumMod val="75000"/>
+                    <a:lumOff val="25000"/>
+                  </a:schemeClr>
+                </a:solidFill>
+                <a:latin typeface="+mn-lt"/>
+                <a:ea typeface="+mn-ea"/>
+                <a:cs typeface="+mn-cs"/>
+              </a:defRPr>
+            </a:lvl3pPr>
+            <a:lvl4pPr marL="749808" indent="-182880" algn="l" defTabSz="914400" rtl="0" eaLnBrk="1" latinLnBrk="0" hangingPunct="1">
+              <a:lnSpc>
+                <a:spcPct val="100000"/>
+              </a:lnSpc>
+              <a:spcBef>
+                <a:spcPts val="200"/>
+              </a:spcBef>
+              <a:spcAft>
+                <a:spcPts val="400"/>
+              </a:spcAft>
+              <a:buClrTx/>
+              <a:buFont typeface="Calibri" pitchFamily="34" charset="0"/>
+              <a:buChar char="◦"/>
+              <a:defRPr sz="1400" kern="1200">
+                <a:solidFill>
+                  <a:schemeClr val="tx1">
+                    <a:lumMod val="75000"/>
+                    <a:lumOff val="25000"/>
+                  </a:schemeClr>
+                </a:solidFill>
+                <a:latin typeface="+mn-lt"/>
+                <a:ea typeface="+mn-ea"/>
+                <a:cs typeface="+mn-cs"/>
+              </a:defRPr>
+            </a:lvl4pPr>
+            <a:lvl5pPr marL="932688" indent="-182880" algn="l" defTabSz="914400" rtl="0" eaLnBrk="1" latinLnBrk="0" hangingPunct="1">
+              <a:lnSpc>
+                <a:spcPct val="100000"/>
+              </a:lnSpc>
+              <a:spcBef>
+                <a:spcPts val="200"/>
+              </a:spcBef>
+              <a:spcAft>
+                <a:spcPts val="400"/>
+              </a:spcAft>
+              <a:buClrTx/>
+              <a:buFont typeface="Calibri" pitchFamily="34" charset="0"/>
+              <a:buChar char="◦"/>
+              <a:defRPr sz="1400" kern="1200">
+                <a:solidFill>
+                  <a:schemeClr val="tx1">
+                    <a:lumMod val="75000"/>
+                    <a:lumOff val="25000"/>
+                  </a:schemeClr>
+                </a:solidFill>
+                <a:latin typeface="+mn-lt"/>
+                <a:ea typeface="+mn-ea"/>
+                <a:cs typeface="+mn-cs"/>
+              </a:defRPr>
+            </a:lvl5pPr>
+            <a:lvl6pPr marL="1100000" indent="-228600" algn="l" defTabSz="914400" rtl="0" eaLnBrk="1" latinLnBrk="0" hangingPunct="1">
+              <a:lnSpc>
+                <a:spcPct val="90000"/>
+              </a:lnSpc>
+              <a:spcBef>
+                <a:spcPts val="200"/>
+              </a:spcBef>
+              <a:spcAft>
+                <a:spcPts val="400"/>
+              </a:spcAft>
+              <a:buClr>
+                <a:schemeClr val="accent1"/>
+              </a:buClr>
+              <a:buFont typeface="Calibri" pitchFamily="34" charset="0"/>
+              <a:buChar char="◦"/>
+              <a:defRPr sz="1400" kern="1200">
+                <a:solidFill>
+                  <a:schemeClr val="tx1">
+                    <a:lumMod val="75000"/>
+                    <a:lumOff val="25000"/>
+                  </a:schemeClr>
+                </a:solidFill>
+                <a:latin typeface="+mn-lt"/>
+                <a:ea typeface="+mn-ea"/>
+                <a:cs typeface="+mn-cs"/>
+              </a:defRPr>
+            </a:lvl6pPr>
+            <a:lvl7pPr marL="1300000" indent="-228600" algn="l" defTabSz="914400" rtl="0" eaLnBrk="1" latinLnBrk="0" hangingPunct="1">
+              <a:lnSpc>
+                <a:spcPct val="90000"/>
+              </a:lnSpc>
+              <a:spcBef>
+                <a:spcPts val="200"/>
+              </a:spcBef>
+              <a:spcAft>
+                <a:spcPts val="400"/>
+              </a:spcAft>
+              <a:buClr>
+                <a:schemeClr val="accent1"/>
+              </a:buClr>
+              <a:buFont typeface="Calibri" pitchFamily="34" charset="0"/>
+              <a:buChar char="◦"/>
+              <a:defRPr sz="1400" kern="1200">
+                <a:solidFill>
+                  <a:schemeClr val="tx1">
+                    <a:lumMod val="75000"/>
+                    <a:lumOff val="25000"/>
+                  </a:schemeClr>
+                </a:solidFill>
+                <a:latin typeface="+mn-lt"/>
+                <a:ea typeface="+mn-ea"/>
+                <a:cs typeface="+mn-cs"/>
+              </a:defRPr>
+            </a:lvl7pPr>
+            <a:lvl8pPr marL="1500000" indent="-228600" algn="l" defTabSz="914400" rtl="0" eaLnBrk="1" latinLnBrk="0" hangingPunct="1">
+              <a:lnSpc>
+                <a:spcPct val="90000"/>
+              </a:lnSpc>
+              <a:spcBef>
+                <a:spcPts val="200"/>
+              </a:spcBef>
+              <a:spcAft>
+                <a:spcPts val="400"/>
+              </a:spcAft>
+              <a:buClr>
+                <a:schemeClr val="accent1"/>
+              </a:buClr>
+              <a:buFont typeface="Calibri" pitchFamily="34" charset="0"/>
+              <a:buChar char="◦"/>
+              <a:defRPr sz="1400" kern="1200">
+                <a:solidFill>
+                  <a:schemeClr val="tx1">
+                    <a:lumMod val="75000"/>
+                    <a:lumOff val="25000"/>
+                  </a:schemeClr>
+                </a:solidFill>
+                <a:latin typeface="+mn-lt"/>
+                <a:ea typeface="+mn-ea"/>
+                <a:cs typeface="+mn-cs"/>
+              </a:defRPr>
+            </a:lvl8pPr>
+            <a:lvl9pPr marL="1700000" indent="-228600" algn="l" defTabSz="914400" rtl="0" eaLnBrk="1" latinLnBrk="0" hangingPunct="1">
+              <a:lnSpc>
+                <a:spcPct val="90000"/>
+              </a:lnSpc>
+              <a:spcBef>
+                <a:spcPts val="200"/>
+              </a:spcBef>
+              <a:spcAft>
+                <a:spcPts val="400"/>
+              </a:spcAft>
+              <a:buClr>
+                <a:schemeClr val="accent1"/>
+              </a:buClr>
+              <a:buFont typeface="Calibri" pitchFamily="34" charset="0"/>
+              <a:buChar char="◦"/>
+              <a:defRPr sz="1400" kern="1200">
+                <a:solidFill>
+                  <a:schemeClr val="tx1">
+                    <a:lumMod val="75000"/>
+                    <a:lumOff val="25000"/>
+                  </a:schemeClr>
+                </a:solidFill>
+                <a:latin typeface="+mn-lt"/>
+                <a:ea typeface="+mn-ea"/>
+                <a:cs typeface="+mn-cs"/>
+              </a:defRPr>
+            </a:lvl9pPr>
+          </a:lstStyle>
+          <a:p>
+            <a:pPr>
+              <a:buFont typeface="Wingdings" panose="05000000000000000000" pitchFamily="2" charset="2"/>
+              <a:buChar char="q"/>
+            </a:pPr>
+            <a:endParaRPr lang="en-US" dirty="0"/>
+          </a:p>
+        </p:txBody>
+      </p:sp>
+      <p:grpSp>
+        <p:nvGrpSpPr>
+          <p:cNvPr id="20" name="Group 19">
+            <a:extLst>
+              <a:ext uri="{FF2B5EF4-FFF2-40B4-BE49-F238E27FC236}">
+                <a16:creationId xmlns:a16="http://schemas.microsoft.com/office/drawing/2014/main" id="{CD2F73BB-E426-21E4-8267-A5D4B54718CD}"/>
+              </a:ext>
+            </a:extLst>
+          </p:cNvPr>
+          <p:cNvGrpSpPr/>
+          <p:nvPr/>
+        </p:nvGrpSpPr>
+        <p:grpSpPr>
+          <a:xfrm>
+            <a:off x="1146094" y="1342307"/>
+            <a:ext cx="10093406" cy="4467943"/>
+            <a:chOff x="1802920" y="1429019"/>
+            <a:chExt cx="8980033" cy="3714302"/>
+          </a:xfrm>
+        </p:grpSpPr>
+        <p:pic>
+          <p:nvPicPr>
+            <p:cNvPr id="10" name="Picture 9">
+              <a:extLst>
+                <a:ext uri="{FF2B5EF4-FFF2-40B4-BE49-F238E27FC236}">
+                  <a16:creationId xmlns:a16="http://schemas.microsoft.com/office/drawing/2014/main" id="{2992B4EF-4FBD-AAFE-BFF1-F263DE050201}"/>
+                </a:ext>
+              </a:extLst>
+            </p:cNvPr>
+            <p:cNvPicPr>
+              <a:picLocks noChangeAspect="1"/>
+            </p:cNvPicPr>
+            <p:nvPr/>
+          </p:nvPicPr>
+          <p:blipFill>
+            <a:blip r:embed="rId3"/>
+            <a:stretch>
+              <a:fillRect/>
+            </a:stretch>
+          </p:blipFill>
+          <p:spPr>
+            <a:xfrm>
+              <a:off x="1802920" y="1429019"/>
+              <a:ext cx="8980033" cy="3714302"/>
+            </a:xfrm>
+            <a:prstGeom prst="rect">
+              <a:avLst/>
+            </a:prstGeom>
+            <a:ln>
+              <a:noFill/>
+            </a:ln>
+            <a:effectLst>
+              <a:outerShdw blurRad="292100" dist="139700" dir="2700000" algn="tl" rotWithShape="0">
+                <a:srgbClr val="333333">
+                  <a:alpha val="65000"/>
+                </a:srgbClr>
+              </a:outerShdw>
+            </a:effectLst>
+          </p:spPr>
+        </p:pic>
+        <p:cxnSp>
+          <p:nvCxnSpPr>
+            <p:cNvPr id="3" name="Straight Arrow Connector 2">
+              <a:extLst>
+                <a:ext uri="{FF2B5EF4-FFF2-40B4-BE49-F238E27FC236}">
+                  <a16:creationId xmlns:a16="http://schemas.microsoft.com/office/drawing/2014/main" id="{A3738540-08D7-E13F-5A89-B4C1DC76979E}"/>
+                </a:ext>
+              </a:extLst>
+            </p:cNvPr>
+            <p:cNvCxnSpPr>
+              <a:cxnSpLocks/>
+            </p:cNvCxnSpPr>
+            <p:nvPr/>
+          </p:nvCxnSpPr>
+          <p:spPr>
+            <a:xfrm>
+              <a:off x="6724650" y="1875436"/>
+              <a:ext cx="2438400" cy="2020289"/>
+            </a:xfrm>
+            <a:prstGeom prst="straightConnector1">
+              <a:avLst/>
+            </a:prstGeom>
+            <a:ln w="12700">
+              <a:solidFill>
+                <a:schemeClr val="tx1"/>
+              </a:solidFill>
+              <a:headEnd type="triangle"/>
+              <a:tailEnd type="triangle"/>
+            </a:ln>
+          </p:spPr>
+          <p:style>
+            <a:lnRef idx="1">
+              <a:schemeClr val="accent1"/>
+            </a:lnRef>
+            <a:fillRef idx="0">
+              <a:schemeClr val="accent1"/>
+            </a:fillRef>
+            <a:effectRef idx="0">
+              <a:schemeClr val="accent1"/>
+            </a:effectRef>
+            <a:fontRef idx="minor">
+              <a:schemeClr val="tx1"/>
+            </a:fontRef>
+          </p:style>
+        </p:cxnSp>
+        <p:sp>
+          <p:nvSpPr>
+            <p:cNvPr id="11" name="TextBox 10">
+              <a:extLst>
+                <a:ext uri="{FF2B5EF4-FFF2-40B4-BE49-F238E27FC236}">
+                  <a16:creationId xmlns:a16="http://schemas.microsoft.com/office/drawing/2014/main" id="{6369790F-3738-AB2A-778B-E2FEDFF58C7D}"/>
+                </a:ext>
+              </a:extLst>
+            </p:cNvPr>
+            <p:cNvSpPr txBox="1"/>
+            <p:nvPr/>
+          </p:nvSpPr>
+          <p:spPr>
+            <a:xfrm>
+              <a:off x="7409193" y="2586589"/>
+              <a:ext cx="1348352" cy="338554"/>
+            </a:xfrm>
+            <a:prstGeom prst="rect">
+              <a:avLst/>
+            </a:prstGeom>
+            <a:noFill/>
+          </p:spPr>
+          <p:txBody>
+            <a:bodyPr wrap="square" rtlCol="0">
+              <a:spAutoFit/>
+            </a:bodyPr>
+            <a:lstStyle/>
+            <a:p>
+              <a:pPr algn="ctr"/>
+              <a:r>
+                <a:rPr lang="en-US" sz="1600" dirty="0">
+                  <a:solidFill>
+                    <a:srgbClr val="FF0000"/>
+                  </a:solidFill>
+                  <a:latin typeface="Din"/>
+                </a:rPr>
+                <a:t>-68%</a:t>
+              </a:r>
+            </a:p>
+          </p:txBody>
+        </p:sp>
+        <p:cxnSp>
+          <p:nvCxnSpPr>
+            <p:cNvPr id="12" name="Straight Arrow Connector 11">
+              <a:extLst>
+                <a:ext uri="{FF2B5EF4-FFF2-40B4-BE49-F238E27FC236}">
+                  <a16:creationId xmlns:a16="http://schemas.microsoft.com/office/drawing/2014/main" id="{55EDEF0D-8FFA-2295-995A-0600A2DD63C0}"/>
+                </a:ext>
+              </a:extLst>
+            </p:cNvPr>
+            <p:cNvCxnSpPr>
+              <a:cxnSpLocks/>
+            </p:cNvCxnSpPr>
+            <p:nvPr/>
+          </p:nvCxnSpPr>
+          <p:spPr>
+            <a:xfrm flipV="1">
+              <a:off x="9239249" y="3309413"/>
+              <a:ext cx="1178081" cy="586312"/>
+            </a:xfrm>
+            <a:prstGeom prst="straightConnector1">
+              <a:avLst/>
+            </a:prstGeom>
+            <a:ln w="12700">
+              <a:solidFill>
+                <a:schemeClr val="tx1"/>
+              </a:solidFill>
+              <a:headEnd type="triangle"/>
+              <a:tailEnd type="triangle"/>
+            </a:ln>
+          </p:spPr>
+          <p:style>
+            <a:lnRef idx="1">
+              <a:schemeClr val="accent1"/>
+            </a:lnRef>
+            <a:fillRef idx="0">
+              <a:schemeClr val="accent1"/>
+            </a:fillRef>
+            <a:effectRef idx="0">
+              <a:schemeClr val="accent1"/>
+            </a:effectRef>
+            <a:fontRef idx="minor">
+              <a:schemeClr val="tx1"/>
+            </a:fontRef>
+          </p:style>
+        </p:cxnSp>
+        <p:sp>
+          <p:nvSpPr>
+            <p:cNvPr id="13" name="TextBox 12">
+              <a:extLst>
+                <a:ext uri="{FF2B5EF4-FFF2-40B4-BE49-F238E27FC236}">
+                  <a16:creationId xmlns:a16="http://schemas.microsoft.com/office/drawing/2014/main" id="{D0087ABD-7EA9-8ED4-1676-22F12537820E}"/>
+                </a:ext>
+              </a:extLst>
+            </p:cNvPr>
+            <p:cNvSpPr txBox="1"/>
+            <p:nvPr/>
+          </p:nvSpPr>
+          <p:spPr>
+            <a:xfrm>
+              <a:off x="9396487" y="3279218"/>
+              <a:ext cx="754267" cy="338554"/>
+            </a:xfrm>
+            <a:prstGeom prst="rect">
+              <a:avLst/>
+            </a:prstGeom>
+            <a:noFill/>
+          </p:spPr>
+          <p:txBody>
+            <a:bodyPr wrap="square" rtlCol="0">
+              <a:spAutoFit/>
+            </a:bodyPr>
+            <a:lstStyle/>
+            <a:p>
+              <a:pPr algn="ctr"/>
+              <a:r>
+                <a:rPr lang="en-US" sz="1600" dirty="0">
+                  <a:solidFill>
+                    <a:srgbClr val="00B050"/>
+                  </a:solidFill>
+                  <a:latin typeface="Din"/>
+                </a:rPr>
+                <a:t>+35%</a:t>
+              </a:r>
+            </a:p>
+          </p:txBody>
+        </p:sp>
+      </p:grpSp>
+    </p:spTree>
+    <p:extLst>
+      <p:ext uri="{BB962C8B-B14F-4D97-AF65-F5344CB8AC3E}">
+        <p14:creationId xmlns:p14="http://schemas.microsoft.com/office/powerpoint/2010/main" val="427303968"/>
+      </p:ext>
+    </p:extLst>
+  </p:cSld>
+  <p:clrMapOvr>
+    <a:masterClrMapping/>
+  </p:clrMapOvr>
+</p:sld>
+</file>
+
+<file path=ppt/slides/slide6.xml><?xml version="1.0" encoding="utf-8"?>
+<p:sld xmlns:a="http://schemas.openxmlformats.org/drawingml/2006/main" xmlns:r="http://schemas.openxmlformats.org/officeDocument/2006/relationships" xmlns:p="http://schemas.openxmlformats.org/presentationml/2006/main">
+  <p:cSld>
+    <p:spTree>
+      <p:nvGrpSpPr>
+        <p:cNvPr id="1" name=""/>
+        <p:cNvGrpSpPr/>
+        <p:nvPr/>
+      </p:nvGrpSpPr>
+      <p:grpSpPr>
+        <a:xfrm>
+          <a:off x="0" y="0"/>
+          <a:ext cx="0" cy="0"/>
+          <a:chOff x="0" y="0"/>
+          <a:chExt cx="0" cy="0"/>
+        </a:xfrm>
+      </p:grpSpPr>
+      <p:sp>
+        <p:nvSpPr>
+          <p:cNvPr id="2" name="Title 1">
+            <a:extLst>
+              <a:ext uri="{FF2B5EF4-FFF2-40B4-BE49-F238E27FC236}">
+                <a16:creationId xmlns:a16="http://schemas.microsoft.com/office/drawing/2014/main" id="{389FD03E-798E-4118-B7D4-3E85419647BA}"/>
+              </a:ext>
+            </a:extLst>
+          </p:cNvPr>
+          <p:cNvSpPr>
+            <a:spLocks noGrp="1"/>
+          </p:cNvSpPr>
+          <p:nvPr>
+            <p:ph type="title"/>
+          </p:nvPr>
+        </p:nvSpPr>
+        <p:spPr>
+          <a:xfrm>
+            <a:off x="413855" y="431815"/>
+            <a:ext cx="10452849" cy="910492"/>
+          </a:xfrm>
+        </p:spPr>
+        <p:txBody>
+          <a:bodyPr>
+            <a:normAutofit/>
+          </a:bodyPr>
+          <a:lstStyle/>
+          <a:p>
+            <a:r>
+              <a:rPr lang="en-US" sz="3600" dirty="0"/>
+              <a:t>Where are these people coming from?</a:t>
+            </a:r>
+          </a:p>
+        </p:txBody>
+      </p:sp>
+      <p:sp>
+        <p:nvSpPr>
+          <p:cNvPr id="13" name="Content Placeholder 9">
+            <a:extLst>
+              <a:ext uri="{FF2B5EF4-FFF2-40B4-BE49-F238E27FC236}">
+                <a16:creationId xmlns:a16="http://schemas.microsoft.com/office/drawing/2014/main" id="{DE88D141-B4E0-2E09-2547-F1C80C776CD0}"/>
+              </a:ext>
+            </a:extLst>
+          </p:cNvPr>
+          <p:cNvSpPr txBox="1">
+            <a:spLocks/>
+          </p:cNvSpPr>
+          <p:nvPr/>
+        </p:nvSpPr>
+        <p:spPr>
+          <a:xfrm>
+            <a:off x="465611" y="1601828"/>
+            <a:ext cx="3035432" cy="4409604"/>
+          </a:xfrm>
+          <a:prstGeom prst="rect">
+            <a:avLst/>
+          </a:prstGeom>
+        </p:spPr>
+        <p:txBody>
+          <a:bodyPr>
+            <a:normAutofit/>
+          </a:bodyPr>
+          <a:lstStyle>
+            <a:lvl1pPr marL="91440" indent="-91440" algn="l" defTabSz="914400" rtl="0" eaLnBrk="1" latinLnBrk="0" hangingPunct="1">
+              <a:lnSpc>
+                <a:spcPct val="100000"/>
+              </a:lnSpc>
+              <a:spcBef>
+                <a:spcPts val="1200"/>
+              </a:spcBef>
+              <a:spcAft>
+                <a:spcPts val="200"/>
+              </a:spcAft>
+              <a:buClr>
+                <a:schemeClr val="accent1"/>
+              </a:buClr>
+              <a:buSzPct val="100000"/>
+              <a:buFont typeface="Calibri" panose="020F0502020204030204" pitchFamily="34" charset="0"/>
+              <a:buChar char=" "/>
+              <a:defRPr sz="2000" kern="1200">
+                <a:solidFill>
+                  <a:schemeClr val="tx1">
+                    <a:lumMod val="75000"/>
+                    <a:lumOff val="25000"/>
+                  </a:schemeClr>
+                </a:solidFill>
+                <a:latin typeface="+mn-lt"/>
+                <a:ea typeface="+mn-ea"/>
+                <a:cs typeface="+mn-cs"/>
+              </a:defRPr>
+            </a:lvl1pPr>
+            <a:lvl2pPr marL="384048" indent="-182880" algn="l" defTabSz="914400" rtl="0" eaLnBrk="1" latinLnBrk="0" hangingPunct="1">
+              <a:lnSpc>
+                <a:spcPct val="100000"/>
+              </a:lnSpc>
+              <a:spcBef>
+                <a:spcPts val="200"/>
+              </a:spcBef>
+              <a:spcAft>
+                <a:spcPts val="400"/>
+              </a:spcAft>
+              <a:buClrTx/>
+              <a:buFont typeface="Calibri" pitchFamily="34" charset="0"/>
+              <a:buChar char="◦"/>
+              <a:defRPr sz="1800" kern="1200">
+                <a:solidFill>
+                  <a:schemeClr val="tx1">
+                    <a:lumMod val="75000"/>
+                    <a:lumOff val="25000"/>
+                  </a:schemeClr>
+                </a:solidFill>
+                <a:latin typeface="+mn-lt"/>
+                <a:ea typeface="+mn-ea"/>
+                <a:cs typeface="+mn-cs"/>
+              </a:defRPr>
+            </a:lvl2pPr>
+            <a:lvl3pPr marL="566928" indent="-182880" algn="l" defTabSz="914400" rtl="0" eaLnBrk="1" latinLnBrk="0" hangingPunct="1">
+              <a:lnSpc>
+                <a:spcPct val="100000"/>
+              </a:lnSpc>
+              <a:spcBef>
+                <a:spcPts val="200"/>
+              </a:spcBef>
+              <a:spcAft>
+                <a:spcPts val="400"/>
+              </a:spcAft>
+              <a:buClrTx/>
+              <a:buFont typeface="Calibri" pitchFamily="34" charset="0"/>
+              <a:buChar char="◦"/>
+              <a:defRPr sz="1400" kern="1200">
+                <a:solidFill>
+                  <a:schemeClr val="tx1">
+                    <a:lumMod val="75000"/>
+                    <a:lumOff val="25000"/>
+                  </a:schemeClr>
+                </a:solidFill>
+                <a:latin typeface="+mn-lt"/>
+                <a:ea typeface="+mn-ea"/>
+                <a:cs typeface="+mn-cs"/>
+              </a:defRPr>
+            </a:lvl3pPr>
+            <a:lvl4pPr marL="749808" indent="-182880" algn="l" defTabSz="914400" rtl="0" eaLnBrk="1" latinLnBrk="0" hangingPunct="1">
+              <a:lnSpc>
+                <a:spcPct val="100000"/>
+              </a:lnSpc>
+              <a:spcBef>
+                <a:spcPts val="200"/>
+              </a:spcBef>
+              <a:spcAft>
+                <a:spcPts val="400"/>
+              </a:spcAft>
+              <a:buClrTx/>
+              <a:buFont typeface="Calibri" pitchFamily="34" charset="0"/>
+              <a:buChar char="◦"/>
+              <a:defRPr sz="1400" kern="1200">
+                <a:solidFill>
+                  <a:schemeClr val="tx1">
+                    <a:lumMod val="75000"/>
+                    <a:lumOff val="25000"/>
+                  </a:schemeClr>
+                </a:solidFill>
+                <a:latin typeface="+mn-lt"/>
+                <a:ea typeface="+mn-ea"/>
+                <a:cs typeface="+mn-cs"/>
+              </a:defRPr>
+            </a:lvl4pPr>
+            <a:lvl5pPr marL="932688" indent="-182880" algn="l" defTabSz="914400" rtl="0" eaLnBrk="1" latinLnBrk="0" hangingPunct="1">
+              <a:lnSpc>
+                <a:spcPct val="100000"/>
+              </a:lnSpc>
+              <a:spcBef>
+                <a:spcPts val="200"/>
+              </a:spcBef>
+              <a:spcAft>
+                <a:spcPts val="400"/>
+              </a:spcAft>
+              <a:buClrTx/>
+              <a:buFont typeface="Calibri" pitchFamily="34" charset="0"/>
+              <a:buChar char="◦"/>
+              <a:defRPr sz="1400" kern="1200">
+                <a:solidFill>
+                  <a:schemeClr val="tx1">
+                    <a:lumMod val="75000"/>
+                    <a:lumOff val="25000"/>
+                  </a:schemeClr>
+                </a:solidFill>
+                <a:latin typeface="+mn-lt"/>
+                <a:ea typeface="+mn-ea"/>
+                <a:cs typeface="+mn-cs"/>
+              </a:defRPr>
+            </a:lvl5pPr>
+            <a:lvl6pPr marL="1100000" indent="-228600" algn="l" defTabSz="914400" rtl="0" eaLnBrk="1" latinLnBrk="0" hangingPunct="1">
+              <a:lnSpc>
+                <a:spcPct val="90000"/>
+              </a:lnSpc>
+              <a:spcBef>
+                <a:spcPts val="200"/>
+              </a:spcBef>
+              <a:spcAft>
+                <a:spcPts val="400"/>
+              </a:spcAft>
+              <a:buClr>
+                <a:schemeClr val="accent1"/>
+              </a:buClr>
+              <a:buFont typeface="Calibri" pitchFamily="34" charset="0"/>
+              <a:buChar char="◦"/>
+              <a:defRPr sz="1400" kern="1200">
+                <a:solidFill>
+                  <a:schemeClr val="tx1">
+                    <a:lumMod val="75000"/>
+                    <a:lumOff val="25000"/>
+                  </a:schemeClr>
+                </a:solidFill>
+                <a:latin typeface="+mn-lt"/>
+                <a:ea typeface="+mn-ea"/>
+                <a:cs typeface="+mn-cs"/>
+              </a:defRPr>
+            </a:lvl6pPr>
+            <a:lvl7pPr marL="1300000" indent="-228600" algn="l" defTabSz="914400" rtl="0" eaLnBrk="1" latinLnBrk="0" hangingPunct="1">
+              <a:lnSpc>
+                <a:spcPct val="90000"/>
+              </a:lnSpc>
+              <a:spcBef>
+                <a:spcPts val="200"/>
+              </a:spcBef>
+              <a:spcAft>
+                <a:spcPts val="400"/>
+              </a:spcAft>
+              <a:buClr>
+                <a:schemeClr val="accent1"/>
+              </a:buClr>
+              <a:buFont typeface="Calibri" pitchFamily="34" charset="0"/>
+              <a:buChar char="◦"/>
+              <a:defRPr sz="1400" kern="1200">
+                <a:solidFill>
+                  <a:schemeClr val="tx1">
+                    <a:lumMod val="75000"/>
+                    <a:lumOff val="25000"/>
+                  </a:schemeClr>
+                </a:solidFill>
+                <a:latin typeface="+mn-lt"/>
+                <a:ea typeface="+mn-ea"/>
+                <a:cs typeface="+mn-cs"/>
+              </a:defRPr>
+            </a:lvl7pPr>
+            <a:lvl8pPr marL="1500000" indent="-228600" algn="l" defTabSz="914400" rtl="0" eaLnBrk="1" latinLnBrk="0" hangingPunct="1">
+              <a:lnSpc>
+                <a:spcPct val="90000"/>
+              </a:lnSpc>
+              <a:spcBef>
+                <a:spcPts val="200"/>
+              </a:spcBef>
+              <a:spcAft>
+                <a:spcPts val="400"/>
+              </a:spcAft>
+              <a:buClr>
+                <a:schemeClr val="accent1"/>
+              </a:buClr>
+              <a:buFont typeface="Calibri" pitchFamily="34" charset="0"/>
+              <a:buChar char="◦"/>
+              <a:defRPr sz="1400" kern="1200">
+                <a:solidFill>
+                  <a:schemeClr val="tx1">
+                    <a:lumMod val="75000"/>
+                    <a:lumOff val="25000"/>
+                  </a:schemeClr>
+                </a:solidFill>
+                <a:latin typeface="+mn-lt"/>
+                <a:ea typeface="+mn-ea"/>
+                <a:cs typeface="+mn-cs"/>
+              </a:defRPr>
+            </a:lvl8pPr>
+            <a:lvl9pPr marL="1700000" indent="-228600" algn="l" defTabSz="914400" rtl="0" eaLnBrk="1" latinLnBrk="0" hangingPunct="1">
+              <a:lnSpc>
+                <a:spcPct val="90000"/>
+              </a:lnSpc>
+              <a:spcBef>
+                <a:spcPts val="200"/>
+              </a:spcBef>
+              <a:spcAft>
+                <a:spcPts val="400"/>
+              </a:spcAft>
+              <a:buClr>
+                <a:schemeClr val="accent1"/>
+              </a:buClr>
+              <a:buFont typeface="Calibri" pitchFamily="34" charset="0"/>
+              <a:buChar char="◦"/>
+              <a:defRPr sz="1400" kern="1200">
+                <a:solidFill>
+                  <a:schemeClr val="tx1">
+                    <a:lumMod val="75000"/>
+                    <a:lumOff val="25000"/>
+                  </a:schemeClr>
+                </a:solidFill>
+                <a:latin typeface="+mn-lt"/>
+                <a:ea typeface="+mn-ea"/>
+                <a:cs typeface="+mn-cs"/>
+              </a:defRPr>
+            </a:lvl9pPr>
+          </a:lstStyle>
+          <a:p>
+            <a:pPr>
+              <a:buFont typeface="Wingdings" panose="05000000000000000000" pitchFamily="2" charset="2"/>
+              <a:buChar char="q"/>
+            </a:pPr>
+            <a:r>
+              <a:rPr lang="en-US" dirty="0"/>
+              <a:t> 55% increase in people moving from another state </a:t>
+            </a:r>
+          </a:p>
+          <a:p>
+            <a:pPr>
+              <a:buFont typeface="Wingdings" panose="05000000000000000000" pitchFamily="2" charset="2"/>
+              <a:buChar char="q"/>
+            </a:pPr>
+            <a:r>
+              <a:rPr lang="en-US" dirty="0"/>
+              <a:t>People moving from abroad has remained relatively flat</a:t>
+            </a:r>
+          </a:p>
+          <a:p>
+            <a:pPr marL="0" indent="0">
+              <a:buNone/>
+            </a:pPr>
+            <a:endParaRPr lang="en-US" dirty="0"/>
+          </a:p>
+        </p:txBody>
+      </p:sp>
+      <p:pic>
+        <p:nvPicPr>
+          <p:cNvPr id="15" name="Picture 14">
+            <a:extLst>
+              <a:ext uri="{FF2B5EF4-FFF2-40B4-BE49-F238E27FC236}">
+                <a16:creationId xmlns:a16="http://schemas.microsoft.com/office/drawing/2014/main" id="{28A45521-A0F2-9E7A-5C98-5FF0C7326552}"/>
+              </a:ext>
+            </a:extLst>
+          </p:cNvPr>
+          <p:cNvPicPr>
+            <a:picLocks noChangeAspect="1"/>
+          </p:cNvPicPr>
+          <p:nvPr/>
+        </p:nvPicPr>
+        <p:blipFill>
+          <a:blip r:embed="rId2"/>
+          <a:stretch>
+            <a:fillRect/>
+          </a:stretch>
+        </p:blipFill>
+        <p:spPr>
+          <a:xfrm>
+            <a:off x="3473869" y="1210635"/>
+            <a:ext cx="8252520" cy="5060319"/>
+          </a:xfrm>
+          <a:prstGeom prst="rect">
+            <a:avLst/>
+          </a:prstGeom>
+          <a:ln>
+            <a:noFill/>
+          </a:ln>
+          <a:effectLst>
+            <a:outerShdw blurRad="292100" dist="139700" dir="2700000" algn="tl" rotWithShape="0">
+              <a:srgbClr val="333333">
+                <a:alpha val="65000"/>
+              </a:srgbClr>
+            </a:outerShdw>
+          </a:effectLst>
+        </p:spPr>
+      </p:pic>
+    </p:spTree>
+    <p:extLst>
+      <p:ext uri="{BB962C8B-B14F-4D97-AF65-F5344CB8AC3E}">
+        <p14:creationId xmlns:p14="http://schemas.microsoft.com/office/powerpoint/2010/main" val="64032788"/>
+      </p:ext>
+    </p:extLst>
+  </p:cSld>
+  <p:clrMapOvr>
+    <a:masterClrMapping/>
+  </p:clrMapOvr>
+</p:sld>
+</file>
+
+<file path=ppt/slides/slide7.xml><?xml version="1.0" encoding="utf-8"?>
+<p:sld xmlns:a="http://schemas.openxmlformats.org/drawingml/2006/main" xmlns:r="http://schemas.openxmlformats.org/officeDocument/2006/relationships" xmlns:p="http://schemas.openxmlformats.org/presentationml/2006/main">
+  <p:cSld>
+    <p:spTree>
+      <p:nvGrpSpPr>
+        <p:cNvPr id="1" name=""/>
+        <p:cNvGrpSpPr/>
+        <p:nvPr/>
+      </p:nvGrpSpPr>
+      <p:grpSpPr>
+        <a:xfrm>
+          <a:off x="0" y="0"/>
+          <a:ext cx="0" cy="0"/>
+          <a:chOff x="0" y="0"/>
+          <a:chExt cx="0" cy="0"/>
+        </a:xfrm>
+      </p:grpSpPr>
+      <p:sp>
+        <p:nvSpPr>
+          <p:cNvPr id="2" name="Title 1">
+            <a:extLst>
+              <a:ext uri="{FF2B5EF4-FFF2-40B4-BE49-F238E27FC236}">
+                <a16:creationId xmlns:a16="http://schemas.microsoft.com/office/drawing/2014/main" id="{389FD03E-798E-4118-B7D4-3E85419647BA}"/>
+              </a:ext>
+            </a:extLst>
+          </p:cNvPr>
+          <p:cNvSpPr>
+            <a:spLocks noGrp="1"/>
+          </p:cNvSpPr>
+          <p:nvPr>
+            <p:ph type="title"/>
+          </p:nvPr>
+        </p:nvSpPr>
+        <p:spPr>
+          <a:xfrm>
+            <a:off x="413855" y="262132"/>
+            <a:ext cx="10452849" cy="910492"/>
+          </a:xfrm>
+        </p:spPr>
+        <p:txBody>
+          <a:bodyPr>
+            <a:normAutofit/>
+          </a:bodyPr>
+          <a:lstStyle/>
+          <a:p>
+            <a:r>
+              <a:rPr lang="en-US" sz="3600" dirty="0"/>
+              <a:t>Where are these people coming from?</a:t>
+            </a:r>
+          </a:p>
+        </p:txBody>
+      </p:sp>
+      <p:pic>
+        <p:nvPicPr>
+          <p:cNvPr id="10" name="Picture 9">
+            <a:extLst>
+              <a:ext uri="{FF2B5EF4-FFF2-40B4-BE49-F238E27FC236}">
+                <a16:creationId xmlns:a16="http://schemas.microsoft.com/office/drawing/2014/main" id="{04D3245C-0818-4D3C-C599-CEE7BE0091D2}"/>
+              </a:ext>
+            </a:extLst>
+          </p:cNvPr>
+          <p:cNvPicPr>
+            <a:picLocks noChangeAspect="1"/>
+          </p:cNvPicPr>
+          <p:nvPr/>
+        </p:nvPicPr>
+        <p:blipFill>
+          <a:blip r:embed="rId2"/>
+          <a:stretch>
+            <a:fillRect/>
+          </a:stretch>
+        </p:blipFill>
+        <p:spPr>
+          <a:xfrm>
+            <a:off x="1695450" y="990600"/>
+            <a:ext cx="8884678" cy="5378680"/>
+          </a:xfrm>
+          <a:prstGeom prst="rect">
+            <a:avLst/>
+          </a:prstGeom>
+          <a:ln>
+            <a:noFill/>
+          </a:ln>
+          <a:effectLst>
+            <a:outerShdw blurRad="292100" dist="139700" dir="2700000" algn="tl" rotWithShape="0">
+              <a:srgbClr val="333333">
+                <a:alpha val="65000"/>
+              </a:srgbClr>
+            </a:outerShdw>
+          </a:effectLst>
+        </p:spPr>
+      </p:pic>
+    </p:spTree>
+    <p:extLst>
+      <p:ext uri="{BB962C8B-B14F-4D97-AF65-F5344CB8AC3E}">
+        <p14:creationId xmlns:p14="http://schemas.microsoft.com/office/powerpoint/2010/main" val="2971247682"/>
+      </p:ext>
+    </p:extLst>
+  </p:cSld>
+  <p:clrMapOvr>
+    <a:masterClrMapping/>
+  </p:clrMapOvr>
+</p:sld>
+</file>
+
+<file path=ppt/slides/slide8.xml><?xml version="1.0" encoding="utf-8"?>
+<p:sld xmlns:a="http://schemas.openxmlformats.org/drawingml/2006/main" xmlns:r="http://schemas.openxmlformats.org/officeDocument/2006/relationships" xmlns:p="http://schemas.openxmlformats.org/presentationml/2006/main">
+  <p:cSld>
+    <p:spTree>
+      <p:nvGrpSpPr>
+        <p:cNvPr id="1" name=""/>
+        <p:cNvGrpSpPr/>
+        <p:nvPr/>
+      </p:nvGrpSpPr>
+      <p:grpSpPr>
+        <a:xfrm>
+          <a:off x="0" y="0"/>
+          <a:ext cx="0" cy="0"/>
+          <a:chOff x="0" y="0"/>
+          <a:chExt cx="0" cy="0"/>
+        </a:xfrm>
+      </p:grpSpPr>
+      <p:pic>
+        <p:nvPicPr>
+          <p:cNvPr id="25" name="Picture 24">
+            <a:extLst>
+              <a:ext uri="{FF2B5EF4-FFF2-40B4-BE49-F238E27FC236}">
+                <a16:creationId xmlns:a16="http://schemas.microsoft.com/office/drawing/2014/main" id="{C0CA8035-8E9E-48F7-0A70-1DCCCD760E95}"/>
+              </a:ext>
+            </a:extLst>
+          </p:cNvPr>
+          <p:cNvPicPr>
+            <a:picLocks noChangeAspect="1"/>
+          </p:cNvPicPr>
+          <p:nvPr/>
+        </p:nvPicPr>
+        <p:blipFill>
+          <a:blip r:embed="rId2"/>
+          <a:stretch>
+            <a:fillRect/>
+          </a:stretch>
+        </p:blipFill>
+        <p:spPr>
+          <a:xfrm>
+            <a:off x="6632400" y="1684890"/>
+            <a:ext cx="4234304" cy="2618250"/>
+          </a:xfrm>
+          <a:prstGeom prst="rect">
+            <a:avLst/>
+          </a:prstGeom>
+          <a:ln>
+            <a:noFill/>
+          </a:ln>
+          <a:effectLst>
+            <a:outerShdw blurRad="292100" dist="139700" dir="2700000" algn="tl" rotWithShape="0">
+              <a:srgbClr val="333333">
+                <a:alpha val="65000"/>
+              </a:srgbClr>
+            </a:outerShdw>
+          </a:effectLst>
+        </p:spPr>
+      </p:pic>
+      <p:pic>
+        <p:nvPicPr>
+          <p:cNvPr id="21" name="Picture 20">
+            <a:extLst>
+              <a:ext uri="{FF2B5EF4-FFF2-40B4-BE49-F238E27FC236}">
+                <a16:creationId xmlns:a16="http://schemas.microsoft.com/office/drawing/2014/main" id="{EA998086-7961-39CE-3E28-55F7B5B5B07B}"/>
+              </a:ext>
+            </a:extLst>
+          </p:cNvPr>
+          <p:cNvPicPr>
+            <a:picLocks noChangeAspect="1"/>
+          </p:cNvPicPr>
+          <p:nvPr/>
+        </p:nvPicPr>
+        <p:blipFill>
+          <a:blip r:embed="rId3"/>
+          <a:stretch>
+            <a:fillRect/>
+          </a:stretch>
+        </p:blipFill>
+        <p:spPr>
+          <a:xfrm>
+            <a:off x="883457" y="1684890"/>
+            <a:ext cx="4265166" cy="2618250"/>
+          </a:xfrm>
+          <a:prstGeom prst="rect">
+            <a:avLst/>
+          </a:prstGeom>
+          <a:ln>
+            <a:noFill/>
+          </a:ln>
+          <a:effectLst>
+            <a:outerShdw blurRad="292100" dist="139700" dir="2700000" algn="tl" rotWithShape="0">
+              <a:srgbClr val="333333">
+                <a:alpha val="65000"/>
+              </a:srgbClr>
+            </a:outerShdw>
+          </a:effectLst>
+        </p:spPr>
+      </p:pic>
+      <p:sp>
+        <p:nvSpPr>
+          <p:cNvPr id="2" name="Title 1">
+            <a:extLst>
+              <a:ext uri="{FF2B5EF4-FFF2-40B4-BE49-F238E27FC236}">
+                <a16:creationId xmlns:a16="http://schemas.microsoft.com/office/drawing/2014/main" id="{389FD03E-798E-4118-B7D4-3E85419647BA}"/>
+              </a:ext>
+            </a:extLst>
+          </p:cNvPr>
+          <p:cNvSpPr>
+            <a:spLocks noGrp="1"/>
+          </p:cNvSpPr>
+          <p:nvPr>
+            <p:ph type="title"/>
+          </p:nvPr>
+        </p:nvSpPr>
+        <p:spPr>
+          <a:xfrm>
+            <a:off x="413855" y="262132"/>
+            <a:ext cx="10452849" cy="910492"/>
+          </a:xfrm>
+        </p:spPr>
+        <p:txBody>
+          <a:bodyPr>
+            <a:normAutofit/>
+          </a:bodyPr>
+          <a:lstStyle/>
+          <a:p>
+            <a:r>
+              <a:rPr lang="en-US" sz="3600" dirty="0"/>
+              <a:t>Migratory Patterns</a:t>
+            </a:r>
+          </a:p>
+        </p:txBody>
+      </p:sp>
+      <p:pic>
+        <p:nvPicPr>
+          <p:cNvPr id="9" name="Picture 8">
+            <a:extLst>
+              <a:ext uri="{FF2B5EF4-FFF2-40B4-BE49-F238E27FC236}">
+                <a16:creationId xmlns:a16="http://schemas.microsoft.com/office/drawing/2014/main" id="{08A44DEE-A572-82E5-8252-AC2805829E18}"/>
+              </a:ext>
+            </a:extLst>
+          </p:cNvPr>
+          <p:cNvPicPr>
+            <a:picLocks noChangeAspect="1"/>
+          </p:cNvPicPr>
+          <p:nvPr/>
+        </p:nvPicPr>
+        <p:blipFill>
+          <a:blip r:embed="rId4"/>
+          <a:stretch>
+            <a:fillRect/>
+          </a:stretch>
+        </p:blipFill>
+        <p:spPr>
+          <a:xfrm>
+            <a:off x="3326615" y="1684890"/>
+            <a:ext cx="1822008" cy="174649"/>
+          </a:xfrm>
+          <a:prstGeom prst="rect">
+            <a:avLst/>
+          </a:prstGeom>
+        </p:spPr>
+      </p:pic>
+      <p:sp>
+        <p:nvSpPr>
+          <p:cNvPr id="11" name="TextBox 10">
+            <a:extLst>
+              <a:ext uri="{FF2B5EF4-FFF2-40B4-BE49-F238E27FC236}">
+                <a16:creationId xmlns:a16="http://schemas.microsoft.com/office/drawing/2014/main" id="{8D8EC91D-195D-E46E-8E2E-E64070A5909D}"/>
+              </a:ext>
+            </a:extLst>
+          </p:cNvPr>
+          <p:cNvSpPr txBox="1"/>
+          <p:nvPr/>
+        </p:nvSpPr>
+        <p:spPr>
+          <a:xfrm>
+            <a:off x="1892783" y="1263192"/>
+            <a:ext cx="2167923" cy="331130"/>
+          </a:xfrm>
+          <a:prstGeom prst="rect">
+            <a:avLst/>
+          </a:prstGeom>
+        </p:spPr>
+        <p:txBody>
+          <a:bodyPr wrap="square" rtlCol="0">
+            <a:spAutoFit/>
+          </a:bodyPr>
+          <a:lstStyle/>
+          <a:p>
+            <a:pPr algn="ctr"/>
+            <a:r>
+              <a:rPr lang="en-US" b="1" dirty="0"/>
+              <a:t>2010</a:t>
+            </a:r>
+          </a:p>
+        </p:txBody>
+      </p:sp>
+      <p:sp>
+        <p:nvSpPr>
+          <p:cNvPr id="15" name="TextBox 14">
+            <a:extLst>
+              <a:ext uri="{FF2B5EF4-FFF2-40B4-BE49-F238E27FC236}">
+                <a16:creationId xmlns:a16="http://schemas.microsoft.com/office/drawing/2014/main" id="{2F608914-6A0A-DFF0-49D2-DAE6E22CC2D3}"/>
+              </a:ext>
+            </a:extLst>
+          </p:cNvPr>
+          <p:cNvSpPr txBox="1"/>
+          <p:nvPr/>
+        </p:nvSpPr>
+        <p:spPr>
+          <a:xfrm>
+            <a:off x="7650159" y="1259508"/>
             <a:ext cx="2167923" cy="369332"/>
           </a:xfrm>
           <a:prstGeom prst="rect">
@@ -10284,508 +13499,7 @@
 </p:sld>
 </file>
 
-<file path=ppt/slides/slide11.xml><?xml version="1.0" encoding="utf-8"?>
-<p:sld xmlns:a="http://schemas.openxmlformats.org/drawingml/2006/main" xmlns:r="http://schemas.openxmlformats.org/officeDocument/2006/relationships" xmlns:p="http://schemas.openxmlformats.org/presentationml/2006/main">
-  <p:cSld>
-    <p:spTree>
-      <p:nvGrpSpPr>
-        <p:cNvPr id="1" name=""/>
-        <p:cNvGrpSpPr/>
-        <p:nvPr/>
-      </p:nvGrpSpPr>
-      <p:grpSpPr>
-        <a:xfrm>
-          <a:off x="0" y="0"/>
-          <a:ext cx="0" cy="0"/>
-          <a:chOff x="0" y="0"/>
-          <a:chExt cx="0" cy="0"/>
-        </a:xfrm>
-      </p:grpSpPr>
-      <p:sp>
-        <p:nvSpPr>
-          <p:cNvPr id="2" name="Title 1">
-            <a:extLst>
-              <a:ext uri="{FF2B5EF4-FFF2-40B4-BE49-F238E27FC236}">
-                <a16:creationId xmlns:a16="http://schemas.microsoft.com/office/drawing/2014/main" id="{389FD03E-798E-4118-B7D4-3E85419647BA}"/>
-              </a:ext>
-            </a:extLst>
-          </p:cNvPr>
-          <p:cNvSpPr>
-            <a:spLocks noGrp="1"/>
-          </p:cNvSpPr>
-          <p:nvPr>
-            <p:ph type="title"/>
-          </p:nvPr>
-        </p:nvSpPr>
-        <p:spPr>
-          <a:xfrm>
-            <a:off x="413855" y="262132"/>
-            <a:ext cx="10452849" cy="910492"/>
-          </a:xfrm>
-        </p:spPr>
-        <p:txBody>
-          <a:bodyPr>
-            <a:normAutofit/>
-          </a:bodyPr>
-          <a:lstStyle/>
-          <a:p>
-            <a:r>
-              <a:rPr lang="en-US" sz="3600" dirty="0"/>
-              <a:t>Migratory Patterns</a:t>
-            </a:r>
-          </a:p>
-        </p:txBody>
-      </p:sp>
-      <p:sp>
-        <p:nvSpPr>
-          <p:cNvPr id="11" name="TextBox 10">
-            <a:extLst>
-              <a:ext uri="{FF2B5EF4-FFF2-40B4-BE49-F238E27FC236}">
-                <a16:creationId xmlns:a16="http://schemas.microsoft.com/office/drawing/2014/main" id="{8D8EC91D-195D-E46E-8E2E-E64070A5909D}"/>
-              </a:ext>
-            </a:extLst>
-          </p:cNvPr>
-          <p:cNvSpPr txBox="1"/>
-          <p:nvPr/>
-        </p:nvSpPr>
-        <p:spPr>
-          <a:xfrm>
-            <a:off x="1892783" y="1194182"/>
-            <a:ext cx="2167923" cy="331130"/>
-          </a:xfrm>
-          <a:prstGeom prst="rect">
-            <a:avLst/>
-          </a:prstGeom>
-          <a:noFill/>
-        </p:spPr>
-        <p:txBody>
-          <a:bodyPr wrap="square" rtlCol="0">
-            <a:spAutoFit/>
-          </a:bodyPr>
-          <a:lstStyle/>
-          <a:p>
-            <a:pPr algn="ctr"/>
-            <a:r>
-              <a:rPr lang="en-US" b="1" dirty="0"/>
-              <a:t>2010</a:t>
-            </a:r>
-          </a:p>
-        </p:txBody>
-      </p:sp>
-      <p:sp>
-        <p:nvSpPr>
-          <p:cNvPr id="15" name="TextBox 14">
-            <a:extLst>
-              <a:ext uri="{FF2B5EF4-FFF2-40B4-BE49-F238E27FC236}">
-                <a16:creationId xmlns:a16="http://schemas.microsoft.com/office/drawing/2014/main" id="{2F608914-6A0A-DFF0-49D2-DAE6E22CC2D3}"/>
-              </a:ext>
-            </a:extLst>
-          </p:cNvPr>
-          <p:cNvSpPr txBox="1"/>
-          <p:nvPr/>
-        </p:nvSpPr>
-        <p:spPr>
-          <a:xfrm>
-            <a:off x="8135452" y="1194182"/>
-            <a:ext cx="2167923" cy="369332"/>
-          </a:xfrm>
-          <a:prstGeom prst="rect">
-            <a:avLst/>
-          </a:prstGeom>
-          <a:noFill/>
-        </p:spPr>
-        <p:txBody>
-          <a:bodyPr wrap="square" rtlCol="0">
-            <a:spAutoFit/>
-          </a:bodyPr>
-          <a:lstStyle/>
-          <a:p>
-            <a:pPr algn="ctr"/>
-            <a:r>
-              <a:rPr lang="en-US" b="1" dirty="0"/>
-              <a:t>2020</a:t>
-            </a:r>
-          </a:p>
-        </p:txBody>
-      </p:sp>
-      <p:sp>
-        <p:nvSpPr>
-          <p:cNvPr id="19" name="Content Placeholder 9">
-            <a:extLst>
-              <a:ext uri="{FF2B5EF4-FFF2-40B4-BE49-F238E27FC236}">
-                <a16:creationId xmlns:a16="http://schemas.microsoft.com/office/drawing/2014/main" id="{9998325F-D0C4-C61A-0D56-4B6595E97E7F}"/>
-              </a:ext>
-            </a:extLst>
-          </p:cNvPr>
-          <p:cNvSpPr txBox="1">
-            <a:spLocks/>
-          </p:cNvSpPr>
-          <p:nvPr/>
-        </p:nvSpPr>
-        <p:spPr>
-          <a:xfrm>
-            <a:off x="556180" y="4685121"/>
-            <a:ext cx="10539167" cy="1543855"/>
-          </a:xfrm>
-          <a:prstGeom prst="rect">
-            <a:avLst/>
-          </a:prstGeom>
-        </p:spPr>
-        <p:txBody>
-          <a:bodyPr>
-            <a:normAutofit fontScale="85000" lnSpcReduction="20000"/>
-          </a:bodyPr>
-          <a:lstStyle>
-            <a:lvl1pPr marL="91440" indent="-91440" algn="l" defTabSz="914400" rtl="0" eaLnBrk="1" latinLnBrk="0" hangingPunct="1">
-              <a:lnSpc>
-                <a:spcPct val="100000"/>
-              </a:lnSpc>
-              <a:spcBef>
-                <a:spcPts val="1200"/>
-              </a:spcBef>
-              <a:spcAft>
-                <a:spcPts val="200"/>
-              </a:spcAft>
-              <a:buClr>
-                <a:schemeClr val="accent1"/>
-              </a:buClr>
-              <a:buSzPct val="100000"/>
-              <a:buFont typeface="Calibri" panose="020F0502020204030204" pitchFamily="34" charset="0"/>
-              <a:buChar char=" "/>
-              <a:defRPr sz="2000" kern="1200">
-                <a:solidFill>
-                  <a:schemeClr val="tx1">
-                    <a:lumMod val="75000"/>
-                    <a:lumOff val="25000"/>
-                  </a:schemeClr>
-                </a:solidFill>
-                <a:latin typeface="+mn-lt"/>
-                <a:ea typeface="+mn-ea"/>
-                <a:cs typeface="+mn-cs"/>
-              </a:defRPr>
-            </a:lvl1pPr>
-            <a:lvl2pPr marL="384048" indent="-182880" algn="l" defTabSz="914400" rtl="0" eaLnBrk="1" latinLnBrk="0" hangingPunct="1">
-              <a:lnSpc>
-                <a:spcPct val="100000"/>
-              </a:lnSpc>
-              <a:spcBef>
-                <a:spcPts val="200"/>
-              </a:spcBef>
-              <a:spcAft>
-                <a:spcPts val="400"/>
-              </a:spcAft>
-              <a:buClrTx/>
-              <a:buFont typeface="Calibri" pitchFamily="34" charset="0"/>
-              <a:buChar char="◦"/>
-              <a:defRPr sz="1800" kern="1200">
-                <a:solidFill>
-                  <a:schemeClr val="tx1">
-                    <a:lumMod val="75000"/>
-                    <a:lumOff val="25000"/>
-                  </a:schemeClr>
-                </a:solidFill>
-                <a:latin typeface="+mn-lt"/>
-                <a:ea typeface="+mn-ea"/>
-                <a:cs typeface="+mn-cs"/>
-              </a:defRPr>
-            </a:lvl2pPr>
-            <a:lvl3pPr marL="566928" indent="-182880" algn="l" defTabSz="914400" rtl="0" eaLnBrk="1" latinLnBrk="0" hangingPunct="1">
-              <a:lnSpc>
-                <a:spcPct val="100000"/>
-              </a:lnSpc>
-              <a:spcBef>
-                <a:spcPts val="200"/>
-              </a:spcBef>
-              <a:spcAft>
-                <a:spcPts val="400"/>
-              </a:spcAft>
-              <a:buClrTx/>
-              <a:buFont typeface="Calibri" pitchFamily="34" charset="0"/>
-              <a:buChar char="◦"/>
-              <a:defRPr sz="1400" kern="1200">
-                <a:solidFill>
-                  <a:schemeClr val="tx1">
-                    <a:lumMod val="75000"/>
-                    <a:lumOff val="25000"/>
-                  </a:schemeClr>
-                </a:solidFill>
-                <a:latin typeface="+mn-lt"/>
-                <a:ea typeface="+mn-ea"/>
-                <a:cs typeface="+mn-cs"/>
-              </a:defRPr>
-            </a:lvl3pPr>
-            <a:lvl4pPr marL="749808" indent="-182880" algn="l" defTabSz="914400" rtl="0" eaLnBrk="1" latinLnBrk="0" hangingPunct="1">
-              <a:lnSpc>
-                <a:spcPct val="100000"/>
-              </a:lnSpc>
-              <a:spcBef>
-                <a:spcPts val="200"/>
-              </a:spcBef>
-              <a:spcAft>
-                <a:spcPts val="400"/>
-              </a:spcAft>
-              <a:buClrTx/>
-              <a:buFont typeface="Calibri" pitchFamily="34" charset="0"/>
-              <a:buChar char="◦"/>
-              <a:defRPr sz="1400" kern="1200">
-                <a:solidFill>
-                  <a:schemeClr val="tx1">
-                    <a:lumMod val="75000"/>
-                    <a:lumOff val="25000"/>
-                  </a:schemeClr>
-                </a:solidFill>
-                <a:latin typeface="+mn-lt"/>
-                <a:ea typeface="+mn-ea"/>
-                <a:cs typeface="+mn-cs"/>
-              </a:defRPr>
-            </a:lvl4pPr>
-            <a:lvl5pPr marL="932688" indent="-182880" algn="l" defTabSz="914400" rtl="0" eaLnBrk="1" latinLnBrk="0" hangingPunct="1">
-              <a:lnSpc>
-                <a:spcPct val="100000"/>
-              </a:lnSpc>
-              <a:spcBef>
-                <a:spcPts val="200"/>
-              </a:spcBef>
-              <a:spcAft>
-                <a:spcPts val="400"/>
-              </a:spcAft>
-              <a:buClrTx/>
-              <a:buFont typeface="Calibri" pitchFamily="34" charset="0"/>
-              <a:buChar char="◦"/>
-              <a:defRPr sz="1400" kern="1200">
-                <a:solidFill>
-                  <a:schemeClr val="tx1">
-                    <a:lumMod val="75000"/>
-                    <a:lumOff val="25000"/>
-                  </a:schemeClr>
-                </a:solidFill>
-                <a:latin typeface="+mn-lt"/>
-                <a:ea typeface="+mn-ea"/>
-                <a:cs typeface="+mn-cs"/>
-              </a:defRPr>
-            </a:lvl5pPr>
-            <a:lvl6pPr marL="1100000" indent="-228600" algn="l" defTabSz="914400" rtl="0" eaLnBrk="1" latinLnBrk="0" hangingPunct="1">
-              <a:lnSpc>
-                <a:spcPct val="90000"/>
-              </a:lnSpc>
-              <a:spcBef>
-                <a:spcPts val="200"/>
-              </a:spcBef>
-              <a:spcAft>
-                <a:spcPts val="400"/>
-              </a:spcAft>
-              <a:buClr>
-                <a:schemeClr val="accent1"/>
-              </a:buClr>
-              <a:buFont typeface="Calibri" pitchFamily="34" charset="0"/>
-              <a:buChar char="◦"/>
-              <a:defRPr sz="1400" kern="1200">
-                <a:solidFill>
-                  <a:schemeClr val="tx1">
-                    <a:lumMod val="75000"/>
-                    <a:lumOff val="25000"/>
-                  </a:schemeClr>
-                </a:solidFill>
-                <a:latin typeface="+mn-lt"/>
-                <a:ea typeface="+mn-ea"/>
-                <a:cs typeface="+mn-cs"/>
-              </a:defRPr>
-            </a:lvl6pPr>
-            <a:lvl7pPr marL="1300000" indent="-228600" algn="l" defTabSz="914400" rtl="0" eaLnBrk="1" latinLnBrk="0" hangingPunct="1">
-              <a:lnSpc>
-                <a:spcPct val="90000"/>
-              </a:lnSpc>
-              <a:spcBef>
-                <a:spcPts val="200"/>
-              </a:spcBef>
-              <a:spcAft>
-                <a:spcPts val="400"/>
-              </a:spcAft>
-              <a:buClr>
-                <a:schemeClr val="accent1"/>
-              </a:buClr>
-              <a:buFont typeface="Calibri" pitchFamily="34" charset="0"/>
-              <a:buChar char="◦"/>
-              <a:defRPr sz="1400" kern="1200">
-                <a:solidFill>
-                  <a:schemeClr val="tx1">
-                    <a:lumMod val="75000"/>
-                    <a:lumOff val="25000"/>
-                  </a:schemeClr>
-                </a:solidFill>
-                <a:latin typeface="+mn-lt"/>
-                <a:ea typeface="+mn-ea"/>
-                <a:cs typeface="+mn-cs"/>
-              </a:defRPr>
-            </a:lvl7pPr>
-            <a:lvl8pPr marL="1500000" indent="-228600" algn="l" defTabSz="914400" rtl="0" eaLnBrk="1" latinLnBrk="0" hangingPunct="1">
-              <a:lnSpc>
-                <a:spcPct val="90000"/>
-              </a:lnSpc>
-              <a:spcBef>
-                <a:spcPts val="200"/>
-              </a:spcBef>
-              <a:spcAft>
-                <a:spcPts val="400"/>
-              </a:spcAft>
-              <a:buClr>
-                <a:schemeClr val="accent1"/>
-              </a:buClr>
-              <a:buFont typeface="Calibri" pitchFamily="34" charset="0"/>
-              <a:buChar char="◦"/>
-              <a:defRPr sz="1400" kern="1200">
-                <a:solidFill>
-                  <a:schemeClr val="tx1">
-                    <a:lumMod val="75000"/>
-                    <a:lumOff val="25000"/>
-                  </a:schemeClr>
-                </a:solidFill>
-                <a:latin typeface="+mn-lt"/>
-                <a:ea typeface="+mn-ea"/>
-                <a:cs typeface="+mn-cs"/>
-              </a:defRPr>
-            </a:lvl8pPr>
-            <a:lvl9pPr marL="1700000" indent="-228600" algn="l" defTabSz="914400" rtl="0" eaLnBrk="1" latinLnBrk="0" hangingPunct="1">
-              <a:lnSpc>
-                <a:spcPct val="90000"/>
-              </a:lnSpc>
-              <a:spcBef>
-                <a:spcPts val="200"/>
-              </a:spcBef>
-              <a:spcAft>
-                <a:spcPts val="400"/>
-              </a:spcAft>
-              <a:buClr>
-                <a:schemeClr val="accent1"/>
-              </a:buClr>
-              <a:buFont typeface="Calibri" pitchFamily="34" charset="0"/>
-              <a:buChar char="◦"/>
-              <a:defRPr sz="1400" kern="1200">
-                <a:solidFill>
-                  <a:schemeClr val="tx1">
-                    <a:lumMod val="75000"/>
-                    <a:lumOff val="25000"/>
-                  </a:schemeClr>
-                </a:solidFill>
-                <a:latin typeface="+mn-lt"/>
-                <a:ea typeface="+mn-ea"/>
-                <a:cs typeface="+mn-cs"/>
-              </a:defRPr>
-            </a:lvl9pPr>
-          </a:lstStyle>
-          <a:p>
-            <a:pPr>
-              <a:buFont typeface="Wingdings" panose="05000000000000000000" pitchFamily="2" charset="2"/>
-              <a:buChar char="q"/>
-            </a:pPr>
-            <a:r>
-              <a:rPr lang="en-US" dirty="0"/>
-              <a:t> Florida remains the biggest contributor for volume of new TN residents with 50% increase since 2010</a:t>
-            </a:r>
-          </a:p>
-          <a:p>
-            <a:pPr>
-              <a:buFont typeface="Wingdings" panose="05000000000000000000" pitchFamily="2" charset="2"/>
-              <a:buChar char="q"/>
-            </a:pPr>
-            <a:r>
-              <a:rPr lang="en-US" dirty="0"/>
-              <a:t> For states showing 5K+ residents moving this way each year, Illinois (244%) and California (108%) have shown the most significant increase from 2010 to 2020, with trends expected to stay the same in 2022</a:t>
-            </a:r>
-          </a:p>
-          <a:p>
-            <a:pPr>
-              <a:buFont typeface="Wingdings" panose="05000000000000000000" pitchFamily="2" charset="2"/>
-              <a:buChar char="q"/>
-            </a:pPr>
-            <a:r>
-              <a:rPr lang="en-US" dirty="0"/>
-              <a:t> Of the top 10 contributors for volume, Virginia (-4%), Kentucky (-7%), and Alabama (-12%) have all shown a decrease since 2010. </a:t>
-            </a:r>
-          </a:p>
-          <a:p>
-            <a:pPr>
-              <a:buFont typeface="Wingdings" panose="05000000000000000000" pitchFamily="2" charset="2"/>
-              <a:buChar char="q"/>
-            </a:pPr>
-            <a:endParaRPr lang="en-US" dirty="0"/>
-          </a:p>
-        </p:txBody>
-      </p:sp>
-      <p:pic>
-        <p:nvPicPr>
-          <p:cNvPr id="13" name="Picture 12">
-            <a:extLst>
-              <a:ext uri="{FF2B5EF4-FFF2-40B4-BE49-F238E27FC236}">
-                <a16:creationId xmlns:a16="http://schemas.microsoft.com/office/drawing/2014/main" id="{B4A6464C-B89B-CBF3-0BFF-FCD69E7DB82B}"/>
-              </a:ext>
-            </a:extLst>
-          </p:cNvPr>
-          <p:cNvPicPr>
-            <a:picLocks noChangeAspect="1"/>
-          </p:cNvPicPr>
-          <p:nvPr/>
-        </p:nvPicPr>
-        <p:blipFill>
-          <a:blip r:embed="rId3"/>
-          <a:stretch>
-            <a:fillRect/>
-          </a:stretch>
-        </p:blipFill>
-        <p:spPr>
-          <a:xfrm>
-            <a:off x="6376513" y="1708031"/>
-            <a:ext cx="5125610" cy="2700464"/>
-          </a:xfrm>
-          <a:prstGeom prst="rect">
-            <a:avLst/>
-          </a:prstGeom>
-        </p:spPr>
-      </p:pic>
-      <p:pic>
-        <p:nvPicPr>
-          <p:cNvPr id="17" name="Picture 16">
-            <a:extLst>
-              <a:ext uri="{FF2B5EF4-FFF2-40B4-BE49-F238E27FC236}">
-                <a16:creationId xmlns:a16="http://schemas.microsoft.com/office/drawing/2014/main" id="{6E03041C-B801-40DE-2F17-057852D42C83}"/>
-              </a:ext>
-            </a:extLst>
-          </p:cNvPr>
-          <p:cNvPicPr>
-            <a:picLocks noChangeAspect="1"/>
-          </p:cNvPicPr>
-          <p:nvPr/>
-        </p:nvPicPr>
-        <p:blipFill>
-          <a:blip r:embed="rId4"/>
-          <a:stretch>
-            <a:fillRect/>
-          </a:stretch>
-        </p:blipFill>
-        <p:spPr>
-          <a:xfrm>
-            <a:off x="970390" y="1708031"/>
-            <a:ext cx="5125610" cy="2624402"/>
-          </a:xfrm>
-          <a:prstGeom prst="rect">
-            <a:avLst/>
-          </a:prstGeom>
-        </p:spPr>
-      </p:pic>
-    </p:spTree>
-    <p:extLst>
-      <p:ext uri="{BB962C8B-B14F-4D97-AF65-F5344CB8AC3E}">
-        <p14:creationId xmlns:p14="http://schemas.microsoft.com/office/powerpoint/2010/main" val="1867070940"/>
-      </p:ext>
-    </p:extLst>
-  </p:cSld>
-  <p:clrMapOvr>
-    <a:masterClrMapping/>
-  </p:clrMapOvr>
-</p:sld>
-</file>
-
-<file path=ppt/slides/slide12.xml><?xml version="1.0" encoding="utf-8"?>
+<file path=ppt/slides/slide9.xml><?xml version="1.0" encoding="utf-8"?>
 <p:sld xmlns:a="http://schemas.openxmlformats.org/drawingml/2006/main" xmlns:r="http://schemas.openxmlformats.org/officeDocument/2006/relationships" xmlns:p="http://schemas.openxmlformats.org/presentationml/2006/main">
   <p:cSld>
     <p:spTree>
@@ -11178,3840 +13892,6 @@
     <p:extLst>
       <p:ext uri="{BB962C8B-B14F-4D97-AF65-F5344CB8AC3E}">
         <p14:creationId xmlns:p14="http://schemas.microsoft.com/office/powerpoint/2010/main" val="971197970"/>
-      </p:ext>
-    </p:extLst>
-  </p:cSld>
-  <p:clrMapOvr>
-    <a:masterClrMapping/>
-  </p:clrMapOvr>
-</p:sld>
-</file>
-
-<file path=ppt/slides/slide13.xml><?xml version="1.0" encoding="utf-8"?>
-<p:sld xmlns:a="http://schemas.openxmlformats.org/drawingml/2006/main" xmlns:r="http://schemas.openxmlformats.org/officeDocument/2006/relationships" xmlns:p="http://schemas.openxmlformats.org/presentationml/2006/main">
-  <p:cSld>
-    <p:spTree>
-      <p:nvGrpSpPr>
-        <p:cNvPr id="1" name=""/>
-        <p:cNvGrpSpPr/>
-        <p:nvPr/>
-      </p:nvGrpSpPr>
-      <p:grpSpPr>
-        <a:xfrm>
-          <a:off x="0" y="0"/>
-          <a:ext cx="0" cy="0"/>
-          <a:chOff x="0" y="0"/>
-          <a:chExt cx="0" cy="0"/>
-        </a:xfrm>
-      </p:grpSpPr>
-      <p:sp>
-        <p:nvSpPr>
-          <p:cNvPr id="2" name="Title 1">
-            <a:extLst>
-              <a:ext uri="{FF2B5EF4-FFF2-40B4-BE49-F238E27FC236}">
-                <a16:creationId xmlns:a16="http://schemas.microsoft.com/office/drawing/2014/main" id="{389FD03E-798E-4118-B7D4-3E85419647BA}"/>
-              </a:ext>
-            </a:extLst>
-          </p:cNvPr>
-          <p:cNvSpPr>
-            <a:spLocks noGrp="1"/>
-          </p:cNvSpPr>
-          <p:nvPr>
-            <p:ph type="title"/>
-          </p:nvPr>
-        </p:nvSpPr>
-        <p:spPr>
-          <a:xfrm>
-            <a:off x="413855" y="262132"/>
-            <a:ext cx="10452849" cy="910492"/>
-          </a:xfrm>
-        </p:spPr>
-        <p:txBody>
-          <a:bodyPr>
-            <a:normAutofit/>
-          </a:bodyPr>
-          <a:lstStyle/>
-          <a:p>
-            <a:r>
-              <a:rPr lang="en-US" sz="3600" dirty="0"/>
-              <a:t>Buying Trends</a:t>
-            </a:r>
-          </a:p>
-        </p:txBody>
-      </p:sp>
-      <p:grpSp>
-        <p:nvGrpSpPr>
-          <p:cNvPr id="8" name="Group 7">
-            <a:extLst>
-              <a:ext uri="{FF2B5EF4-FFF2-40B4-BE49-F238E27FC236}">
-                <a16:creationId xmlns:a16="http://schemas.microsoft.com/office/drawing/2014/main" id="{149E49A8-3B37-634C-FB60-C83A3A68E3CD}"/>
-              </a:ext>
-            </a:extLst>
-          </p:cNvPr>
-          <p:cNvGrpSpPr/>
-          <p:nvPr/>
-        </p:nvGrpSpPr>
-        <p:grpSpPr>
-          <a:xfrm>
-            <a:off x="1446191" y="1119966"/>
-            <a:ext cx="9299618" cy="4867760"/>
-            <a:chOff x="1567086" y="1119966"/>
-            <a:chExt cx="9299618" cy="4867760"/>
-          </a:xfrm>
-        </p:grpSpPr>
-        <p:pic>
-          <p:nvPicPr>
-            <p:cNvPr id="13" name="Picture 12">
-              <a:extLst>
-                <a:ext uri="{FF2B5EF4-FFF2-40B4-BE49-F238E27FC236}">
-                  <a16:creationId xmlns:a16="http://schemas.microsoft.com/office/drawing/2014/main" id="{9DCC9FFC-95B0-344B-9203-BB57309F2FC8}"/>
-                </a:ext>
-              </a:extLst>
-            </p:cNvPr>
-            <p:cNvPicPr>
-              <a:picLocks noChangeAspect="1"/>
-            </p:cNvPicPr>
-            <p:nvPr/>
-          </p:nvPicPr>
-          <p:blipFill>
-            <a:blip r:embed="rId2"/>
-            <a:stretch>
-              <a:fillRect/>
-            </a:stretch>
-          </p:blipFill>
-          <p:spPr>
-            <a:xfrm>
-              <a:off x="1567086" y="1119966"/>
-              <a:ext cx="9299618" cy="4867760"/>
-            </a:xfrm>
-            <a:prstGeom prst="rect">
-              <a:avLst/>
-            </a:prstGeom>
-            <a:ln>
-              <a:noFill/>
-            </a:ln>
-            <a:effectLst>
-              <a:outerShdw blurRad="292100" dist="139700" dir="2700000" algn="tl" rotWithShape="0">
-                <a:srgbClr val="333333">
-                  <a:alpha val="65000"/>
-                </a:srgbClr>
-              </a:outerShdw>
-            </a:effectLst>
-          </p:spPr>
-        </p:pic>
-        <p:cxnSp>
-          <p:nvCxnSpPr>
-            <p:cNvPr id="21" name="Straight Arrow Connector 20">
-              <a:extLst>
-                <a:ext uri="{FF2B5EF4-FFF2-40B4-BE49-F238E27FC236}">
-                  <a16:creationId xmlns:a16="http://schemas.microsoft.com/office/drawing/2014/main" id="{CC3C5C9C-1D49-E294-94B3-8AB4553FF1AF}"/>
-                </a:ext>
-              </a:extLst>
-            </p:cNvPr>
-            <p:cNvCxnSpPr>
-              <a:cxnSpLocks/>
-            </p:cNvCxnSpPr>
-            <p:nvPr/>
-          </p:nvCxnSpPr>
-          <p:spPr>
-            <a:xfrm flipV="1">
-              <a:off x="2462023" y="3314016"/>
-              <a:ext cx="4882370" cy="1177248"/>
-            </a:xfrm>
-            <a:prstGeom prst="straightConnector1">
-              <a:avLst/>
-            </a:prstGeom>
-            <a:ln w="12700">
-              <a:solidFill>
-                <a:schemeClr val="tx1"/>
-              </a:solidFill>
-              <a:headEnd type="triangle"/>
-              <a:tailEnd type="triangle"/>
-            </a:ln>
-          </p:spPr>
-          <p:style>
-            <a:lnRef idx="1">
-              <a:schemeClr val="accent1"/>
-            </a:lnRef>
-            <a:fillRef idx="0">
-              <a:schemeClr val="accent1"/>
-            </a:fillRef>
-            <a:effectRef idx="0">
-              <a:schemeClr val="accent1"/>
-            </a:effectRef>
-            <a:fontRef idx="minor">
-              <a:schemeClr val="tx1"/>
-            </a:fontRef>
-          </p:style>
-        </p:cxnSp>
-        <p:sp>
-          <p:nvSpPr>
-            <p:cNvPr id="24" name="TextBox 23">
-              <a:extLst>
-                <a:ext uri="{FF2B5EF4-FFF2-40B4-BE49-F238E27FC236}">
-                  <a16:creationId xmlns:a16="http://schemas.microsoft.com/office/drawing/2014/main" id="{4BF245AC-54EC-59FF-049F-FCD6F734CDD8}"/>
-                </a:ext>
-              </a:extLst>
-            </p:cNvPr>
-            <p:cNvSpPr txBox="1"/>
-            <p:nvPr/>
-          </p:nvSpPr>
-          <p:spPr>
-            <a:xfrm rot="20775718">
-              <a:off x="2886875" y="3573952"/>
-              <a:ext cx="3841173" cy="338554"/>
-            </a:xfrm>
-            <a:prstGeom prst="rect">
-              <a:avLst/>
-            </a:prstGeom>
-            <a:noFill/>
-          </p:spPr>
-          <p:txBody>
-            <a:bodyPr wrap="square" rtlCol="0">
-              <a:spAutoFit/>
-            </a:bodyPr>
-            <a:lstStyle/>
-            <a:p>
-              <a:pPr algn="ctr"/>
-              <a:r>
-                <a:rPr lang="en-US" sz="1600" dirty="0">
-                  <a:latin typeface="Din"/>
-                </a:rPr>
-                <a:t>Average </a:t>
-              </a:r>
-              <a:r>
-                <a:rPr lang="en-US" sz="1600" dirty="0">
-                  <a:solidFill>
-                    <a:srgbClr val="00B050"/>
-                  </a:solidFill>
-                  <a:latin typeface="Din"/>
-                </a:rPr>
-                <a:t>+7% </a:t>
-              </a:r>
-              <a:r>
-                <a:rPr lang="en-US" sz="1600" dirty="0">
-                  <a:latin typeface="Din"/>
-                </a:rPr>
-                <a:t>YoY</a:t>
-              </a:r>
-            </a:p>
-          </p:txBody>
-        </p:sp>
-        <p:sp>
-          <p:nvSpPr>
-            <p:cNvPr id="29" name="TextBox 28">
-              <a:extLst>
-                <a:ext uri="{FF2B5EF4-FFF2-40B4-BE49-F238E27FC236}">
-                  <a16:creationId xmlns:a16="http://schemas.microsoft.com/office/drawing/2014/main" id="{D4F667D7-53D8-9F92-8ADF-CEB4388FCE05}"/>
-                </a:ext>
-              </a:extLst>
-            </p:cNvPr>
-            <p:cNvSpPr txBox="1"/>
-            <p:nvPr/>
-          </p:nvSpPr>
-          <p:spPr>
-            <a:xfrm rot="19807504">
-              <a:off x="7796788" y="2290456"/>
-              <a:ext cx="1348352" cy="338554"/>
-            </a:xfrm>
-            <a:prstGeom prst="rect">
-              <a:avLst/>
-            </a:prstGeom>
-            <a:noFill/>
-          </p:spPr>
-          <p:txBody>
-            <a:bodyPr wrap="square" rtlCol="0">
-              <a:spAutoFit/>
-            </a:bodyPr>
-            <a:lstStyle/>
-            <a:p>
-              <a:pPr algn="ctr"/>
-              <a:r>
-                <a:rPr lang="en-US" sz="1600" dirty="0">
-                  <a:solidFill>
-                    <a:srgbClr val="00B050"/>
-                  </a:solidFill>
-                  <a:latin typeface="Din"/>
-                </a:rPr>
-                <a:t>+41%</a:t>
-              </a:r>
-            </a:p>
-          </p:txBody>
-        </p:sp>
-        <p:cxnSp>
-          <p:nvCxnSpPr>
-            <p:cNvPr id="25" name="Straight Arrow Connector 24">
-              <a:extLst>
-                <a:ext uri="{FF2B5EF4-FFF2-40B4-BE49-F238E27FC236}">
-                  <a16:creationId xmlns:a16="http://schemas.microsoft.com/office/drawing/2014/main" id="{835B65CF-FED4-A8B1-BFC9-570C398795E4}"/>
-                </a:ext>
-              </a:extLst>
-            </p:cNvPr>
-            <p:cNvCxnSpPr>
-              <a:cxnSpLocks/>
-            </p:cNvCxnSpPr>
-            <p:nvPr/>
-          </p:nvCxnSpPr>
-          <p:spPr>
-            <a:xfrm flipV="1">
-              <a:off x="7419975" y="1876777"/>
-              <a:ext cx="2371725" cy="1408447"/>
-            </a:xfrm>
-            <a:prstGeom prst="straightConnector1">
-              <a:avLst/>
-            </a:prstGeom>
-            <a:ln w="12700">
-              <a:solidFill>
-                <a:schemeClr val="tx1"/>
-              </a:solidFill>
-              <a:headEnd type="triangle"/>
-              <a:tailEnd type="triangle"/>
-            </a:ln>
-          </p:spPr>
-          <p:style>
-            <a:lnRef idx="1">
-              <a:schemeClr val="accent1"/>
-            </a:lnRef>
-            <a:fillRef idx="0">
-              <a:schemeClr val="accent1"/>
-            </a:fillRef>
-            <a:effectRef idx="0">
-              <a:schemeClr val="accent1"/>
-            </a:effectRef>
-            <a:fontRef idx="minor">
-              <a:schemeClr val="tx1"/>
-            </a:fontRef>
-          </p:style>
-        </p:cxnSp>
-      </p:grpSp>
-    </p:spTree>
-    <p:extLst>
-      <p:ext uri="{BB962C8B-B14F-4D97-AF65-F5344CB8AC3E}">
-        <p14:creationId xmlns:p14="http://schemas.microsoft.com/office/powerpoint/2010/main" val="1400315187"/>
-      </p:ext>
-    </p:extLst>
-  </p:cSld>
-  <p:clrMapOvr>
-    <a:masterClrMapping/>
-  </p:clrMapOvr>
-</p:sld>
-</file>
-
-<file path=ppt/slides/slide14.xml><?xml version="1.0" encoding="utf-8"?>
-<p:sld xmlns:a="http://schemas.openxmlformats.org/drawingml/2006/main" xmlns:r="http://schemas.openxmlformats.org/officeDocument/2006/relationships" xmlns:p="http://schemas.openxmlformats.org/presentationml/2006/main">
-  <p:cSld>
-    <p:spTree>
-      <p:nvGrpSpPr>
-        <p:cNvPr id="1" name=""/>
-        <p:cNvGrpSpPr/>
-        <p:nvPr/>
-      </p:nvGrpSpPr>
-      <p:grpSpPr>
-        <a:xfrm>
-          <a:off x="0" y="0"/>
-          <a:ext cx="0" cy="0"/>
-          <a:chOff x="0" y="0"/>
-          <a:chExt cx="0" cy="0"/>
-        </a:xfrm>
-      </p:grpSpPr>
-      <p:pic>
-        <p:nvPicPr>
-          <p:cNvPr id="39" name="Picture 38">
-            <a:extLst>
-              <a:ext uri="{FF2B5EF4-FFF2-40B4-BE49-F238E27FC236}">
-                <a16:creationId xmlns:a16="http://schemas.microsoft.com/office/drawing/2014/main" id="{776C9052-254D-F5F0-20C8-F0083B44AB17}"/>
-              </a:ext>
-            </a:extLst>
-          </p:cNvPr>
-          <p:cNvPicPr>
-            <a:picLocks noChangeAspect="1"/>
-          </p:cNvPicPr>
-          <p:nvPr/>
-        </p:nvPicPr>
-        <p:blipFill>
-          <a:blip r:embed="rId2"/>
-          <a:stretch>
-            <a:fillRect/>
-          </a:stretch>
-        </p:blipFill>
-        <p:spPr>
-          <a:xfrm>
-            <a:off x="955378" y="1129359"/>
-            <a:ext cx="10281245" cy="4945400"/>
-          </a:xfrm>
-          <a:prstGeom prst="rect">
-            <a:avLst/>
-          </a:prstGeom>
-          <a:ln>
-            <a:noFill/>
-          </a:ln>
-          <a:effectLst>
-            <a:outerShdw blurRad="292100" dist="139700" dir="2700000" algn="tl" rotWithShape="0">
-              <a:srgbClr val="333333">
-                <a:alpha val="65000"/>
-              </a:srgbClr>
-            </a:outerShdw>
-          </a:effectLst>
-        </p:spPr>
-      </p:pic>
-      <p:sp>
-        <p:nvSpPr>
-          <p:cNvPr id="2" name="Title 1">
-            <a:extLst>
-              <a:ext uri="{FF2B5EF4-FFF2-40B4-BE49-F238E27FC236}">
-                <a16:creationId xmlns:a16="http://schemas.microsoft.com/office/drawing/2014/main" id="{389FD03E-798E-4118-B7D4-3E85419647BA}"/>
-              </a:ext>
-            </a:extLst>
-          </p:cNvPr>
-          <p:cNvSpPr>
-            <a:spLocks noGrp="1"/>
-          </p:cNvSpPr>
-          <p:nvPr>
-            <p:ph type="title"/>
-          </p:nvPr>
-        </p:nvSpPr>
-        <p:spPr>
-          <a:xfrm>
-            <a:off x="413855" y="262132"/>
-            <a:ext cx="10452849" cy="910492"/>
-          </a:xfrm>
-        </p:spPr>
-        <p:txBody>
-          <a:bodyPr>
-            <a:normAutofit/>
-          </a:bodyPr>
-          <a:lstStyle/>
-          <a:p>
-            <a:r>
-              <a:rPr lang="en-US" sz="3600" dirty="0"/>
-              <a:t>Buying Trends</a:t>
-            </a:r>
-          </a:p>
-        </p:txBody>
-      </p:sp>
-      <p:cxnSp>
-        <p:nvCxnSpPr>
-          <p:cNvPr id="31" name="Straight Arrow Connector 30">
-            <a:extLst>
-              <a:ext uri="{FF2B5EF4-FFF2-40B4-BE49-F238E27FC236}">
-                <a16:creationId xmlns:a16="http://schemas.microsoft.com/office/drawing/2014/main" id="{EB2940E2-6537-1E40-6351-089784D6A986}"/>
-              </a:ext>
-            </a:extLst>
-          </p:cNvPr>
-          <p:cNvCxnSpPr>
-            <a:cxnSpLocks/>
-          </p:cNvCxnSpPr>
-          <p:nvPr/>
-        </p:nvCxnSpPr>
-        <p:spPr>
-          <a:xfrm>
-            <a:off x="7934325" y="2710098"/>
-            <a:ext cx="2495550" cy="2119077"/>
-          </a:xfrm>
-          <a:prstGeom prst="straightConnector1">
-            <a:avLst/>
-          </a:prstGeom>
-          <a:ln w="12700">
-            <a:solidFill>
-              <a:schemeClr val="tx1"/>
-            </a:solidFill>
-            <a:headEnd type="triangle"/>
-            <a:tailEnd type="triangle"/>
-          </a:ln>
-        </p:spPr>
-        <p:style>
-          <a:lnRef idx="1">
-            <a:schemeClr val="accent1"/>
-          </a:lnRef>
-          <a:fillRef idx="0">
-            <a:schemeClr val="accent1"/>
-          </a:fillRef>
-          <a:effectRef idx="0">
-            <a:schemeClr val="accent1"/>
-          </a:effectRef>
-          <a:fontRef idx="minor">
-            <a:schemeClr val="tx1"/>
-          </a:fontRef>
-        </p:style>
-      </p:cxnSp>
-      <p:sp>
-        <p:nvSpPr>
-          <p:cNvPr id="32" name="TextBox 31">
-            <a:extLst>
-              <a:ext uri="{FF2B5EF4-FFF2-40B4-BE49-F238E27FC236}">
-                <a16:creationId xmlns:a16="http://schemas.microsoft.com/office/drawing/2014/main" id="{6BF74F69-F66F-FC64-7355-E23A464EA4D9}"/>
-              </a:ext>
-            </a:extLst>
-          </p:cNvPr>
-          <p:cNvSpPr txBox="1"/>
-          <p:nvPr/>
-        </p:nvSpPr>
-        <p:spPr>
-          <a:xfrm rot="2666816">
-            <a:off x="8154035" y="3361337"/>
-            <a:ext cx="1998345" cy="338554"/>
-          </a:xfrm>
-          <a:prstGeom prst="rect">
-            <a:avLst/>
-          </a:prstGeom>
-          <a:noFill/>
-        </p:spPr>
-        <p:txBody>
-          <a:bodyPr wrap="square" rtlCol="0">
-            <a:spAutoFit/>
-          </a:bodyPr>
-          <a:lstStyle/>
-          <a:p>
-            <a:pPr algn="ctr"/>
-            <a:r>
-              <a:rPr lang="en-US" sz="1600" dirty="0">
-                <a:solidFill>
-                  <a:srgbClr val="FF0000"/>
-                </a:solidFill>
-                <a:latin typeface="Din"/>
-              </a:rPr>
-              <a:t>-43%</a:t>
-            </a:r>
-          </a:p>
-        </p:txBody>
-      </p:sp>
-    </p:spTree>
-    <p:extLst>
-      <p:ext uri="{BB962C8B-B14F-4D97-AF65-F5344CB8AC3E}">
-        <p14:creationId xmlns:p14="http://schemas.microsoft.com/office/powerpoint/2010/main" val="1007204279"/>
-      </p:ext>
-    </p:extLst>
-  </p:cSld>
-  <p:clrMapOvr>
-    <a:masterClrMapping/>
-  </p:clrMapOvr>
-</p:sld>
-</file>
-
-<file path=ppt/slides/slide15.xml><?xml version="1.0" encoding="utf-8"?>
-<p:sld xmlns:a="http://schemas.openxmlformats.org/drawingml/2006/main" xmlns:r="http://schemas.openxmlformats.org/officeDocument/2006/relationships" xmlns:p="http://schemas.openxmlformats.org/presentationml/2006/main">
-  <p:cSld>
-    <p:spTree>
-      <p:nvGrpSpPr>
-        <p:cNvPr id="1" name=""/>
-        <p:cNvGrpSpPr/>
-        <p:nvPr/>
-      </p:nvGrpSpPr>
-      <p:grpSpPr>
-        <a:xfrm>
-          <a:off x="0" y="0"/>
-          <a:ext cx="0" cy="0"/>
-          <a:chOff x="0" y="0"/>
-          <a:chExt cx="0" cy="0"/>
-        </a:xfrm>
-      </p:grpSpPr>
-      <p:sp>
-        <p:nvSpPr>
-          <p:cNvPr id="2" name="Title 1">
-            <a:extLst>
-              <a:ext uri="{FF2B5EF4-FFF2-40B4-BE49-F238E27FC236}">
-                <a16:creationId xmlns:a16="http://schemas.microsoft.com/office/drawing/2014/main" id="{389FD03E-798E-4118-B7D4-3E85419647BA}"/>
-              </a:ext>
-            </a:extLst>
-          </p:cNvPr>
-          <p:cNvSpPr>
-            <a:spLocks noGrp="1"/>
-          </p:cNvSpPr>
-          <p:nvPr>
-            <p:ph type="title"/>
-          </p:nvPr>
-        </p:nvSpPr>
-        <p:spPr>
-          <a:xfrm>
-            <a:off x="413855" y="262132"/>
-            <a:ext cx="10452849" cy="910492"/>
-          </a:xfrm>
-        </p:spPr>
-        <p:txBody>
-          <a:bodyPr>
-            <a:normAutofit/>
-          </a:bodyPr>
-          <a:lstStyle/>
-          <a:p>
-            <a:r>
-              <a:rPr lang="en-US" sz="3600" dirty="0"/>
-              <a:t>Are more people renting than buying?</a:t>
-            </a:r>
-          </a:p>
-        </p:txBody>
-      </p:sp>
-      <p:pic>
-        <p:nvPicPr>
-          <p:cNvPr id="4" name="Picture 3">
-            <a:extLst>
-              <a:ext uri="{FF2B5EF4-FFF2-40B4-BE49-F238E27FC236}">
-                <a16:creationId xmlns:a16="http://schemas.microsoft.com/office/drawing/2014/main" id="{F9BDC8CC-943B-9383-B4F2-9C13A8F510EE}"/>
-              </a:ext>
-            </a:extLst>
-          </p:cNvPr>
-          <p:cNvPicPr>
-            <a:picLocks noChangeAspect="1"/>
-          </p:cNvPicPr>
-          <p:nvPr/>
-        </p:nvPicPr>
-        <p:blipFill>
-          <a:blip r:embed="rId2"/>
-          <a:stretch>
-            <a:fillRect/>
-          </a:stretch>
-        </p:blipFill>
-        <p:spPr>
-          <a:xfrm>
-            <a:off x="2495047" y="1166228"/>
-            <a:ext cx="7201905" cy="5001323"/>
-          </a:xfrm>
-          <a:prstGeom prst="rect">
-            <a:avLst/>
-          </a:prstGeom>
-          <a:ln>
-            <a:noFill/>
-          </a:ln>
-          <a:effectLst>
-            <a:outerShdw blurRad="292100" dist="139700" dir="2700000" algn="tl" rotWithShape="0">
-              <a:srgbClr val="333333">
-                <a:alpha val="65000"/>
-              </a:srgbClr>
-            </a:outerShdw>
-          </a:effectLst>
-        </p:spPr>
-      </p:pic>
-    </p:spTree>
-    <p:extLst>
-      <p:ext uri="{BB962C8B-B14F-4D97-AF65-F5344CB8AC3E}">
-        <p14:creationId xmlns:p14="http://schemas.microsoft.com/office/powerpoint/2010/main" val="3685414779"/>
-      </p:ext>
-    </p:extLst>
-  </p:cSld>
-  <p:clrMapOvr>
-    <a:masterClrMapping/>
-  </p:clrMapOvr>
-</p:sld>
-</file>
-
-<file path=ppt/slides/slide16.xml><?xml version="1.0" encoding="utf-8"?>
-<p:sld xmlns:a="http://schemas.openxmlformats.org/drawingml/2006/main" xmlns:r="http://schemas.openxmlformats.org/officeDocument/2006/relationships" xmlns:p="http://schemas.openxmlformats.org/presentationml/2006/main">
-  <p:cSld>
-    <p:spTree>
-      <p:nvGrpSpPr>
-        <p:cNvPr id="1" name=""/>
-        <p:cNvGrpSpPr/>
-        <p:nvPr/>
-      </p:nvGrpSpPr>
-      <p:grpSpPr>
-        <a:xfrm>
-          <a:off x="0" y="0"/>
-          <a:ext cx="0" cy="0"/>
-          <a:chOff x="0" y="0"/>
-          <a:chExt cx="0" cy="0"/>
-        </a:xfrm>
-      </p:grpSpPr>
-      <p:sp>
-        <p:nvSpPr>
-          <p:cNvPr id="2" name="Title 1">
-            <a:extLst>
-              <a:ext uri="{FF2B5EF4-FFF2-40B4-BE49-F238E27FC236}">
-                <a16:creationId xmlns:a16="http://schemas.microsoft.com/office/drawing/2014/main" id="{AEC8EAF8-4B2D-6CF6-E1A7-81008BBEE809}"/>
-              </a:ext>
-            </a:extLst>
-          </p:cNvPr>
-          <p:cNvSpPr>
-            <a:spLocks noGrp="1"/>
-          </p:cNvSpPr>
-          <p:nvPr>
-            <p:ph type="title"/>
-          </p:nvPr>
-        </p:nvSpPr>
-        <p:spPr/>
-        <p:txBody>
-          <a:bodyPr/>
-          <a:lstStyle/>
-          <a:p>
-            <a:r>
-              <a:rPr lang="en-US" dirty="0"/>
-              <a:t>Sources</a:t>
-            </a:r>
-          </a:p>
-        </p:txBody>
-      </p:sp>
-      <p:sp>
-        <p:nvSpPr>
-          <p:cNvPr id="4" name="Content Placeholder 9">
-            <a:extLst>
-              <a:ext uri="{FF2B5EF4-FFF2-40B4-BE49-F238E27FC236}">
-                <a16:creationId xmlns:a16="http://schemas.microsoft.com/office/drawing/2014/main" id="{BBB00122-B7C2-1FA9-D917-21B0FBFC55CF}"/>
-              </a:ext>
-            </a:extLst>
-          </p:cNvPr>
-          <p:cNvSpPr txBox="1">
-            <a:spLocks/>
-          </p:cNvSpPr>
-          <p:nvPr/>
-        </p:nvSpPr>
-        <p:spPr>
-          <a:xfrm>
-            <a:off x="6908149" y="1462765"/>
-            <a:ext cx="4488857" cy="4589243"/>
-          </a:xfrm>
-          <a:prstGeom prst="rect">
-            <a:avLst/>
-          </a:prstGeom>
-        </p:spPr>
-        <p:txBody>
-          <a:bodyPr>
-            <a:normAutofit/>
-          </a:bodyPr>
-          <a:lstStyle>
-            <a:lvl1pPr marL="91440" indent="-91440" algn="l" defTabSz="914400" rtl="0" eaLnBrk="1" latinLnBrk="0" hangingPunct="1">
-              <a:lnSpc>
-                <a:spcPct val="100000"/>
-              </a:lnSpc>
-              <a:spcBef>
-                <a:spcPts val="1200"/>
-              </a:spcBef>
-              <a:spcAft>
-                <a:spcPts val="200"/>
-              </a:spcAft>
-              <a:buClr>
-                <a:schemeClr val="accent1"/>
-              </a:buClr>
-              <a:buSzPct val="100000"/>
-              <a:buFont typeface="Calibri" panose="020F0502020204030204" pitchFamily="34" charset="0"/>
-              <a:buChar char=" "/>
-              <a:defRPr sz="2000" kern="1200">
-                <a:solidFill>
-                  <a:schemeClr val="tx1">
-                    <a:lumMod val="75000"/>
-                    <a:lumOff val="25000"/>
-                  </a:schemeClr>
-                </a:solidFill>
-                <a:latin typeface="+mn-lt"/>
-                <a:ea typeface="+mn-ea"/>
-                <a:cs typeface="+mn-cs"/>
-              </a:defRPr>
-            </a:lvl1pPr>
-            <a:lvl2pPr marL="384048" indent="-182880" algn="l" defTabSz="914400" rtl="0" eaLnBrk="1" latinLnBrk="0" hangingPunct="1">
-              <a:lnSpc>
-                <a:spcPct val="100000"/>
-              </a:lnSpc>
-              <a:spcBef>
-                <a:spcPts val="200"/>
-              </a:spcBef>
-              <a:spcAft>
-                <a:spcPts val="400"/>
-              </a:spcAft>
-              <a:buClrTx/>
-              <a:buFont typeface="Calibri" pitchFamily="34" charset="0"/>
-              <a:buChar char="◦"/>
-              <a:defRPr sz="1800" kern="1200">
-                <a:solidFill>
-                  <a:schemeClr val="tx1">
-                    <a:lumMod val="75000"/>
-                    <a:lumOff val="25000"/>
-                  </a:schemeClr>
-                </a:solidFill>
-                <a:latin typeface="+mn-lt"/>
-                <a:ea typeface="+mn-ea"/>
-                <a:cs typeface="+mn-cs"/>
-              </a:defRPr>
-            </a:lvl2pPr>
-            <a:lvl3pPr marL="566928" indent="-182880" algn="l" defTabSz="914400" rtl="0" eaLnBrk="1" latinLnBrk="0" hangingPunct="1">
-              <a:lnSpc>
-                <a:spcPct val="100000"/>
-              </a:lnSpc>
-              <a:spcBef>
-                <a:spcPts val="200"/>
-              </a:spcBef>
-              <a:spcAft>
-                <a:spcPts val="400"/>
-              </a:spcAft>
-              <a:buClrTx/>
-              <a:buFont typeface="Calibri" pitchFamily="34" charset="0"/>
-              <a:buChar char="◦"/>
-              <a:defRPr sz="1400" kern="1200">
-                <a:solidFill>
-                  <a:schemeClr val="tx1">
-                    <a:lumMod val="75000"/>
-                    <a:lumOff val="25000"/>
-                  </a:schemeClr>
-                </a:solidFill>
-                <a:latin typeface="+mn-lt"/>
-                <a:ea typeface="+mn-ea"/>
-                <a:cs typeface="+mn-cs"/>
-              </a:defRPr>
-            </a:lvl3pPr>
-            <a:lvl4pPr marL="749808" indent="-182880" algn="l" defTabSz="914400" rtl="0" eaLnBrk="1" latinLnBrk="0" hangingPunct="1">
-              <a:lnSpc>
-                <a:spcPct val="100000"/>
-              </a:lnSpc>
-              <a:spcBef>
-                <a:spcPts val="200"/>
-              </a:spcBef>
-              <a:spcAft>
-                <a:spcPts val="400"/>
-              </a:spcAft>
-              <a:buClrTx/>
-              <a:buFont typeface="Calibri" pitchFamily="34" charset="0"/>
-              <a:buChar char="◦"/>
-              <a:defRPr sz="1400" kern="1200">
-                <a:solidFill>
-                  <a:schemeClr val="tx1">
-                    <a:lumMod val="75000"/>
-                    <a:lumOff val="25000"/>
-                  </a:schemeClr>
-                </a:solidFill>
-                <a:latin typeface="+mn-lt"/>
-                <a:ea typeface="+mn-ea"/>
-                <a:cs typeface="+mn-cs"/>
-              </a:defRPr>
-            </a:lvl4pPr>
-            <a:lvl5pPr marL="932688" indent="-182880" algn="l" defTabSz="914400" rtl="0" eaLnBrk="1" latinLnBrk="0" hangingPunct="1">
-              <a:lnSpc>
-                <a:spcPct val="100000"/>
-              </a:lnSpc>
-              <a:spcBef>
-                <a:spcPts val="200"/>
-              </a:spcBef>
-              <a:spcAft>
-                <a:spcPts val="400"/>
-              </a:spcAft>
-              <a:buClrTx/>
-              <a:buFont typeface="Calibri" pitchFamily="34" charset="0"/>
-              <a:buChar char="◦"/>
-              <a:defRPr sz="1400" kern="1200">
-                <a:solidFill>
-                  <a:schemeClr val="tx1">
-                    <a:lumMod val="75000"/>
-                    <a:lumOff val="25000"/>
-                  </a:schemeClr>
-                </a:solidFill>
-                <a:latin typeface="+mn-lt"/>
-                <a:ea typeface="+mn-ea"/>
-                <a:cs typeface="+mn-cs"/>
-              </a:defRPr>
-            </a:lvl5pPr>
-            <a:lvl6pPr marL="1100000" indent="-228600" algn="l" defTabSz="914400" rtl="0" eaLnBrk="1" latinLnBrk="0" hangingPunct="1">
-              <a:lnSpc>
-                <a:spcPct val="90000"/>
-              </a:lnSpc>
-              <a:spcBef>
-                <a:spcPts val="200"/>
-              </a:spcBef>
-              <a:spcAft>
-                <a:spcPts val="400"/>
-              </a:spcAft>
-              <a:buClr>
-                <a:schemeClr val="accent1"/>
-              </a:buClr>
-              <a:buFont typeface="Calibri" pitchFamily="34" charset="0"/>
-              <a:buChar char="◦"/>
-              <a:defRPr sz="1400" kern="1200">
-                <a:solidFill>
-                  <a:schemeClr val="tx1">
-                    <a:lumMod val="75000"/>
-                    <a:lumOff val="25000"/>
-                  </a:schemeClr>
-                </a:solidFill>
-                <a:latin typeface="+mn-lt"/>
-                <a:ea typeface="+mn-ea"/>
-                <a:cs typeface="+mn-cs"/>
-              </a:defRPr>
-            </a:lvl6pPr>
-            <a:lvl7pPr marL="1300000" indent="-228600" algn="l" defTabSz="914400" rtl="0" eaLnBrk="1" latinLnBrk="0" hangingPunct="1">
-              <a:lnSpc>
-                <a:spcPct val="90000"/>
-              </a:lnSpc>
-              <a:spcBef>
-                <a:spcPts val="200"/>
-              </a:spcBef>
-              <a:spcAft>
-                <a:spcPts val="400"/>
-              </a:spcAft>
-              <a:buClr>
-                <a:schemeClr val="accent1"/>
-              </a:buClr>
-              <a:buFont typeface="Calibri" pitchFamily="34" charset="0"/>
-              <a:buChar char="◦"/>
-              <a:defRPr sz="1400" kern="1200">
-                <a:solidFill>
-                  <a:schemeClr val="tx1">
-                    <a:lumMod val="75000"/>
-                    <a:lumOff val="25000"/>
-                  </a:schemeClr>
-                </a:solidFill>
-                <a:latin typeface="+mn-lt"/>
-                <a:ea typeface="+mn-ea"/>
-                <a:cs typeface="+mn-cs"/>
-              </a:defRPr>
-            </a:lvl7pPr>
-            <a:lvl8pPr marL="1500000" indent="-228600" algn="l" defTabSz="914400" rtl="0" eaLnBrk="1" latinLnBrk="0" hangingPunct="1">
-              <a:lnSpc>
-                <a:spcPct val="90000"/>
-              </a:lnSpc>
-              <a:spcBef>
-                <a:spcPts val="200"/>
-              </a:spcBef>
-              <a:spcAft>
-                <a:spcPts val="400"/>
-              </a:spcAft>
-              <a:buClr>
-                <a:schemeClr val="accent1"/>
-              </a:buClr>
-              <a:buFont typeface="Calibri" pitchFamily="34" charset="0"/>
-              <a:buChar char="◦"/>
-              <a:defRPr sz="1400" kern="1200">
-                <a:solidFill>
-                  <a:schemeClr val="tx1">
-                    <a:lumMod val="75000"/>
-                    <a:lumOff val="25000"/>
-                  </a:schemeClr>
-                </a:solidFill>
-                <a:latin typeface="+mn-lt"/>
-                <a:ea typeface="+mn-ea"/>
-                <a:cs typeface="+mn-cs"/>
-              </a:defRPr>
-            </a:lvl8pPr>
-            <a:lvl9pPr marL="1700000" indent="-228600" algn="l" defTabSz="914400" rtl="0" eaLnBrk="1" latinLnBrk="0" hangingPunct="1">
-              <a:lnSpc>
-                <a:spcPct val="90000"/>
-              </a:lnSpc>
-              <a:spcBef>
-                <a:spcPts val="200"/>
-              </a:spcBef>
-              <a:spcAft>
-                <a:spcPts val="400"/>
-              </a:spcAft>
-              <a:buClr>
-                <a:schemeClr val="accent1"/>
-              </a:buClr>
-              <a:buFont typeface="Calibri" pitchFamily="34" charset="0"/>
-              <a:buChar char="◦"/>
-              <a:defRPr sz="1400" kern="1200">
-                <a:solidFill>
-                  <a:schemeClr val="tx1">
-                    <a:lumMod val="75000"/>
-                    <a:lumOff val="25000"/>
-                  </a:schemeClr>
-                </a:solidFill>
-                <a:latin typeface="+mn-lt"/>
-                <a:ea typeface="+mn-ea"/>
-                <a:cs typeface="+mn-cs"/>
-              </a:defRPr>
-            </a:lvl9pPr>
-          </a:lstStyle>
-          <a:p>
-            <a:pPr>
-              <a:buFont typeface="Wingdings" panose="05000000000000000000" pitchFamily="2" charset="2"/>
-              <a:buChar char="q"/>
-            </a:pPr>
-            <a:r>
-              <a:rPr lang="en-US" dirty="0"/>
-              <a:t> </a:t>
-            </a:r>
-            <a:r>
-              <a:rPr lang="en-US" dirty="0">
-                <a:hlinkClick r:id="rId2"/>
-              </a:rPr>
-              <a:t>Zillow Housing Research</a:t>
-            </a:r>
-            <a:endParaRPr lang="en-US" dirty="0"/>
-          </a:p>
-          <a:p>
-            <a:pPr>
-              <a:buFont typeface="Wingdings" panose="05000000000000000000" pitchFamily="2" charset="2"/>
-              <a:buChar char="q"/>
-            </a:pPr>
-            <a:r>
-              <a:rPr lang="en-US" dirty="0"/>
-              <a:t> </a:t>
-            </a:r>
-            <a:r>
-              <a:rPr lang="en-US" dirty="0">
-                <a:hlinkClick r:id="rId3"/>
-              </a:rPr>
-              <a:t>US Census Data</a:t>
-            </a:r>
-            <a:endParaRPr lang="en-US" dirty="0"/>
-          </a:p>
-          <a:p>
-            <a:pPr>
-              <a:buFont typeface="Wingdings" panose="05000000000000000000" pitchFamily="2" charset="2"/>
-              <a:buChar char="q"/>
-            </a:pPr>
-            <a:r>
-              <a:rPr lang="en-US" dirty="0"/>
-              <a:t> </a:t>
-            </a:r>
-            <a:r>
-              <a:rPr lang="en-US" dirty="0">
-                <a:hlinkClick r:id="rId4"/>
-              </a:rPr>
-              <a:t>Davidson County Assessors Data</a:t>
-            </a:r>
-            <a:endParaRPr lang="en-US" dirty="0"/>
-          </a:p>
-        </p:txBody>
-      </p:sp>
-    </p:spTree>
-    <p:extLst>
-      <p:ext uri="{BB962C8B-B14F-4D97-AF65-F5344CB8AC3E}">
-        <p14:creationId xmlns:p14="http://schemas.microsoft.com/office/powerpoint/2010/main" val="2742051720"/>
-      </p:ext>
-    </p:extLst>
-  </p:cSld>
-  <p:clrMapOvr>
-    <a:masterClrMapping/>
-  </p:clrMapOvr>
-</p:sld>
-</file>
-
-<file path=ppt/slides/slide17.xml><?xml version="1.0" encoding="utf-8"?>
-<p:sld xmlns:a="http://schemas.openxmlformats.org/drawingml/2006/main" xmlns:r="http://schemas.openxmlformats.org/officeDocument/2006/relationships" xmlns:p="http://schemas.openxmlformats.org/presentationml/2006/main">
-  <p:cSld>
-    <p:spTree>
-      <p:nvGrpSpPr>
-        <p:cNvPr id="1" name=""/>
-        <p:cNvGrpSpPr/>
-        <p:nvPr/>
-      </p:nvGrpSpPr>
-      <p:grpSpPr>
-        <a:xfrm>
-          <a:off x="0" y="0"/>
-          <a:ext cx="0" cy="0"/>
-          <a:chOff x="0" y="0"/>
-          <a:chExt cx="0" cy="0"/>
-        </a:xfrm>
-      </p:grpSpPr>
-      <p:sp>
-        <p:nvSpPr>
-          <p:cNvPr id="6" name="Title 5">
-            <a:extLst>
-              <a:ext uri="{FF2B5EF4-FFF2-40B4-BE49-F238E27FC236}">
-                <a16:creationId xmlns:a16="http://schemas.microsoft.com/office/drawing/2014/main" id="{66CBFE42-DFD1-4945-A9A4-5544D38C9B7E}"/>
-              </a:ext>
-            </a:extLst>
-          </p:cNvPr>
-          <p:cNvSpPr>
-            <a:spLocks noGrp="1"/>
-          </p:cNvSpPr>
-          <p:nvPr>
-            <p:ph type="title"/>
-          </p:nvPr>
-        </p:nvSpPr>
-        <p:spPr/>
-        <p:txBody>
-          <a:bodyPr/>
-          <a:lstStyle/>
-          <a:p>
-            <a:r>
-              <a:rPr lang="en-US" dirty="0"/>
-              <a:t>Challenges &amp; Next Steps</a:t>
-            </a:r>
-          </a:p>
-        </p:txBody>
-      </p:sp>
-      <p:sp>
-        <p:nvSpPr>
-          <p:cNvPr id="2" name="Content Placeholder 9">
-            <a:extLst>
-              <a:ext uri="{FF2B5EF4-FFF2-40B4-BE49-F238E27FC236}">
-                <a16:creationId xmlns:a16="http://schemas.microsoft.com/office/drawing/2014/main" id="{271931E9-116F-2FF4-A1FF-DD182677B69B}"/>
-              </a:ext>
-            </a:extLst>
-          </p:cNvPr>
-          <p:cNvSpPr txBox="1">
-            <a:spLocks/>
-          </p:cNvSpPr>
-          <p:nvPr/>
-        </p:nvSpPr>
-        <p:spPr>
-          <a:xfrm>
-            <a:off x="6219825" y="1333501"/>
-            <a:ext cx="6057899" cy="6353174"/>
-          </a:xfrm>
-          <a:prstGeom prst="rect">
-            <a:avLst/>
-          </a:prstGeom>
-        </p:spPr>
-        <p:txBody>
-          <a:bodyPr>
-            <a:normAutofit/>
-          </a:bodyPr>
-          <a:lstStyle>
-            <a:lvl1pPr marL="91440" indent="-91440" algn="l" defTabSz="914400" rtl="0" eaLnBrk="1" latinLnBrk="0" hangingPunct="1">
-              <a:lnSpc>
-                <a:spcPct val="100000"/>
-              </a:lnSpc>
-              <a:spcBef>
-                <a:spcPts val="1200"/>
-              </a:spcBef>
-              <a:spcAft>
-                <a:spcPts val="200"/>
-              </a:spcAft>
-              <a:buClr>
-                <a:schemeClr val="accent1"/>
-              </a:buClr>
-              <a:buSzPct val="100000"/>
-              <a:buFont typeface="Calibri" panose="020F0502020204030204" pitchFamily="34" charset="0"/>
-              <a:buChar char=" "/>
-              <a:defRPr sz="2000" kern="1200">
-                <a:solidFill>
-                  <a:schemeClr val="tx1">
-                    <a:lumMod val="75000"/>
-                    <a:lumOff val="25000"/>
-                  </a:schemeClr>
-                </a:solidFill>
-                <a:latin typeface="+mn-lt"/>
-                <a:ea typeface="+mn-ea"/>
-                <a:cs typeface="+mn-cs"/>
-              </a:defRPr>
-            </a:lvl1pPr>
-            <a:lvl2pPr marL="384048" indent="-182880" algn="l" defTabSz="914400" rtl="0" eaLnBrk="1" latinLnBrk="0" hangingPunct="1">
-              <a:lnSpc>
-                <a:spcPct val="100000"/>
-              </a:lnSpc>
-              <a:spcBef>
-                <a:spcPts val="200"/>
-              </a:spcBef>
-              <a:spcAft>
-                <a:spcPts val="400"/>
-              </a:spcAft>
-              <a:buClrTx/>
-              <a:buFont typeface="Calibri" pitchFamily="34" charset="0"/>
-              <a:buChar char="◦"/>
-              <a:defRPr sz="1800" kern="1200">
-                <a:solidFill>
-                  <a:schemeClr val="tx1">
-                    <a:lumMod val="75000"/>
-                    <a:lumOff val="25000"/>
-                  </a:schemeClr>
-                </a:solidFill>
-                <a:latin typeface="+mn-lt"/>
-                <a:ea typeface="+mn-ea"/>
-                <a:cs typeface="+mn-cs"/>
-              </a:defRPr>
-            </a:lvl2pPr>
-            <a:lvl3pPr marL="566928" indent="-182880" algn="l" defTabSz="914400" rtl="0" eaLnBrk="1" latinLnBrk="0" hangingPunct="1">
-              <a:lnSpc>
-                <a:spcPct val="100000"/>
-              </a:lnSpc>
-              <a:spcBef>
-                <a:spcPts val="200"/>
-              </a:spcBef>
-              <a:spcAft>
-                <a:spcPts val="400"/>
-              </a:spcAft>
-              <a:buClrTx/>
-              <a:buFont typeface="Calibri" pitchFamily="34" charset="0"/>
-              <a:buChar char="◦"/>
-              <a:defRPr sz="1400" kern="1200">
-                <a:solidFill>
-                  <a:schemeClr val="tx1">
-                    <a:lumMod val="75000"/>
-                    <a:lumOff val="25000"/>
-                  </a:schemeClr>
-                </a:solidFill>
-                <a:latin typeface="+mn-lt"/>
-                <a:ea typeface="+mn-ea"/>
-                <a:cs typeface="+mn-cs"/>
-              </a:defRPr>
-            </a:lvl3pPr>
-            <a:lvl4pPr marL="749808" indent="-182880" algn="l" defTabSz="914400" rtl="0" eaLnBrk="1" latinLnBrk="0" hangingPunct="1">
-              <a:lnSpc>
-                <a:spcPct val="100000"/>
-              </a:lnSpc>
-              <a:spcBef>
-                <a:spcPts val="200"/>
-              </a:spcBef>
-              <a:spcAft>
-                <a:spcPts val="400"/>
-              </a:spcAft>
-              <a:buClrTx/>
-              <a:buFont typeface="Calibri" pitchFamily="34" charset="0"/>
-              <a:buChar char="◦"/>
-              <a:defRPr sz="1400" kern="1200">
-                <a:solidFill>
-                  <a:schemeClr val="tx1">
-                    <a:lumMod val="75000"/>
-                    <a:lumOff val="25000"/>
-                  </a:schemeClr>
-                </a:solidFill>
-                <a:latin typeface="+mn-lt"/>
-                <a:ea typeface="+mn-ea"/>
-                <a:cs typeface="+mn-cs"/>
-              </a:defRPr>
-            </a:lvl4pPr>
-            <a:lvl5pPr marL="932688" indent="-182880" algn="l" defTabSz="914400" rtl="0" eaLnBrk="1" latinLnBrk="0" hangingPunct="1">
-              <a:lnSpc>
-                <a:spcPct val="100000"/>
-              </a:lnSpc>
-              <a:spcBef>
-                <a:spcPts val="200"/>
-              </a:spcBef>
-              <a:spcAft>
-                <a:spcPts val="400"/>
-              </a:spcAft>
-              <a:buClrTx/>
-              <a:buFont typeface="Calibri" pitchFamily="34" charset="0"/>
-              <a:buChar char="◦"/>
-              <a:defRPr sz="1400" kern="1200">
-                <a:solidFill>
-                  <a:schemeClr val="tx1">
-                    <a:lumMod val="75000"/>
-                    <a:lumOff val="25000"/>
-                  </a:schemeClr>
-                </a:solidFill>
-                <a:latin typeface="+mn-lt"/>
-                <a:ea typeface="+mn-ea"/>
-                <a:cs typeface="+mn-cs"/>
-              </a:defRPr>
-            </a:lvl5pPr>
-            <a:lvl6pPr marL="1100000" indent="-228600" algn="l" defTabSz="914400" rtl="0" eaLnBrk="1" latinLnBrk="0" hangingPunct="1">
-              <a:lnSpc>
-                <a:spcPct val="90000"/>
-              </a:lnSpc>
-              <a:spcBef>
-                <a:spcPts val="200"/>
-              </a:spcBef>
-              <a:spcAft>
-                <a:spcPts val="400"/>
-              </a:spcAft>
-              <a:buClr>
-                <a:schemeClr val="accent1"/>
-              </a:buClr>
-              <a:buFont typeface="Calibri" pitchFamily="34" charset="0"/>
-              <a:buChar char="◦"/>
-              <a:defRPr sz="1400" kern="1200">
-                <a:solidFill>
-                  <a:schemeClr val="tx1">
-                    <a:lumMod val="75000"/>
-                    <a:lumOff val="25000"/>
-                  </a:schemeClr>
-                </a:solidFill>
-                <a:latin typeface="+mn-lt"/>
-                <a:ea typeface="+mn-ea"/>
-                <a:cs typeface="+mn-cs"/>
-              </a:defRPr>
-            </a:lvl6pPr>
-            <a:lvl7pPr marL="1300000" indent="-228600" algn="l" defTabSz="914400" rtl="0" eaLnBrk="1" latinLnBrk="0" hangingPunct="1">
-              <a:lnSpc>
-                <a:spcPct val="90000"/>
-              </a:lnSpc>
-              <a:spcBef>
-                <a:spcPts val="200"/>
-              </a:spcBef>
-              <a:spcAft>
-                <a:spcPts val="400"/>
-              </a:spcAft>
-              <a:buClr>
-                <a:schemeClr val="accent1"/>
-              </a:buClr>
-              <a:buFont typeface="Calibri" pitchFamily="34" charset="0"/>
-              <a:buChar char="◦"/>
-              <a:defRPr sz="1400" kern="1200">
-                <a:solidFill>
-                  <a:schemeClr val="tx1">
-                    <a:lumMod val="75000"/>
-                    <a:lumOff val="25000"/>
-                  </a:schemeClr>
-                </a:solidFill>
-                <a:latin typeface="+mn-lt"/>
-                <a:ea typeface="+mn-ea"/>
-                <a:cs typeface="+mn-cs"/>
-              </a:defRPr>
-            </a:lvl7pPr>
-            <a:lvl8pPr marL="1500000" indent="-228600" algn="l" defTabSz="914400" rtl="0" eaLnBrk="1" latinLnBrk="0" hangingPunct="1">
-              <a:lnSpc>
-                <a:spcPct val="90000"/>
-              </a:lnSpc>
-              <a:spcBef>
-                <a:spcPts val="200"/>
-              </a:spcBef>
-              <a:spcAft>
-                <a:spcPts val="400"/>
-              </a:spcAft>
-              <a:buClr>
-                <a:schemeClr val="accent1"/>
-              </a:buClr>
-              <a:buFont typeface="Calibri" pitchFamily="34" charset="0"/>
-              <a:buChar char="◦"/>
-              <a:defRPr sz="1400" kern="1200">
-                <a:solidFill>
-                  <a:schemeClr val="tx1">
-                    <a:lumMod val="75000"/>
-                    <a:lumOff val="25000"/>
-                  </a:schemeClr>
-                </a:solidFill>
-                <a:latin typeface="+mn-lt"/>
-                <a:ea typeface="+mn-ea"/>
-                <a:cs typeface="+mn-cs"/>
-              </a:defRPr>
-            </a:lvl8pPr>
-            <a:lvl9pPr marL="1700000" indent="-228600" algn="l" defTabSz="914400" rtl="0" eaLnBrk="1" latinLnBrk="0" hangingPunct="1">
-              <a:lnSpc>
-                <a:spcPct val="90000"/>
-              </a:lnSpc>
-              <a:spcBef>
-                <a:spcPts val="200"/>
-              </a:spcBef>
-              <a:spcAft>
-                <a:spcPts val="400"/>
-              </a:spcAft>
-              <a:buClr>
-                <a:schemeClr val="accent1"/>
-              </a:buClr>
-              <a:buFont typeface="Calibri" pitchFamily="34" charset="0"/>
-              <a:buChar char="◦"/>
-              <a:defRPr sz="1400" kern="1200">
-                <a:solidFill>
-                  <a:schemeClr val="tx1">
-                    <a:lumMod val="75000"/>
-                    <a:lumOff val="25000"/>
-                  </a:schemeClr>
-                </a:solidFill>
-                <a:latin typeface="+mn-lt"/>
-                <a:ea typeface="+mn-ea"/>
-                <a:cs typeface="+mn-cs"/>
-              </a:defRPr>
-            </a:lvl9pPr>
-          </a:lstStyle>
-          <a:p>
-            <a:pPr>
-              <a:buFont typeface="Wingdings" panose="05000000000000000000" pitchFamily="2" charset="2"/>
-              <a:buChar char="q"/>
-            </a:pPr>
-            <a:r>
-              <a:rPr lang="en-US" sz="2400" dirty="0"/>
-              <a:t> Challenges:</a:t>
-            </a:r>
-          </a:p>
-          <a:p>
-            <a:pPr lvl="1">
-              <a:buFont typeface="Wingdings" panose="05000000000000000000" pitchFamily="2" charset="2"/>
-              <a:buChar char="q"/>
-            </a:pPr>
-            <a:r>
-              <a:rPr lang="en-US" sz="2000" dirty="0"/>
-              <a:t>Census data for migratory patterns not available beyond 2020</a:t>
-            </a:r>
-          </a:p>
-          <a:p>
-            <a:pPr lvl="1">
-              <a:buFont typeface="Wingdings" panose="05000000000000000000" pitchFamily="2" charset="2"/>
-              <a:buChar char="q"/>
-            </a:pPr>
-            <a:r>
-              <a:rPr lang="en-US" sz="2000" dirty="0"/>
-              <a:t>Listing details unavailable prior to 2016 (for free)</a:t>
-            </a:r>
-          </a:p>
-          <a:p>
-            <a:pPr>
-              <a:buFont typeface="Wingdings" panose="05000000000000000000" pitchFamily="2" charset="2"/>
-              <a:buChar char="q"/>
-            </a:pPr>
-            <a:r>
-              <a:rPr lang="en-US" sz="2400" dirty="0"/>
-              <a:t> Next Steps: </a:t>
-            </a:r>
-          </a:p>
-          <a:p>
-            <a:pPr lvl="1">
-              <a:buFont typeface="Wingdings" panose="05000000000000000000" pitchFamily="2" charset="2"/>
-              <a:buChar char="q"/>
-            </a:pPr>
-            <a:r>
-              <a:rPr lang="en-US" sz="2000" dirty="0"/>
-              <a:t> % of homes sold above/under list price and by how much</a:t>
-            </a:r>
-          </a:p>
-          <a:p>
-            <a:pPr lvl="1">
-              <a:buFont typeface="Wingdings" panose="05000000000000000000" pitchFamily="2" charset="2"/>
-              <a:buChar char="q"/>
-            </a:pPr>
-            <a:r>
-              <a:rPr lang="en-US" sz="2000" dirty="0"/>
-              <a:t> How many homes were purchased and resold within 1 year and the price differences between</a:t>
-            </a:r>
-          </a:p>
-          <a:p>
-            <a:pPr lvl="1">
-              <a:buFont typeface="Wingdings" panose="05000000000000000000" pitchFamily="2" charset="2"/>
-              <a:buChar char="q"/>
-            </a:pPr>
-            <a:r>
-              <a:rPr lang="en-US" sz="2000" dirty="0"/>
-              <a:t> Distribution of “homes” purchased that were single family/condo/new construction</a:t>
-            </a:r>
-          </a:p>
-          <a:p>
-            <a:pPr lvl="1">
-              <a:buFont typeface="Wingdings" panose="05000000000000000000" pitchFamily="2" charset="2"/>
-              <a:buChar char="q"/>
-            </a:pPr>
-            <a:r>
-              <a:rPr lang="en-US" sz="2000" dirty="0"/>
-              <a:t> Break up the trends by price bands</a:t>
-            </a:r>
-          </a:p>
-          <a:p>
-            <a:pPr lvl="1">
-              <a:buFont typeface="Wingdings" panose="05000000000000000000" pitchFamily="2" charset="2"/>
-              <a:buChar char="q"/>
-            </a:pPr>
-            <a:r>
-              <a:rPr lang="en-US" sz="2000" dirty="0"/>
-              <a:t> National Average for all metrics</a:t>
-            </a:r>
-          </a:p>
-          <a:p>
-            <a:pPr lvl="1">
-              <a:buFont typeface="Wingdings" panose="05000000000000000000" pitchFamily="2" charset="2"/>
-              <a:buChar char="q"/>
-            </a:pPr>
-            <a:endParaRPr lang="en-US" dirty="0"/>
-          </a:p>
-          <a:p>
-            <a:pPr lvl="1">
-              <a:buFont typeface="Wingdings" panose="05000000000000000000" pitchFamily="2" charset="2"/>
-              <a:buChar char="q"/>
-            </a:pPr>
-            <a:endParaRPr lang="en-US" dirty="0"/>
-          </a:p>
-          <a:p>
-            <a:pPr>
-              <a:buFont typeface="Wingdings" panose="05000000000000000000" pitchFamily="2" charset="2"/>
-              <a:buChar char="q"/>
-            </a:pPr>
-            <a:endParaRPr lang="en-US" dirty="0"/>
-          </a:p>
-          <a:p>
-            <a:pPr>
-              <a:buFont typeface="Wingdings" panose="05000000000000000000" pitchFamily="2" charset="2"/>
-              <a:buChar char="q"/>
-            </a:pPr>
-            <a:endParaRPr lang="en-US" dirty="0"/>
-          </a:p>
-        </p:txBody>
-      </p:sp>
-    </p:spTree>
-    <p:extLst>
-      <p:ext uri="{BB962C8B-B14F-4D97-AF65-F5344CB8AC3E}">
-        <p14:creationId xmlns:p14="http://schemas.microsoft.com/office/powerpoint/2010/main" val="1892253224"/>
-      </p:ext>
-    </p:extLst>
-  </p:cSld>
-  <p:clrMapOvr>
-    <a:masterClrMapping/>
-  </p:clrMapOvr>
-</p:sld>
-</file>
-
-<file path=ppt/slides/slide18.xml><?xml version="1.0" encoding="utf-8"?>
-<p:sld xmlns:a="http://schemas.openxmlformats.org/drawingml/2006/main" xmlns:r="http://schemas.openxmlformats.org/officeDocument/2006/relationships" xmlns:p="http://schemas.openxmlformats.org/presentationml/2006/main">
-  <p:cSld>
-    <p:spTree>
-      <p:nvGrpSpPr>
-        <p:cNvPr id="1" name=""/>
-        <p:cNvGrpSpPr/>
-        <p:nvPr/>
-      </p:nvGrpSpPr>
-      <p:grpSpPr>
-        <a:xfrm>
-          <a:off x="0" y="0"/>
-          <a:ext cx="0" cy="0"/>
-          <a:chOff x="0" y="0"/>
-          <a:chExt cx="0" cy="0"/>
-        </a:xfrm>
-      </p:grpSpPr>
-      <p:sp>
-        <p:nvSpPr>
-          <p:cNvPr id="6" name="Title 5">
-            <a:extLst>
-              <a:ext uri="{FF2B5EF4-FFF2-40B4-BE49-F238E27FC236}">
-                <a16:creationId xmlns:a16="http://schemas.microsoft.com/office/drawing/2014/main" id="{66CBFE42-DFD1-4945-A9A4-5544D38C9B7E}"/>
-              </a:ext>
-            </a:extLst>
-          </p:cNvPr>
-          <p:cNvSpPr>
-            <a:spLocks noGrp="1"/>
-          </p:cNvSpPr>
-          <p:nvPr>
-            <p:ph type="title"/>
-          </p:nvPr>
-        </p:nvSpPr>
-        <p:spPr/>
-        <p:txBody>
-          <a:bodyPr/>
-          <a:lstStyle/>
-          <a:p>
-            <a:r>
-              <a:rPr lang="en-US" dirty="0"/>
-              <a:t>Conclusions</a:t>
-            </a:r>
-          </a:p>
-        </p:txBody>
-      </p:sp>
-      <p:sp>
-        <p:nvSpPr>
-          <p:cNvPr id="2" name="Content Placeholder 9">
-            <a:extLst>
-              <a:ext uri="{FF2B5EF4-FFF2-40B4-BE49-F238E27FC236}">
-                <a16:creationId xmlns:a16="http://schemas.microsoft.com/office/drawing/2014/main" id="{271931E9-116F-2FF4-A1FF-DD182677B69B}"/>
-              </a:ext>
-            </a:extLst>
-          </p:cNvPr>
-          <p:cNvSpPr txBox="1">
-            <a:spLocks/>
-          </p:cNvSpPr>
-          <p:nvPr/>
-        </p:nvSpPr>
-        <p:spPr>
-          <a:xfrm>
-            <a:off x="6908149" y="1462765"/>
-            <a:ext cx="4488857" cy="4589243"/>
-          </a:xfrm>
-          <a:prstGeom prst="rect">
-            <a:avLst/>
-          </a:prstGeom>
-        </p:spPr>
-        <p:txBody>
-          <a:bodyPr>
-            <a:normAutofit/>
-          </a:bodyPr>
-          <a:lstStyle>
-            <a:lvl1pPr marL="91440" indent="-91440" algn="l" defTabSz="914400" rtl="0" eaLnBrk="1" latinLnBrk="0" hangingPunct="1">
-              <a:lnSpc>
-                <a:spcPct val="100000"/>
-              </a:lnSpc>
-              <a:spcBef>
-                <a:spcPts val="1200"/>
-              </a:spcBef>
-              <a:spcAft>
-                <a:spcPts val="200"/>
-              </a:spcAft>
-              <a:buClr>
-                <a:schemeClr val="accent1"/>
-              </a:buClr>
-              <a:buSzPct val="100000"/>
-              <a:buFont typeface="Calibri" panose="020F0502020204030204" pitchFamily="34" charset="0"/>
-              <a:buChar char=" "/>
-              <a:defRPr sz="2000" kern="1200">
-                <a:solidFill>
-                  <a:schemeClr val="tx1">
-                    <a:lumMod val="75000"/>
-                    <a:lumOff val="25000"/>
-                  </a:schemeClr>
-                </a:solidFill>
-                <a:latin typeface="+mn-lt"/>
-                <a:ea typeface="+mn-ea"/>
-                <a:cs typeface="+mn-cs"/>
-              </a:defRPr>
-            </a:lvl1pPr>
-            <a:lvl2pPr marL="384048" indent="-182880" algn="l" defTabSz="914400" rtl="0" eaLnBrk="1" latinLnBrk="0" hangingPunct="1">
-              <a:lnSpc>
-                <a:spcPct val="100000"/>
-              </a:lnSpc>
-              <a:spcBef>
-                <a:spcPts val="200"/>
-              </a:spcBef>
-              <a:spcAft>
-                <a:spcPts val="400"/>
-              </a:spcAft>
-              <a:buClrTx/>
-              <a:buFont typeface="Calibri" pitchFamily="34" charset="0"/>
-              <a:buChar char="◦"/>
-              <a:defRPr sz="1800" kern="1200">
-                <a:solidFill>
-                  <a:schemeClr val="tx1">
-                    <a:lumMod val="75000"/>
-                    <a:lumOff val="25000"/>
-                  </a:schemeClr>
-                </a:solidFill>
-                <a:latin typeface="+mn-lt"/>
-                <a:ea typeface="+mn-ea"/>
-                <a:cs typeface="+mn-cs"/>
-              </a:defRPr>
-            </a:lvl2pPr>
-            <a:lvl3pPr marL="566928" indent="-182880" algn="l" defTabSz="914400" rtl="0" eaLnBrk="1" latinLnBrk="0" hangingPunct="1">
-              <a:lnSpc>
-                <a:spcPct val="100000"/>
-              </a:lnSpc>
-              <a:spcBef>
-                <a:spcPts val="200"/>
-              </a:spcBef>
-              <a:spcAft>
-                <a:spcPts val="400"/>
-              </a:spcAft>
-              <a:buClrTx/>
-              <a:buFont typeface="Calibri" pitchFamily="34" charset="0"/>
-              <a:buChar char="◦"/>
-              <a:defRPr sz="1400" kern="1200">
-                <a:solidFill>
-                  <a:schemeClr val="tx1">
-                    <a:lumMod val="75000"/>
-                    <a:lumOff val="25000"/>
-                  </a:schemeClr>
-                </a:solidFill>
-                <a:latin typeface="+mn-lt"/>
-                <a:ea typeface="+mn-ea"/>
-                <a:cs typeface="+mn-cs"/>
-              </a:defRPr>
-            </a:lvl3pPr>
-            <a:lvl4pPr marL="749808" indent="-182880" algn="l" defTabSz="914400" rtl="0" eaLnBrk="1" latinLnBrk="0" hangingPunct="1">
-              <a:lnSpc>
-                <a:spcPct val="100000"/>
-              </a:lnSpc>
-              <a:spcBef>
-                <a:spcPts val="200"/>
-              </a:spcBef>
-              <a:spcAft>
-                <a:spcPts val="400"/>
-              </a:spcAft>
-              <a:buClrTx/>
-              <a:buFont typeface="Calibri" pitchFamily="34" charset="0"/>
-              <a:buChar char="◦"/>
-              <a:defRPr sz="1400" kern="1200">
-                <a:solidFill>
-                  <a:schemeClr val="tx1">
-                    <a:lumMod val="75000"/>
-                    <a:lumOff val="25000"/>
-                  </a:schemeClr>
-                </a:solidFill>
-                <a:latin typeface="+mn-lt"/>
-                <a:ea typeface="+mn-ea"/>
-                <a:cs typeface="+mn-cs"/>
-              </a:defRPr>
-            </a:lvl4pPr>
-            <a:lvl5pPr marL="932688" indent="-182880" algn="l" defTabSz="914400" rtl="0" eaLnBrk="1" latinLnBrk="0" hangingPunct="1">
-              <a:lnSpc>
-                <a:spcPct val="100000"/>
-              </a:lnSpc>
-              <a:spcBef>
-                <a:spcPts val="200"/>
-              </a:spcBef>
-              <a:spcAft>
-                <a:spcPts val="400"/>
-              </a:spcAft>
-              <a:buClrTx/>
-              <a:buFont typeface="Calibri" pitchFamily="34" charset="0"/>
-              <a:buChar char="◦"/>
-              <a:defRPr sz="1400" kern="1200">
-                <a:solidFill>
-                  <a:schemeClr val="tx1">
-                    <a:lumMod val="75000"/>
-                    <a:lumOff val="25000"/>
-                  </a:schemeClr>
-                </a:solidFill>
-                <a:latin typeface="+mn-lt"/>
-                <a:ea typeface="+mn-ea"/>
-                <a:cs typeface="+mn-cs"/>
-              </a:defRPr>
-            </a:lvl5pPr>
-            <a:lvl6pPr marL="1100000" indent="-228600" algn="l" defTabSz="914400" rtl="0" eaLnBrk="1" latinLnBrk="0" hangingPunct="1">
-              <a:lnSpc>
-                <a:spcPct val="90000"/>
-              </a:lnSpc>
-              <a:spcBef>
-                <a:spcPts val="200"/>
-              </a:spcBef>
-              <a:spcAft>
-                <a:spcPts val="400"/>
-              </a:spcAft>
-              <a:buClr>
-                <a:schemeClr val="accent1"/>
-              </a:buClr>
-              <a:buFont typeface="Calibri" pitchFamily="34" charset="0"/>
-              <a:buChar char="◦"/>
-              <a:defRPr sz="1400" kern="1200">
-                <a:solidFill>
-                  <a:schemeClr val="tx1">
-                    <a:lumMod val="75000"/>
-                    <a:lumOff val="25000"/>
-                  </a:schemeClr>
-                </a:solidFill>
-                <a:latin typeface="+mn-lt"/>
-                <a:ea typeface="+mn-ea"/>
-                <a:cs typeface="+mn-cs"/>
-              </a:defRPr>
-            </a:lvl6pPr>
-            <a:lvl7pPr marL="1300000" indent="-228600" algn="l" defTabSz="914400" rtl="0" eaLnBrk="1" latinLnBrk="0" hangingPunct="1">
-              <a:lnSpc>
-                <a:spcPct val="90000"/>
-              </a:lnSpc>
-              <a:spcBef>
-                <a:spcPts val="200"/>
-              </a:spcBef>
-              <a:spcAft>
-                <a:spcPts val="400"/>
-              </a:spcAft>
-              <a:buClr>
-                <a:schemeClr val="accent1"/>
-              </a:buClr>
-              <a:buFont typeface="Calibri" pitchFamily="34" charset="0"/>
-              <a:buChar char="◦"/>
-              <a:defRPr sz="1400" kern="1200">
-                <a:solidFill>
-                  <a:schemeClr val="tx1">
-                    <a:lumMod val="75000"/>
-                    <a:lumOff val="25000"/>
-                  </a:schemeClr>
-                </a:solidFill>
-                <a:latin typeface="+mn-lt"/>
-                <a:ea typeface="+mn-ea"/>
-                <a:cs typeface="+mn-cs"/>
-              </a:defRPr>
-            </a:lvl7pPr>
-            <a:lvl8pPr marL="1500000" indent="-228600" algn="l" defTabSz="914400" rtl="0" eaLnBrk="1" latinLnBrk="0" hangingPunct="1">
-              <a:lnSpc>
-                <a:spcPct val="90000"/>
-              </a:lnSpc>
-              <a:spcBef>
-                <a:spcPts val="200"/>
-              </a:spcBef>
-              <a:spcAft>
-                <a:spcPts val="400"/>
-              </a:spcAft>
-              <a:buClr>
-                <a:schemeClr val="accent1"/>
-              </a:buClr>
-              <a:buFont typeface="Calibri" pitchFamily="34" charset="0"/>
-              <a:buChar char="◦"/>
-              <a:defRPr sz="1400" kern="1200">
-                <a:solidFill>
-                  <a:schemeClr val="tx1">
-                    <a:lumMod val="75000"/>
-                    <a:lumOff val="25000"/>
-                  </a:schemeClr>
-                </a:solidFill>
-                <a:latin typeface="+mn-lt"/>
-                <a:ea typeface="+mn-ea"/>
-                <a:cs typeface="+mn-cs"/>
-              </a:defRPr>
-            </a:lvl8pPr>
-            <a:lvl9pPr marL="1700000" indent="-228600" algn="l" defTabSz="914400" rtl="0" eaLnBrk="1" latinLnBrk="0" hangingPunct="1">
-              <a:lnSpc>
-                <a:spcPct val="90000"/>
-              </a:lnSpc>
-              <a:spcBef>
-                <a:spcPts val="200"/>
-              </a:spcBef>
-              <a:spcAft>
-                <a:spcPts val="400"/>
-              </a:spcAft>
-              <a:buClr>
-                <a:schemeClr val="accent1"/>
-              </a:buClr>
-              <a:buFont typeface="Calibri" pitchFamily="34" charset="0"/>
-              <a:buChar char="◦"/>
-              <a:defRPr sz="1400" kern="1200">
-                <a:solidFill>
-                  <a:schemeClr val="tx1">
-                    <a:lumMod val="75000"/>
-                    <a:lumOff val="25000"/>
-                  </a:schemeClr>
-                </a:solidFill>
-                <a:latin typeface="+mn-lt"/>
-                <a:ea typeface="+mn-ea"/>
-                <a:cs typeface="+mn-cs"/>
-              </a:defRPr>
-            </a:lvl9pPr>
-          </a:lstStyle>
-          <a:p>
-            <a:pPr>
-              <a:buFont typeface="Wingdings" panose="05000000000000000000" pitchFamily="2" charset="2"/>
-              <a:buChar char="q"/>
-            </a:pPr>
-            <a:r>
-              <a:rPr lang="en-US" dirty="0"/>
-              <a:t> 2021 was the most difficult year in the past 10 years in Nashville to purchase a home</a:t>
-            </a:r>
-          </a:p>
-          <a:p>
-            <a:pPr>
-              <a:buFont typeface="Wingdings" panose="05000000000000000000" pitchFamily="2" charset="2"/>
-              <a:buChar char="q"/>
-            </a:pPr>
-            <a:r>
-              <a:rPr lang="en-US" dirty="0"/>
-              <a:t> Nashville remains one of the most competitive and pricey home markets in the nation</a:t>
-            </a:r>
-          </a:p>
-          <a:p>
-            <a:pPr>
-              <a:buFont typeface="Wingdings" panose="05000000000000000000" pitchFamily="2" charset="2"/>
-              <a:buChar char="q"/>
-            </a:pPr>
-            <a:r>
-              <a:rPr lang="en-US" dirty="0"/>
-              <a:t> If you have a time machine, go back to roughly 2010, or even 2019 and buy a house</a:t>
-            </a:r>
-          </a:p>
-          <a:p>
-            <a:pPr>
-              <a:buFont typeface="Wingdings" panose="05000000000000000000" pitchFamily="2" charset="2"/>
-              <a:buChar char="q"/>
-            </a:pPr>
-            <a:r>
-              <a:rPr lang="en-US" dirty="0"/>
-              <a:t> If you have friends in FL, IL, or CA, tell them not to move here</a:t>
-            </a:r>
-          </a:p>
-          <a:p>
-            <a:pPr>
-              <a:buFont typeface="Wingdings" panose="05000000000000000000" pitchFamily="2" charset="2"/>
-              <a:buChar char="q"/>
-            </a:pPr>
-            <a:endParaRPr lang="en-US" dirty="0"/>
-          </a:p>
-        </p:txBody>
-      </p:sp>
-    </p:spTree>
-    <p:extLst>
-      <p:ext uri="{BB962C8B-B14F-4D97-AF65-F5344CB8AC3E}">
-        <p14:creationId xmlns:p14="http://schemas.microsoft.com/office/powerpoint/2010/main" val="2345680055"/>
-      </p:ext>
-    </p:extLst>
-  </p:cSld>
-  <p:clrMapOvr>
-    <a:masterClrMapping/>
-  </p:clrMapOvr>
-</p:sld>
-</file>
-
-<file path=ppt/slides/slide2.xml><?xml version="1.0" encoding="utf-8"?>
-<p:sld xmlns:a="http://schemas.openxmlformats.org/drawingml/2006/main" xmlns:r="http://schemas.openxmlformats.org/officeDocument/2006/relationships" xmlns:p="http://schemas.openxmlformats.org/presentationml/2006/main">
-  <p:cSld>
-    <p:spTree>
-      <p:nvGrpSpPr>
-        <p:cNvPr id="1" name=""/>
-        <p:cNvGrpSpPr/>
-        <p:nvPr/>
-      </p:nvGrpSpPr>
-      <p:grpSpPr>
-        <a:xfrm>
-          <a:off x="0" y="0"/>
-          <a:ext cx="0" cy="0"/>
-          <a:chOff x="0" y="0"/>
-          <a:chExt cx="0" cy="0"/>
-        </a:xfrm>
-      </p:grpSpPr>
-      <p:sp>
-        <p:nvSpPr>
-          <p:cNvPr id="9" name="Title 8">
-            <a:extLst>
-              <a:ext uri="{FF2B5EF4-FFF2-40B4-BE49-F238E27FC236}">
-                <a16:creationId xmlns:a16="http://schemas.microsoft.com/office/drawing/2014/main" id="{2D7F6A80-08DF-8645-A4CD-7D0B49A3BF79}"/>
-              </a:ext>
-            </a:extLst>
-          </p:cNvPr>
-          <p:cNvSpPr>
-            <a:spLocks noGrp="1"/>
-          </p:cNvSpPr>
-          <p:nvPr>
-            <p:ph type="title"/>
-          </p:nvPr>
-        </p:nvSpPr>
-        <p:spPr>
-          <a:xfrm>
-            <a:off x="3607581" y="77533"/>
-            <a:ext cx="4845068" cy="767856"/>
-          </a:xfrm>
-        </p:spPr>
-        <p:txBody>
-          <a:bodyPr>
-            <a:normAutofit/>
-          </a:bodyPr>
-          <a:lstStyle/>
-          <a:p>
-            <a:r>
-              <a:rPr lang="en-US" sz="3600" dirty="0"/>
-              <a:t>Motivation</a:t>
-            </a:r>
-          </a:p>
-        </p:txBody>
-      </p:sp>
-      <p:sp>
-        <p:nvSpPr>
-          <p:cNvPr id="10" name="Content Placeholder 9">
-            <a:extLst>
-              <a:ext uri="{FF2B5EF4-FFF2-40B4-BE49-F238E27FC236}">
-                <a16:creationId xmlns:a16="http://schemas.microsoft.com/office/drawing/2014/main" id="{5613A2D6-52A2-8C4D-985E-CB4BEE6B29BD}"/>
-              </a:ext>
-            </a:extLst>
-          </p:cNvPr>
-          <p:cNvSpPr>
-            <a:spLocks noGrp="1"/>
-          </p:cNvSpPr>
-          <p:nvPr>
-            <p:ph idx="1"/>
-          </p:nvPr>
-        </p:nvSpPr>
-        <p:spPr>
-          <a:xfrm>
-            <a:off x="3607581" y="1456480"/>
-            <a:ext cx="8348630" cy="3945040"/>
-          </a:xfrm>
-        </p:spPr>
-        <p:txBody>
-          <a:bodyPr>
-            <a:normAutofit/>
-          </a:bodyPr>
-          <a:lstStyle/>
-          <a:p>
-            <a:r>
-              <a:rPr lang="en-US" dirty="0"/>
-              <a:t>I began my home-buying journey in late 2020/early 2021 </a:t>
-            </a:r>
-          </a:p>
-          <a:p>
-            <a:r>
-              <a:rPr lang="en-US" dirty="0"/>
-              <a:t>Focused our search on Davidson County/Metro Nashville</a:t>
-            </a:r>
-          </a:p>
-          <a:p>
-            <a:r>
-              <a:rPr lang="en-US" dirty="0"/>
-              <a:t>My search statistics:</a:t>
-            </a:r>
-          </a:p>
-          <a:p>
-            <a:pPr lvl="1"/>
-            <a:r>
-              <a:rPr lang="en-US" dirty="0"/>
-              <a:t>1 year total spent searching</a:t>
-            </a:r>
-          </a:p>
-          <a:p>
-            <a:pPr lvl="1"/>
-            <a:r>
-              <a:rPr lang="en-US" dirty="0"/>
-              <a:t>Countless drive-</a:t>
-            </a:r>
-            <a:r>
-              <a:rPr lang="en-US" dirty="0" err="1"/>
-              <a:t>bys</a:t>
-            </a:r>
-            <a:endParaRPr lang="en-US" dirty="0"/>
-          </a:p>
-          <a:p>
-            <a:pPr lvl="1"/>
-            <a:r>
-              <a:rPr lang="en-US" dirty="0"/>
-              <a:t>65 official showings</a:t>
-            </a:r>
-          </a:p>
-          <a:p>
-            <a:pPr lvl="1"/>
-            <a:r>
-              <a:rPr lang="en-US" dirty="0"/>
-              <a:t>25 failed offers</a:t>
-            </a:r>
-          </a:p>
-          <a:p>
-            <a:pPr lvl="1"/>
-            <a:r>
-              <a:rPr lang="en-US" dirty="0"/>
-              <a:t>Over 6,000 miles driven across Middle TN</a:t>
-            </a:r>
-          </a:p>
-        </p:txBody>
-      </p:sp>
-    </p:spTree>
-    <p:extLst>
-      <p:ext uri="{BB962C8B-B14F-4D97-AF65-F5344CB8AC3E}">
-        <p14:creationId xmlns:p14="http://schemas.microsoft.com/office/powerpoint/2010/main" val="307285950"/>
-      </p:ext>
-    </p:extLst>
-  </p:cSld>
-  <p:clrMapOvr>
-    <a:masterClrMapping/>
-  </p:clrMapOvr>
-</p:sld>
-</file>
-
-<file path=ppt/slides/slide3.xml><?xml version="1.0" encoding="utf-8"?>
-<p:sld xmlns:a="http://schemas.openxmlformats.org/drawingml/2006/main" xmlns:r="http://schemas.openxmlformats.org/officeDocument/2006/relationships" xmlns:p="http://schemas.openxmlformats.org/presentationml/2006/main">
-  <p:cSld>
-    <p:spTree>
-      <p:nvGrpSpPr>
-        <p:cNvPr id="1" name=""/>
-        <p:cNvGrpSpPr/>
-        <p:nvPr/>
-      </p:nvGrpSpPr>
-      <p:grpSpPr>
-        <a:xfrm>
-          <a:off x="0" y="0"/>
-          <a:ext cx="0" cy="0"/>
-          <a:chOff x="0" y="0"/>
-          <a:chExt cx="0" cy="0"/>
-        </a:xfrm>
-      </p:grpSpPr>
-      <p:sp>
-        <p:nvSpPr>
-          <p:cNvPr id="9" name="Title 8">
-            <a:extLst>
-              <a:ext uri="{FF2B5EF4-FFF2-40B4-BE49-F238E27FC236}">
-                <a16:creationId xmlns:a16="http://schemas.microsoft.com/office/drawing/2014/main" id="{2D7F6A80-08DF-8645-A4CD-7D0B49A3BF79}"/>
-              </a:ext>
-            </a:extLst>
-          </p:cNvPr>
-          <p:cNvSpPr>
-            <a:spLocks noGrp="1"/>
-          </p:cNvSpPr>
-          <p:nvPr>
-            <p:ph type="title"/>
-          </p:nvPr>
-        </p:nvSpPr>
-        <p:spPr>
-          <a:xfrm>
-            <a:off x="3607581" y="77533"/>
-            <a:ext cx="4845068" cy="767856"/>
-          </a:xfrm>
-        </p:spPr>
-        <p:txBody>
-          <a:bodyPr>
-            <a:normAutofit/>
-          </a:bodyPr>
-          <a:lstStyle/>
-          <a:p>
-            <a:r>
-              <a:rPr lang="en-US" sz="3600" dirty="0"/>
-              <a:t>Question</a:t>
-            </a:r>
-          </a:p>
-        </p:txBody>
-      </p:sp>
-      <p:sp>
-        <p:nvSpPr>
-          <p:cNvPr id="10" name="Content Placeholder 9">
-            <a:extLst>
-              <a:ext uri="{FF2B5EF4-FFF2-40B4-BE49-F238E27FC236}">
-                <a16:creationId xmlns:a16="http://schemas.microsoft.com/office/drawing/2014/main" id="{5613A2D6-52A2-8C4D-985E-CB4BEE6B29BD}"/>
-              </a:ext>
-            </a:extLst>
-          </p:cNvPr>
-          <p:cNvSpPr>
-            <a:spLocks noGrp="1"/>
-          </p:cNvSpPr>
-          <p:nvPr>
-            <p:ph idx="1"/>
-          </p:nvPr>
-        </p:nvSpPr>
-        <p:spPr>
-          <a:xfrm>
-            <a:off x="3607581" y="2586540"/>
-            <a:ext cx="8348630" cy="958916"/>
-          </a:xfrm>
-        </p:spPr>
-        <p:txBody>
-          <a:bodyPr>
-            <a:normAutofit/>
-          </a:bodyPr>
-          <a:lstStyle/>
-          <a:p>
-            <a:pPr marL="0" indent="0" algn="ctr">
-              <a:buNone/>
-            </a:pPr>
-            <a:r>
-              <a:rPr lang="en-US" sz="2400" dirty="0"/>
-              <a:t>How did 2021 compare to previous years for homebuyers in Nashville, TN? Was my journey typical for everyone or was it just me?</a:t>
-            </a:r>
-          </a:p>
-        </p:txBody>
-      </p:sp>
-    </p:spTree>
-    <p:extLst>
-      <p:ext uri="{BB962C8B-B14F-4D97-AF65-F5344CB8AC3E}">
-        <p14:creationId xmlns:p14="http://schemas.microsoft.com/office/powerpoint/2010/main" val="1209632279"/>
-      </p:ext>
-    </p:extLst>
-  </p:cSld>
-  <p:clrMapOvr>
-    <a:masterClrMapping/>
-  </p:clrMapOvr>
-</p:sld>
-</file>
-
-<file path=ppt/slides/slide4.xml><?xml version="1.0" encoding="utf-8"?>
-<p:sld xmlns:a="http://schemas.openxmlformats.org/drawingml/2006/main" xmlns:r="http://schemas.openxmlformats.org/officeDocument/2006/relationships" xmlns:p="http://schemas.openxmlformats.org/presentationml/2006/main">
-  <p:cSld>
-    <p:spTree>
-      <p:nvGrpSpPr>
-        <p:cNvPr id="1" name=""/>
-        <p:cNvGrpSpPr/>
-        <p:nvPr/>
-      </p:nvGrpSpPr>
-      <p:grpSpPr>
-        <a:xfrm>
-          <a:off x="0" y="0"/>
-          <a:ext cx="0" cy="0"/>
-          <a:chOff x="0" y="0"/>
-          <a:chExt cx="0" cy="0"/>
-        </a:xfrm>
-      </p:grpSpPr>
-      <p:sp>
-        <p:nvSpPr>
-          <p:cNvPr id="3" name="Title 2">
-            <a:extLst>
-              <a:ext uri="{FF2B5EF4-FFF2-40B4-BE49-F238E27FC236}">
-                <a16:creationId xmlns:a16="http://schemas.microsoft.com/office/drawing/2014/main" id="{A01BE407-F181-1072-187A-ACBEF34B9322}"/>
-              </a:ext>
-            </a:extLst>
-          </p:cNvPr>
-          <p:cNvSpPr>
-            <a:spLocks noGrp="1"/>
-          </p:cNvSpPr>
-          <p:nvPr>
-            <p:ph type="title"/>
-          </p:nvPr>
-        </p:nvSpPr>
-        <p:spPr>
-          <a:xfrm>
-            <a:off x="3529945" y="68907"/>
-            <a:ext cx="4845068" cy="802362"/>
-          </a:xfrm>
-        </p:spPr>
-        <p:txBody>
-          <a:bodyPr>
-            <a:normAutofit/>
-          </a:bodyPr>
-          <a:lstStyle/>
-          <a:p>
-            <a:r>
-              <a:rPr lang="en-US" sz="3600" dirty="0"/>
-              <a:t>Technologies Used</a:t>
-            </a:r>
-          </a:p>
-        </p:txBody>
-      </p:sp>
-      <p:pic>
-        <p:nvPicPr>
-          <p:cNvPr id="6" name="Picture 5" descr="A yellow sign with black text">
-            <a:extLst>
-              <a:ext uri="{FF2B5EF4-FFF2-40B4-BE49-F238E27FC236}">
-                <a16:creationId xmlns:a16="http://schemas.microsoft.com/office/drawing/2014/main" id="{429DC96D-F673-D67E-C333-CE0649C070F6}"/>
-              </a:ext>
-            </a:extLst>
-          </p:cNvPr>
-          <p:cNvPicPr>
-            <a:picLocks noChangeAspect="1"/>
-          </p:cNvPicPr>
-          <p:nvPr/>
-        </p:nvPicPr>
-        <p:blipFill>
-          <a:blip r:embed="rId2" cstate="print">
-            <a:extLst>
-              <a:ext uri="{28A0092B-C50C-407E-A947-70E740481C1C}">
-                <a14:useLocalDpi xmlns:a14="http://schemas.microsoft.com/office/drawing/2010/main" val="0"/>
-              </a:ext>
-            </a:extLst>
-          </a:blip>
-          <a:stretch>
-            <a:fillRect/>
-          </a:stretch>
-        </p:blipFill>
-        <p:spPr>
-          <a:xfrm>
-            <a:off x="4564125" y="1898221"/>
-            <a:ext cx="3246669" cy="1265747"/>
-          </a:xfrm>
-          <a:prstGeom prst="rect">
-            <a:avLst/>
-          </a:prstGeom>
-        </p:spPr>
-      </p:pic>
-      <p:pic>
-        <p:nvPicPr>
-          <p:cNvPr id="8" name="Picture 7" descr="A green and white flag&#10;&#10;Description automatically generated with low confidence">
-            <a:extLst>
-              <a:ext uri="{FF2B5EF4-FFF2-40B4-BE49-F238E27FC236}">
-                <a16:creationId xmlns:a16="http://schemas.microsoft.com/office/drawing/2014/main" id="{B36662BD-42F9-03F1-937D-BF9C83049407}"/>
-              </a:ext>
-            </a:extLst>
-          </p:cNvPr>
-          <p:cNvPicPr>
-            <a:picLocks noChangeAspect="1"/>
-          </p:cNvPicPr>
-          <p:nvPr/>
-        </p:nvPicPr>
-        <p:blipFill>
-          <a:blip r:embed="rId3">
-            <a:extLst>
-              <a:ext uri="{28A0092B-C50C-407E-A947-70E740481C1C}">
-                <a14:useLocalDpi xmlns:a14="http://schemas.microsoft.com/office/drawing/2010/main" val="0"/>
-              </a:ext>
-            </a:extLst>
-          </a:blip>
-          <a:stretch>
-            <a:fillRect/>
-          </a:stretch>
-        </p:blipFill>
-        <p:spPr>
-          <a:xfrm>
-            <a:off x="9461442" y="3767167"/>
-            <a:ext cx="1365366" cy="1265747"/>
-          </a:xfrm>
-          <a:prstGeom prst="rect">
-            <a:avLst/>
-          </a:prstGeom>
-        </p:spPr>
-      </p:pic>
-      <p:pic>
-        <p:nvPicPr>
-          <p:cNvPr id="10" name="Picture 9" descr="Logo, company name&#10;&#10;Description automatically generated">
-            <a:extLst>
-              <a:ext uri="{FF2B5EF4-FFF2-40B4-BE49-F238E27FC236}">
-                <a16:creationId xmlns:a16="http://schemas.microsoft.com/office/drawing/2014/main" id="{79EDD0EE-8267-AA07-C1E2-463B108A8918}"/>
-              </a:ext>
-            </a:extLst>
-          </p:cNvPr>
-          <p:cNvPicPr>
-            <a:picLocks noChangeAspect="1"/>
-          </p:cNvPicPr>
-          <p:nvPr/>
-        </p:nvPicPr>
-        <p:blipFill>
-          <a:blip r:embed="rId4">
-            <a:extLst>
-              <a:ext uri="{28A0092B-C50C-407E-A947-70E740481C1C}">
-                <a14:useLocalDpi xmlns:a14="http://schemas.microsoft.com/office/drawing/2010/main" val="0"/>
-              </a:ext>
-            </a:extLst>
-          </a:blip>
-          <a:stretch>
-            <a:fillRect/>
-          </a:stretch>
-        </p:blipFill>
-        <p:spPr>
-          <a:xfrm>
-            <a:off x="8248650" y="1971353"/>
-            <a:ext cx="3314327" cy="1119481"/>
-          </a:xfrm>
-          <a:prstGeom prst="rect">
-            <a:avLst/>
-          </a:prstGeom>
-        </p:spPr>
-      </p:pic>
-      <p:pic>
-        <p:nvPicPr>
-          <p:cNvPr id="1026" name="Picture 2" descr="Tableau, A Salesforce Company">
-            <a:extLst>
-              <a:ext uri="{FF2B5EF4-FFF2-40B4-BE49-F238E27FC236}">
-                <a16:creationId xmlns:a16="http://schemas.microsoft.com/office/drawing/2014/main" id="{27718649-42ED-CF59-E44E-F0D28106577B}"/>
-              </a:ext>
-            </a:extLst>
-          </p:cNvPr>
-          <p:cNvPicPr>
-            <a:picLocks noChangeAspect="1" noChangeArrowheads="1"/>
-          </p:cNvPicPr>
-          <p:nvPr/>
-        </p:nvPicPr>
-        <p:blipFill>
-          <a:blip r:embed="rId5">
-            <a:extLst>
-              <a:ext uri="{28A0092B-C50C-407E-A947-70E740481C1C}">
-                <a14:useLocalDpi xmlns:a14="http://schemas.microsoft.com/office/drawing/2010/main" val="0"/>
-              </a:ext>
-            </a:extLst>
-          </a:blip>
-          <a:srcRect/>
-          <a:stretch>
-            <a:fillRect/>
-          </a:stretch>
-        </p:blipFill>
-        <p:spPr bwMode="auto">
-          <a:xfrm>
-            <a:off x="4143375" y="4033201"/>
-            <a:ext cx="4305300" cy="895350"/>
-          </a:xfrm>
-          <a:prstGeom prst="rect">
-            <a:avLst/>
-          </a:prstGeom>
-          <a:noFill/>
-          <a:extLst>
-            <a:ext uri="{909E8E84-426E-40DD-AFC4-6F175D3DCCD1}">
-              <a14:hiddenFill xmlns:a14="http://schemas.microsoft.com/office/drawing/2010/main">
-                <a:solidFill>
-                  <a:srgbClr val="FFFFFF"/>
-                </a:solidFill>
-              </a14:hiddenFill>
-            </a:ext>
-          </a:extLst>
-        </p:spPr>
-      </p:pic>
-    </p:spTree>
-    <p:extLst>
-      <p:ext uri="{BB962C8B-B14F-4D97-AF65-F5344CB8AC3E}">
-        <p14:creationId xmlns:p14="http://schemas.microsoft.com/office/powerpoint/2010/main" val="515189035"/>
-      </p:ext>
-    </p:extLst>
-  </p:cSld>
-  <p:clrMapOvr>
-    <a:masterClrMapping/>
-  </p:clrMapOvr>
-</p:sld>
-</file>
-
-<file path=ppt/slides/slide5.xml><?xml version="1.0" encoding="utf-8"?>
-<p:sld xmlns:a="http://schemas.openxmlformats.org/drawingml/2006/main" xmlns:r="http://schemas.openxmlformats.org/officeDocument/2006/relationships" xmlns:p="http://schemas.openxmlformats.org/presentationml/2006/main">
-  <p:cSld>
-    <p:spTree>
-      <p:nvGrpSpPr>
-        <p:cNvPr id="1" name=""/>
-        <p:cNvGrpSpPr/>
-        <p:nvPr/>
-      </p:nvGrpSpPr>
-      <p:grpSpPr>
-        <a:xfrm>
-          <a:off x="0" y="0"/>
-          <a:ext cx="0" cy="0"/>
-          <a:chOff x="0" y="0"/>
-          <a:chExt cx="0" cy="0"/>
-        </a:xfrm>
-      </p:grpSpPr>
-      <p:sp>
-        <p:nvSpPr>
-          <p:cNvPr id="2" name="Title 1">
-            <a:extLst>
-              <a:ext uri="{FF2B5EF4-FFF2-40B4-BE49-F238E27FC236}">
-                <a16:creationId xmlns:a16="http://schemas.microsoft.com/office/drawing/2014/main" id="{389FD03E-798E-4118-B7D4-3E85419647BA}"/>
-              </a:ext>
-            </a:extLst>
-          </p:cNvPr>
-          <p:cNvSpPr>
-            <a:spLocks noGrp="1"/>
-          </p:cNvSpPr>
-          <p:nvPr>
-            <p:ph type="title"/>
-          </p:nvPr>
-        </p:nvSpPr>
-        <p:spPr>
-          <a:xfrm>
-            <a:off x="413855" y="431815"/>
-            <a:ext cx="10452849" cy="910492"/>
-          </a:xfrm>
-        </p:spPr>
-        <p:txBody>
-          <a:bodyPr>
-            <a:normAutofit/>
-          </a:bodyPr>
-          <a:lstStyle/>
-          <a:p>
-            <a:r>
-              <a:rPr lang="en-US" sz="3600" dirty="0"/>
-              <a:t>How has availability changed?</a:t>
-            </a:r>
-          </a:p>
-        </p:txBody>
-      </p:sp>
-      <p:sp>
-        <p:nvSpPr>
-          <p:cNvPr id="6" name="Content Placeholder 9">
-            <a:extLst>
-              <a:ext uri="{FF2B5EF4-FFF2-40B4-BE49-F238E27FC236}">
-                <a16:creationId xmlns:a16="http://schemas.microsoft.com/office/drawing/2014/main" id="{E5DF39EA-B5B3-E986-7E97-71274898A1A2}"/>
-              </a:ext>
-            </a:extLst>
-          </p:cNvPr>
-          <p:cNvSpPr txBox="1">
-            <a:spLocks/>
-          </p:cNvSpPr>
-          <p:nvPr/>
-        </p:nvSpPr>
-        <p:spPr>
-          <a:xfrm>
-            <a:off x="489269" y="5319664"/>
-            <a:ext cx="10870030" cy="2031325"/>
-          </a:xfrm>
-          <a:prstGeom prst="rect">
-            <a:avLst/>
-          </a:prstGeom>
-        </p:spPr>
-        <p:txBody>
-          <a:bodyPr>
-            <a:normAutofit/>
-          </a:bodyPr>
-          <a:lstStyle>
-            <a:lvl1pPr marL="91440" indent="-91440" algn="l" defTabSz="914400" rtl="0" eaLnBrk="1" latinLnBrk="0" hangingPunct="1">
-              <a:lnSpc>
-                <a:spcPct val="100000"/>
-              </a:lnSpc>
-              <a:spcBef>
-                <a:spcPts val="1200"/>
-              </a:spcBef>
-              <a:spcAft>
-                <a:spcPts val="200"/>
-              </a:spcAft>
-              <a:buClr>
-                <a:schemeClr val="accent1"/>
-              </a:buClr>
-              <a:buSzPct val="100000"/>
-              <a:buFont typeface="Calibri" panose="020F0502020204030204" pitchFamily="34" charset="0"/>
-              <a:buChar char=" "/>
-              <a:defRPr sz="2000" kern="1200">
-                <a:solidFill>
-                  <a:schemeClr val="tx1">
-                    <a:lumMod val="75000"/>
-                    <a:lumOff val="25000"/>
-                  </a:schemeClr>
-                </a:solidFill>
-                <a:latin typeface="+mn-lt"/>
-                <a:ea typeface="+mn-ea"/>
-                <a:cs typeface="+mn-cs"/>
-              </a:defRPr>
-            </a:lvl1pPr>
-            <a:lvl2pPr marL="384048" indent="-182880" algn="l" defTabSz="914400" rtl="0" eaLnBrk="1" latinLnBrk="0" hangingPunct="1">
-              <a:lnSpc>
-                <a:spcPct val="100000"/>
-              </a:lnSpc>
-              <a:spcBef>
-                <a:spcPts val="200"/>
-              </a:spcBef>
-              <a:spcAft>
-                <a:spcPts val="400"/>
-              </a:spcAft>
-              <a:buClrTx/>
-              <a:buFont typeface="Calibri" pitchFamily="34" charset="0"/>
-              <a:buChar char="◦"/>
-              <a:defRPr sz="1800" kern="1200">
-                <a:solidFill>
-                  <a:schemeClr val="tx1">
-                    <a:lumMod val="75000"/>
-                    <a:lumOff val="25000"/>
-                  </a:schemeClr>
-                </a:solidFill>
-                <a:latin typeface="+mn-lt"/>
-                <a:ea typeface="+mn-ea"/>
-                <a:cs typeface="+mn-cs"/>
-              </a:defRPr>
-            </a:lvl2pPr>
-            <a:lvl3pPr marL="566928" indent="-182880" algn="l" defTabSz="914400" rtl="0" eaLnBrk="1" latinLnBrk="0" hangingPunct="1">
-              <a:lnSpc>
-                <a:spcPct val="100000"/>
-              </a:lnSpc>
-              <a:spcBef>
-                <a:spcPts val="200"/>
-              </a:spcBef>
-              <a:spcAft>
-                <a:spcPts val="400"/>
-              </a:spcAft>
-              <a:buClrTx/>
-              <a:buFont typeface="Calibri" pitchFamily="34" charset="0"/>
-              <a:buChar char="◦"/>
-              <a:defRPr sz="1400" kern="1200">
-                <a:solidFill>
-                  <a:schemeClr val="tx1">
-                    <a:lumMod val="75000"/>
-                    <a:lumOff val="25000"/>
-                  </a:schemeClr>
-                </a:solidFill>
-                <a:latin typeface="+mn-lt"/>
-                <a:ea typeface="+mn-ea"/>
-                <a:cs typeface="+mn-cs"/>
-              </a:defRPr>
-            </a:lvl3pPr>
-            <a:lvl4pPr marL="749808" indent="-182880" algn="l" defTabSz="914400" rtl="0" eaLnBrk="1" latinLnBrk="0" hangingPunct="1">
-              <a:lnSpc>
-                <a:spcPct val="100000"/>
-              </a:lnSpc>
-              <a:spcBef>
-                <a:spcPts val="200"/>
-              </a:spcBef>
-              <a:spcAft>
-                <a:spcPts val="400"/>
-              </a:spcAft>
-              <a:buClrTx/>
-              <a:buFont typeface="Calibri" pitchFamily="34" charset="0"/>
-              <a:buChar char="◦"/>
-              <a:defRPr sz="1400" kern="1200">
-                <a:solidFill>
-                  <a:schemeClr val="tx1">
-                    <a:lumMod val="75000"/>
-                    <a:lumOff val="25000"/>
-                  </a:schemeClr>
-                </a:solidFill>
-                <a:latin typeface="+mn-lt"/>
-                <a:ea typeface="+mn-ea"/>
-                <a:cs typeface="+mn-cs"/>
-              </a:defRPr>
-            </a:lvl4pPr>
-            <a:lvl5pPr marL="932688" indent="-182880" algn="l" defTabSz="914400" rtl="0" eaLnBrk="1" latinLnBrk="0" hangingPunct="1">
-              <a:lnSpc>
-                <a:spcPct val="100000"/>
-              </a:lnSpc>
-              <a:spcBef>
-                <a:spcPts val="200"/>
-              </a:spcBef>
-              <a:spcAft>
-                <a:spcPts val="400"/>
-              </a:spcAft>
-              <a:buClrTx/>
-              <a:buFont typeface="Calibri" pitchFamily="34" charset="0"/>
-              <a:buChar char="◦"/>
-              <a:defRPr sz="1400" kern="1200">
-                <a:solidFill>
-                  <a:schemeClr val="tx1">
-                    <a:lumMod val="75000"/>
-                    <a:lumOff val="25000"/>
-                  </a:schemeClr>
-                </a:solidFill>
-                <a:latin typeface="+mn-lt"/>
-                <a:ea typeface="+mn-ea"/>
-                <a:cs typeface="+mn-cs"/>
-              </a:defRPr>
-            </a:lvl5pPr>
-            <a:lvl6pPr marL="1100000" indent="-228600" algn="l" defTabSz="914400" rtl="0" eaLnBrk="1" latinLnBrk="0" hangingPunct="1">
-              <a:lnSpc>
-                <a:spcPct val="90000"/>
-              </a:lnSpc>
-              <a:spcBef>
-                <a:spcPts val="200"/>
-              </a:spcBef>
-              <a:spcAft>
-                <a:spcPts val="400"/>
-              </a:spcAft>
-              <a:buClr>
-                <a:schemeClr val="accent1"/>
-              </a:buClr>
-              <a:buFont typeface="Calibri" pitchFamily="34" charset="0"/>
-              <a:buChar char="◦"/>
-              <a:defRPr sz="1400" kern="1200">
-                <a:solidFill>
-                  <a:schemeClr val="tx1">
-                    <a:lumMod val="75000"/>
-                    <a:lumOff val="25000"/>
-                  </a:schemeClr>
-                </a:solidFill>
-                <a:latin typeface="+mn-lt"/>
-                <a:ea typeface="+mn-ea"/>
-                <a:cs typeface="+mn-cs"/>
-              </a:defRPr>
-            </a:lvl6pPr>
-            <a:lvl7pPr marL="1300000" indent="-228600" algn="l" defTabSz="914400" rtl="0" eaLnBrk="1" latinLnBrk="0" hangingPunct="1">
-              <a:lnSpc>
-                <a:spcPct val="90000"/>
-              </a:lnSpc>
-              <a:spcBef>
-                <a:spcPts val="200"/>
-              </a:spcBef>
-              <a:spcAft>
-                <a:spcPts val="400"/>
-              </a:spcAft>
-              <a:buClr>
-                <a:schemeClr val="accent1"/>
-              </a:buClr>
-              <a:buFont typeface="Calibri" pitchFamily="34" charset="0"/>
-              <a:buChar char="◦"/>
-              <a:defRPr sz="1400" kern="1200">
-                <a:solidFill>
-                  <a:schemeClr val="tx1">
-                    <a:lumMod val="75000"/>
-                    <a:lumOff val="25000"/>
-                  </a:schemeClr>
-                </a:solidFill>
-                <a:latin typeface="+mn-lt"/>
-                <a:ea typeface="+mn-ea"/>
-                <a:cs typeface="+mn-cs"/>
-              </a:defRPr>
-            </a:lvl7pPr>
-            <a:lvl8pPr marL="1500000" indent="-228600" algn="l" defTabSz="914400" rtl="0" eaLnBrk="1" latinLnBrk="0" hangingPunct="1">
-              <a:lnSpc>
-                <a:spcPct val="90000"/>
-              </a:lnSpc>
-              <a:spcBef>
-                <a:spcPts val="200"/>
-              </a:spcBef>
-              <a:spcAft>
-                <a:spcPts val="400"/>
-              </a:spcAft>
-              <a:buClr>
-                <a:schemeClr val="accent1"/>
-              </a:buClr>
-              <a:buFont typeface="Calibri" pitchFamily="34" charset="0"/>
-              <a:buChar char="◦"/>
-              <a:defRPr sz="1400" kern="1200">
-                <a:solidFill>
-                  <a:schemeClr val="tx1">
-                    <a:lumMod val="75000"/>
-                    <a:lumOff val="25000"/>
-                  </a:schemeClr>
-                </a:solidFill>
-                <a:latin typeface="+mn-lt"/>
-                <a:ea typeface="+mn-ea"/>
-                <a:cs typeface="+mn-cs"/>
-              </a:defRPr>
-            </a:lvl8pPr>
-            <a:lvl9pPr marL="1700000" indent="-228600" algn="l" defTabSz="914400" rtl="0" eaLnBrk="1" latinLnBrk="0" hangingPunct="1">
-              <a:lnSpc>
-                <a:spcPct val="90000"/>
-              </a:lnSpc>
-              <a:spcBef>
-                <a:spcPts val="200"/>
-              </a:spcBef>
-              <a:spcAft>
-                <a:spcPts val="400"/>
-              </a:spcAft>
-              <a:buClr>
-                <a:schemeClr val="accent1"/>
-              </a:buClr>
-              <a:buFont typeface="Calibri" pitchFamily="34" charset="0"/>
-              <a:buChar char="◦"/>
-              <a:defRPr sz="1400" kern="1200">
-                <a:solidFill>
-                  <a:schemeClr val="tx1">
-                    <a:lumMod val="75000"/>
-                    <a:lumOff val="25000"/>
-                  </a:schemeClr>
-                </a:solidFill>
-                <a:latin typeface="+mn-lt"/>
-                <a:ea typeface="+mn-ea"/>
-                <a:cs typeface="+mn-cs"/>
-              </a:defRPr>
-            </a:lvl9pPr>
-          </a:lstStyle>
-          <a:p>
-            <a:pPr>
-              <a:buFont typeface="Wingdings" panose="05000000000000000000" pitchFamily="2" charset="2"/>
-              <a:buChar char="q"/>
-            </a:pPr>
-            <a:r>
-              <a:rPr lang="en-US" dirty="0"/>
-              <a:t> 55% fewer houses listed in 2021 vs 2020; 68% vs 2019</a:t>
-            </a:r>
-          </a:p>
-          <a:p>
-            <a:pPr>
-              <a:buFont typeface="Wingdings" panose="05000000000000000000" pitchFamily="2" charset="2"/>
-              <a:buChar char="q"/>
-            </a:pPr>
-            <a:r>
-              <a:rPr lang="en-US" dirty="0"/>
-              <a:t> 35% increase in 2022 vs 2021</a:t>
-            </a:r>
-          </a:p>
-        </p:txBody>
-      </p:sp>
-      <p:pic>
-        <p:nvPicPr>
-          <p:cNvPr id="10" name="Picture 9">
-            <a:extLst>
-              <a:ext uri="{FF2B5EF4-FFF2-40B4-BE49-F238E27FC236}">
-                <a16:creationId xmlns:a16="http://schemas.microsoft.com/office/drawing/2014/main" id="{2992B4EF-4FBD-AAFE-BFF1-F263DE050201}"/>
-              </a:ext>
-            </a:extLst>
-          </p:cNvPr>
-          <p:cNvPicPr>
-            <a:picLocks noChangeAspect="1"/>
-          </p:cNvPicPr>
-          <p:nvPr/>
-        </p:nvPicPr>
-        <p:blipFill>
-          <a:blip r:embed="rId2"/>
-          <a:stretch>
-            <a:fillRect/>
-          </a:stretch>
-        </p:blipFill>
-        <p:spPr>
-          <a:xfrm>
-            <a:off x="1802920" y="1429019"/>
-            <a:ext cx="8980033" cy="3714302"/>
-          </a:xfrm>
-          <a:prstGeom prst="rect">
-            <a:avLst/>
-          </a:prstGeom>
-          <a:ln>
-            <a:noFill/>
-          </a:ln>
-          <a:effectLst>
-            <a:outerShdw blurRad="292100" dist="139700" dir="2700000" algn="tl" rotWithShape="0">
-              <a:srgbClr val="333333">
-                <a:alpha val="65000"/>
-              </a:srgbClr>
-            </a:outerShdw>
-          </a:effectLst>
-        </p:spPr>
-      </p:pic>
-    </p:spTree>
-    <p:extLst>
-      <p:ext uri="{BB962C8B-B14F-4D97-AF65-F5344CB8AC3E}">
-        <p14:creationId xmlns:p14="http://schemas.microsoft.com/office/powerpoint/2010/main" val="3230876521"/>
-      </p:ext>
-    </p:extLst>
-  </p:cSld>
-  <p:clrMapOvr>
-    <a:masterClrMapping/>
-  </p:clrMapOvr>
-</p:sld>
-</file>
-
-<file path=ppt/slides/slide6.xml><?xml version="1.0" encoding="utf-8"?>
-<p:sld xmlns:a="http://schemas.openxmlformats.org/drawingml/2006/main" xmlns:r="http://schemas.openxmlformats.org/officeDocument/2006/relationships" xmlns:p="http://schemas.openxmlformats.org/presentationml/2006/main">
-  <p:cSld>
-    <p:spTree>
-      <p:nvGrpSpPr>
-        <p:cNvPr id="1" name=""/>
-        <p:cNvGrpSpPr/>
-        <p:nvPr/>
-      </p:nvGrpSpPr>
-      <p:grpSpPr>
-        <a:xfrm>
-          <a:off x="0" y="0"/>
-          <a:ext cx="0" cy="0"/>
-          <a:chOff x="0" y="0"/>
-          <a:chExt cx="0" cy="0"/>
-        </a:xfrm>
-      </p:grpSpPr>
-      <p:sp>
-        <p:nvSpPr>
-          <p:cNvPr id="2" name="Title 1">
-            <a:extLst>
-              <a:ext uri="{FF2B5EF4-FFF2-40B4-BE49-F238E27FC236}">
-                <a16:creationId xmlns:a16="http://schemas.microsoft.com/office/drawing/2014/main" id="{389FD03E-798E-4118-B7D4-3E85419647BA}"/>
-              </a:ext>
-            </a:extLst>
-          </p:cNvPr>
-          <p:cNvSpPr>
-            <a:spLocks noGrp="1"/>
-          </p:cNvSpPr>
-          <p:nvPr>
-            <p:ph type="title"/>
-          </p:nvPr>
-        </p:nvSpPr>
-        <p:spPr>
-          <a:xfrm>
-            <a:off x="413855" y="431815"/>
-            <a:ext cx="10452849" cy="910492"/>
-          </a:xfrm>
-        </p:spPr>
-        <p:txBody>
-          <a:bodyPr>
-            <a:normAutofit/>
-          </a:bodyPr>
-          <a:lstStyle/>
-          <a:p>
-            <a:r>
-              <a:rPr lang="en-US" sz="3600" dirty="0"/>
-              <a:t>How has availability changed?</a:t>
-            </a:r>
-          </a:p>
-        </p:txBody>
-      </p:sp>
-      <p:sp>
-        <p:nvSpPr>
-          <p:cNvPr id="6" name="Content Placeholder 9">
-            <a:extLst>
-              <a:ext uri="{FF2B5EF4-FFF2-40B4-BE49-F238E27FC236}">
-                <a16:creationId xmlns:a16="http://schemas.microsoft.com/office/drawing/2014/main" id="{E5DF39EA-B5B3-E986-7E97-71274898A1A2}"/>
-              </a:ext>
-            </a:extLst>
-          </p:cNvPr>
-          <p:cNvSpPr txBox="1">
-            <a:spLocks/>
-          </p:cNvSpPr>
-          <p:nvPr/>
-        </p:nvSpPr>
-        <p:spPr>
-          <a:xfrm>
-            <a:off x="489269" y="5319664"/>
-            <a:ext cx="10870030" cy="2031325"/>
-          </a:xfrm>
-          <a:prstGeom prst="rect">
-            <a:avLst/>
-          </a:prstGeom>
-        </p:spPr>
-        <p:txBody>
-          <a:bodyPr>
-            <a:normAutofit/>
-          </a:bodyPr>
-          <a:lstStyle>
-            <a:lvl1pPr marL="91440" indent="-91440" algn="l" defTabSz="914400" rtl="0" eaLnBrk="1" latinLnBrk="0" hangingPunct="1">
-              <a:lnSpc>
-                <a:spcPct val="100000"/>
-              </a:lnSpc>
-              <a:spcBef>
-                <a:spcPts val="1200"/>
-              </a:spcBef>
-              <a:spcAft>
-                <a:spcPts val="200"/>
-              </a:spcAft>
-              <a:buClr>
-                <a:schemeClr val="accent1"/>
-              </a:buClr>
-              <a:buSzPct val="100000"/>
-              <a:buFont typeface="Calibri" panose="020F0502020204030204" pitchFamily="34" charset="0"/>
-              <a:buChar char=" "/>
-              <a:defRPr sz="2000" kern="1200">
-                <a:solidFill>
-                  <a:schemeClr val="tx1">
-                    <a:lumMod val="75000"/>
-                    <a:lumOff val="25000"/>
-                  </a:schemeClr>
-                </a:solidFill>
-                <a:latin typeface="+mn-lt"/>
-                <a:ea typeface="+mn-ea"/>
-                <a:cs typeface="+mn-cs"/>
-              </a:defRPr>
-            </a:lvl1pPr>
-            <a:lvl2pPr marL="384048" indent="-182880" algn="l" defTabSz="914400" rtl="0" eaLnBrk="1" latinLnBrk="0" hangingPunct="1">
-              <a:lnSpc>
-                <a:spcPct val="100000"/>
-              </a:lnSpc>
-              <a:spcBef>
-                <a:spcPts val="200"/>
-              </a:spcBef>
-              <a:spcAft>
-                <a:spcPts val="400"/>
-              </a:spcAft>
-              <a:buClrTx/>
-              <a:buFont typeface="Calibri" pitchFamily="34" charset="0"/>
-              <a:buChar char="◦"/>
-              <a:defRPr sz="1800" kern="1200">
-                <a:solidFill>
-                  <a:schemeClr val="tx1">
-                    <a:lumMod val="75000"/>
-                    <a:lumOff val="25000"/>
-                  </a:schemeClr>
-                </a:solidFill>
-                <a:latin typeface="+mn-lt"/>
-                <a:ea typeface="+mn-ea"/>
-                <a:cs typeface="+mn-cs"/>
-              </a:defRPr>
-            </a:lvl2pPr>
-            <a:lvl3pPr marL="566928" indent="-182880" algn="l" defTabSz="914400" rtl="0" eaLnBrk="1" latinLnBrk="0" hangingPunct="1">
-              <a:lnSpc>
-                <a:spcPct val="100000"/>
-              </a:lnSpc>
-              <a:spcBef>
-                <a:spcPts val="200"/>
-              </a:spcBef>
-              <a:spcAft>
-                <a:spcPts val="400"/>
-              </a:spcAft>
-              <a:buClrTx/>
-              <a:buFont typeface="Calibri" pitchFamily="34" charset="0"/>
-              <a:buChar char="◦"/>
-              <a:defRPr sz="1400" kern="1200">
-                <a:solidFill>
-                  <a:schemeClr val="tx1">
-                    <a:lumMod val="75000"/>
-                    <a:lumOff val="25000"/>
-                  </a:schemeClr>
-                </a:solidFill>
-                <a:latin typeface="+mn-lt"/>
-                <a:ea typeface="+mn-ea"/>
-                <a:cs typeface="+mn-cs"/>
-              </a:defRPr>
-            </a:lvl3pPr>
-            <a:lvl4pPr marL="749808" indent="-182880" algn="l" defTabSz="914400" rtl="0" eaLnBrk="1" latinLnBrk="0" hangingPunct="1">
-              <a:lnSpc>
-                <a:spcPct val="100000"/>
-              </a:lnSpc>
-              <a:spcBef>
-                <a:spcPts val="200"/>
-              </a:spcBef>
-              <a:spcAft>
-                <a:spcPts val="400"/>
-              </a:spcAft>
-              <a:buClrTx/>
-              <a:buFont typeface="Calibri" pitchFamily="34" charset="0"/>
-              <a:buChar char="◦"/>
-              <a:defRPr sz="1400" kern="1200">
-                <a:solidFill>
-                  <a:schemeClr val="tx1">
-                    <a:lumMod val="75000"/>
-                    <a:lumOff val="25000"/>
-                  </a:schemeClr>
-                </a:solidFill>
-                <a:latin typeface="+mn-lt"/>
-                <a:ea typeface="+mn-ea"/>
-                <a:cs typeface="+mn-cs"/>
-              </a:defRPr>
-            </a:lvl4pPr>
-            <a:lvl5pPr marL="932688" indent="-182880" algn="l" defTabSz="914400" rtl="0" eaLnBrk="1" latinLnBrk="0" hangingPunct="1">
-              <a:lnSpc>
-                <a:spcPct val="100000"/>
-              </a:lnSpc>
-              <a:spcBef>
-                <a:spcPts val="200"/>
-              </a:spcBef>
-              <a:spcAft>
-                <a:spcPts val="400"/>
-              </a:spcAft>
-              <a:buClrTx/>
-              <a:buFont typeface="Calibri" pitchFamily="34" charset="0"/>
-              <a:buChar char="◦"/>
-              <a:defRPr sz="1400" kern="1200">
-                <a:solidFill>
-                  <a:schemeClr val="tx1">
-                    <a:lumMod val="75000"/>
-                    <a:lumOff val="25000"/>
-                  </a:schemeClr>
-                </a:solidFill>
-                <a:latin typeface="+mn-lt"/>
-                <a:ea typeface="+mn-ea"/>
-                <a:cs typeface="+mn-cs"/>
-              </a:defRPr>
-            </a:lvl5pPr>
-            <a:lvl6pPr marL="1100000" indent="-228600" algn="l" defTabSz="914400" rtl="0" eaLnBrk="1" latinLnBrk="0" hangingPunct="1">
-              <a:lnSpc>
-                <a:spcPct val="90000"/>
-              </a:lnSpc>
-              <a:spcBef>
-                <a:spcPts val="200"/>
-              </a:spcBef>
-              <a:spcAft>
-                <a:spcPts val="400"/>
-              </a:spcAft>
-              <a:buClr>
-                <a:schemeClr val="accent1"/>
-              </a:buClr>
-              <a:buFont typeface="Calibri" pitchFamily="34" charset="0"/>
-              <a:buChar char="◦"/>
-              <a:defRPr sz="1400" kern="1200">
-                <a:solidFill>
-                  <a:schemeClr val="tx1">
-                    <a:lumMod val="75000"/>
-                    <a:lumOff val="25000"/>
-                  </a:schemeClr>
-                </a:solidFill>
-                <a:latin typeface="+mn-lt"/>
-                <a:ea typeface="+mn-ea"/>
-                <a:cs typeface="+mn-cs"/>
-              </a:defRPr>
-            </a:lvl6pPr>
-            <a:lvl7pPr marL="1300000" indent="-228600" algn="l" defTabSz="914400" rtl="0" eaLnBrk="1" latinLnBrk="0" hangingPunct="1">
-              <a:lnSpc>
-                <a:spcPct val="90000"/>
-              </a:lnSpc>
-              <a:spcBef>
-                <a:spcPts val="200"/>
-              </a:spcBef>
-              <a:spcAft>
-                <a:spcPts val="400"/>
-              </a:spcAft>
-              <a:buClr>
-                <a:schemeClr val="accent1"/>
-              </a:buClr>
-              <a:buFont typeface="Calibri" pitchFamily="34" charset="0"/>
-              <a:buChar char="◦"/>
-              <a:defRPr sz="1400" kern="1200">
-                <a:solidFill>
-                  <a:schemeClr val="tx1">
-                    <a:lumMod val="75000"/>
-                    <a:lumOff val="25000"/>
-                  </a:schemeClr>
-                </a:solidFill>
-                <a:latin typeface="+mn-lt"/>
-                <a:ea typeface="+mn-ea"/>
-                <a:cs typeface="+mn-cs"/>
-              </a:defRPr>
-            </a:lvl7pPr>
-            <a:lvl8pPr marL="1500000" indent="-228600" algn="l" defTabSz="914400" rtl="0" eaLnBrk="1" latinLnBrk="0" hangingPunct="1">
-              <a:lnSpc>
-                <a:spcPct val="90000"/>
-              </a:lnSpc>
-              <a:spcBef>
-                <a:spcPts val="200"/>
-              </a:spcBef>
-              <a:spcAft>
-                <a:spcPts val="400"/>
-              </a:spcAft>
-              <a:buClr>
-                <a:schemeClr val="accent1"/>
-              </a:buClr>
-              <a:buFont typeface="Calibri" pitchFamily="34" charset="0"/>
-              <a:buChar char="◦"/>
-              <a:defRPr sz="1400" kern="1200">
-                <a:solidFill>
-                  <a:schemeClr val="tx1">
-                    <a:lumMod val="75000"/>
-                    <a:lumOff val="25000"/>
-                  </a:schemeClr>
-                </a:solidFill>
-                <a:latin typeface="+mn-lt"/>
-                <a:ea typeface="+mn-ea"/>
-                <a:cs typeface="+mn-cs"/>
-              </a:defRPr>
-            </a:lvl8pPr>
-            <a:lvl9pPr marL="1700000" indent="-228600" algn="l" defTabSz="914400" rtl="0" eaLnBrk="1" latinLnBrk="0" hangingPunct="1">
-              <a:lnSpc>
-                <a:spcPct val="90000"/>
-              </a:lnSpc>
-              <a:spcBef>
-                <a:spcPts val="200"/>
-              </a:spcBef>
-              <a:spcAft>
-                <a:spcPts val="400"/>
-              </a:spcAft>
-              <a:buClr>
-                <a:schemeClr val="accent1"/>
-              </a:buClr>
-              <a:buFont typeface="Calibri" pitchFamily="34" charset="0"/>
-              <a:buChar char="◦"/>
-              <a:defRPr sz="1400" kern="1200">
-                <a:solidFill>
-                  <a:schemeClr val="tx1">
-                    <a:lumMod val="75000"/>
-                    <a:lumOff val="25000"/>
-                  </a:schemeClr>
-                </a:solidFill>
-                <a:latin typeface="+mn-lt"/>
-                <a:ea typeface="+mn-ea"/>
-                <a:cs typeface="+mn-cs"/>
-              </a:defRPr>
-            </a:lvl9pPr>
-          </a:lstStyle>
-          <a:p>
-            <a:pPr>
-              <a:buFont typeface="Wingdings" panose="05000000000000000000" pitchFamily="2" charset="2"/>
-              <a:buChar char="q"/>
-            </a:pPr>
-            <a:endParaRPr lang="en-US" dirty="0"/>
-          </a:p>
-        </p:txBody>
-      </p:sp>
-      <p:grpSp>
-        <p:nvGrpSpPr>
-          <p:cNvPr id="20" name="Group 19">
-            <a:extLst>
-              <a:ext uri="{FF2B5EF4-FFF2-40B4-BE49-F238E27FC236}">
-                <a16:creationId xmlns:a16="http://schemas.microsoft.com/office/drawing/2014/main" id="{CD2F73BB-E426-21E4-8267-A5D4B54718CD}"/>
-              </a:ext>
-            </a:extLst>
-          </p:cNvPr>
-          <p:cNvGrpSpPr/>
-          <p:nvPr/>
-        </p:nvGrpSpPr>
-        <p:grpSpPr>
-          <a:xfrm>
-            <a:off x="1146094" y="1342307"/>
-            <a:ext cx="10093406" cy="4467943"/>
-            <a:chOff x="1802920" y="1429019"/>
-            <a:chExt cx="8980033" cy="3714302"/>
-          </a:xfrm>
-        </p:grpSpPr>
-        <p:pic>
-          <p:nvPicPr>
-            <p:cNvPr id="10" name="Picture 9">
-              <a:extLst>
-                <a:ext uri="{FF2B5EF4-FFF2-40B4-BE49-F238E27FC236}">
-                  <a16:creationId xmlns:a16="http://schemas.microsoft.com/office/drawing/2014/main" id="{2992B4EF-4FBD-AAFE-BFF1-F263DE050201}"/>
-                </a:ext>
-              </a:extLst>
-            </p:cNvPr>
-            <p:cNvPicPr>
-              <a:picLocks noChangeAspect="1"/>
-            </p:cNvPicPr>
-            <p:nvPr/>
-          </p:nvPicPr>
-          <p:blipFill>
-            <a:blip r:embed="rId3"/>
-            <a:stretch>
-              <a:fillRect/>
-            </a:stretch>
-          </p:blipFill>
-          <p:spPr>
-            <a:xfrm>
-              <a:off x="1802920" y="1429019"/>
-              <a:ext cx="8980033" cy="3714302"/>
-            </a:xfrm>
-            <a:prstGeom prst="rect">
-              <a:avLst/>
-            </a:prstGeom>
-            <a:ln>
-              <a:noFill/>
-            </a:ln>
-            <a:effectLst>
-              <a:outerShdw blurRad="292100" dist="139700" dir="2700000" algn="tl" rotWithShape="0">
-                <a:srgbClr val="333333">
-                  <a:alpha val="65000"/>
-                </a:srgbClr>
-              </a:outerShdw>
-            </a:effectLst>
-          </p:spPr>
-        </p:pic>
-        <p:cxnSp>
-          <p:nvCxnSpPr>
-            <p:cNvPr id="3" name="Straight Arrow Connector 2">
-              <a:extLst>
-                <a:ext uri="{FF2B5EF4-FFF2-40B4-BE49-F238E27FC236}">
-                  <a16:creationId xmlns:a16="http://schemas.microsoft.com/office/drawing/2014/main" id="{A3738540-08D7-E13F-5A89-B4C1DC76979E}"/>
-                </a:ext>
-              </a:extLst>
-            </p:cNvPr>
-            <p:cNvCxnSpPr>
-              <a:cxnSpLocks/>
-            </p:cNvCxnSpPr>
-            <p:nvPr/>
-          </p:nvCxnSpPr>
-          <p:spPr>
-            <a:xfrm>
-              <a:off x="6724650" y="1875436"/>
-              <a:ext cx="2438400" cy="2020289"/>
-            </a:xfrm>
-            <a:prstGeom prst="straightConnector1">
-              <a:avLst/>
-            </a:prstGeom>
-            <a:ln w="12700">
-              <a:solidFill>
-                <a:schemeClr val="tx1"/>
-              </a:solidFill>
-              <a:headEnd type="triangle"/>
-              <a:tailEnd type="triangle"/>
-            </a:ln>
-          </p:spPr>
-          <p:style>
-            <a:lnRef idx="1">
-              <a:schemeClr val="accent1"/>
-            </a:lnRef>
-            <a:fillRef idx="0">
-              <a:schemeClr val="accent1"/>
-            </a:fillRef>
-            <a:effectRef idx="0">
-              <a:schemeClr val="accent1"/>
-            </a:effectRef>
-            <a:fontRef idx="minor">
-              <a:schemeClr val="tx1"/>
-            </a:fontRef>
-          </p:style>
-        </p:cxnSp>
-        <p:sp>
-          <p:nvSpPr>
-            <p:cNvPr id="11" name="TextBox 10">
-              <a:extLst>
-                <a:ext uri="{FF2B5EF4-FFF2-40B4-BE49-F238E27FC236}">
-                  <a16:creationId xmlns:a16="http://schemas.microsoft.com/office/drawing/2014/main" id="{6369790F-3738-AB2A-778B-E2FEDFF58C7D}"/>
-                </a:ext>
-              </a:extLst>
-            </p:cNvPr>
-            <p:cNvSpPr txBox="1"/>
-            <p:nvPr/>
-          </p:nvSpPr>
-          <p:spPr>
-            <a:xfrm rot="2504188">
-              <a:off x="7409193" y="2586589"/>
-              <a:ext cx="1348352" cy="338554"/>
-            </a:xfrm>
-            <a:prstGeom prst="rect">
-              <a:avLst/>
-            </a:prstGeom>
-            <a:noFill/>
-          </p:spPr>
-          <p:txBody>
-            <a:bodyPr wrap="square" rtlCol="0">
-              <a:spAutoFit/>
-            </a:bodyPr>
-            <a:lstStyle/>
-            <a:p>
-              <a:pPr algn="ctr"/>
-              <a:r>
-                <a:rPr lang="en-US" sz="1600" dirty="0">
-                  <a:solidFill>
-                    <a:srgbClr val="FF0000"/>
-                  </a:solidFill>
-                  <a:latin typeface="Din"/>
-                </a:rPr>
-                <a:t>-68%</a:t>
-              </a:r>
-            </a:p>
-          </p:txBody>
-        </p:sp>
-        <p:cxnSp>
-          <p:nvCxnSpPr>
-            <p:cNvPr id="12" name="Straight Arrow Connector 11">
-              <a:extLst>
-                <a:ext uri="{FF2B5EF4-FFF2-40B4-BE49-F238E27FC236}">
-                  <a16:creationId xmlns:a16="http://schemas.microsoft.com/office/drawing/2014/main" id="{55EDEF0D-8FFA-2295-995A-0600A2DD63C0}"/>
-                </a:ext>
-              </a:extLst>
-            </p:cNvPr>
-            <p:cNvCxnSpPr>
-              <a:cxnSpLocks/>
-            </p:cNvCxnSpPr>
-            <p:nvPr/>
-          </p:nvCxnSpPr>
-          <p:spPr>
-            <a:xfrm flipV="1">
-              <a:off x="9239249" y="3309413"/>
-              <a:ext cx="1178081" cy="586312"/>
-            </a:xfrm>
-            <a:prstGeom prst="straightConnector1">
-              <a:avLst/>
-            </a:prstGeom>
-            <a:ln w="12700">
-              <a:solidFill>
-                <a:schemeClr val="tx1"/>
-              </a:solidFill>
-              <a:headEnd type="triangle"/>
-              <a:tailEnd type="triangle"/>
-            </a:ln>
-          </p:spPr>
-          <p:style>
-            <a:lnRef idx="1">
-              <a:schemeClr val="accent1"/>
-            </a:lnRef>
-            <a:fillRef idx="0">
-              <a:schemeClr val="accent1"/>
-            </a:fillRef>
-            <a:effectRef idx="0">
-              <a:schemeClr val="accent1"/>
-            </a:effectRef>
-            <a:fontRef idx="minor">
-              <a:schemeClr val="tx1"/>
-            </a:fontRef>
-          </p:style>
-        </p:cxnSp>
-        <p:sp>
-          <p:nvSpPr>
-            <p:cNvPr id="13" name="TextBox 12">
-              <a:extLst>
-                <a:ext uri="{FF2B5EF4-FFF2-40B4-BE49-F238E27FC236}">
-                  <a16:creationId xmlns:a16="http://schemas.microsoft.com/office/drawing/2014/main" id="{D0087ABD-7EA9-8ED4-1676-22F12537820E}"/>
-                </a:ext>
-              </a:extLst>
-            </p:cNvPr>
-            <p:cNvSpPr txBox="1"/>
-            <p:nvPr/>
-          </p:nvSpPr>
-          <p:spPr>
-            <a:xfrm rot="20066432">
-              <a:off x="9396487" y="3279218"/>
-              <a:ext cx="754267" cy="338554"/>
-            </a:xfrm>
-            <a:prstGeom prst="rect">
-              <a:avLst/>
-            </a:prstGeom>
-            <a:noFill/>
-          </p:spPr>
-          <p:txBody>
-            <a:bodyPr wrap="square" rtlCol="0">
-              <a:spAutoFit/>
-            </a:bodyPr>
-            <a:lstStyle/>
-            <a:p>
-              <a:pPr algn="ctr"/>
-              <a:r>
-                <a:rPr lang="en-US" sz="1600" dirty="0">
-                  <a:solidFill>
-                    <a:srgbClr val="00B050"/>
-                  </a:solidFill>
-                  <a:latin typeface="Din"/>
-                </a:rPr>
-                <a:t>+35%</a:t>
-              </a:r>
-            </a:p>
-          </p:txBody>
-        </p:sp>
-      </p:grpSp>
-    </p:spTree>
-    <p:extLst>
-      <p:ext uri="{BB962C8B-B14F-4D97-AF65-F5344CB8AC3E}">
-        <p14:creationId xmlns:p14="http://schemas.microsoft.com/office/powerpoint/2010/main" val="427303968"/>
-      </p:ext>
-    </p:extLst>
-  </p:cSld>
-  <p:clrMapOvr>
-    <a:masterClrMapping/>
-  </p:clrMapOvr>
-</p:sld>
-</file>
-
-<file path=ppt/slides/slide7.xml><?xml version="1.0" encoding="utf-8"?>
-<p:sld xmlns:a="http://schemas.openxmlformats.org/drawingml/2006/main" xmlns:r="http://schemas.openxmlformats.org/officeDocument/2006/relationships" xmlns:p="http://schemas.openxmlformats.org/presentationml/2006/main">
-  <p:cSld>
-    <p:spTree>
-      <p:nvGrpSpPr>
-        <p:cNvPr id="1" name=""/>
-        <p:cNvGrpSpPr/>
-        <p:nvPr/>
-      </p:nvGrpSpPr>
-      <p:grpSpPr>
-        <a:xfrm>
-          <a:off x="0" y="0"/>
-          <a:ext cx="0" cy="0"/>
-          <a:chOff x="0" y="0"/>
-          <a:chExt cx="0" cy="0"/>
-        </a:xfrm>
-      </p:grpSpPr>
-      <p:sp>
-        <p:nvSpPr>
-          <p:cNvPr id="2" name="Title 1">
-            <a:extLst>
-              <a:ext uri="{FF2B5EF4-FFF2-40B4-BE49-F238E27FC236}">
-                <a16:creationId xmlns:a16="http://schemas.microsoft.com/office/drawing/2014/main" id="{389FD03E-798E-4118-B7D4-3E85419647BA}"/>
-              </a:ext>
-            </a:extLst>
-          </p:cNvPr>
-          <p:cNvSpPr>
-            <a:spLocks noGrp="1"/>
-          </p:cNvSpPr>
-          <p:nvPr>
-            <p:ph type="title"/>
-          </p:nvPr>
-        </p:nvSpPr>
-        <p:spPr>
-          <a:xfrm>
-            <a:off x="413855" y="431815"/>
-            <a:ext cx="10452849" cy="910492"/>
-          </a:xfrm>
-        </p:spPr>
-        <p:txBody>
-          <a:bodyPr>
-            <a:normAutofit/>
-          </a:bodyPr>
-          <a:lstStyle/>
-          <a:p>
-            <a:r>
-              <a:rPr lang="en-US" sz="3600" dirty="0"/>
-              <a:t>Where are these people coming from?</a:t>
-            </a:r>
-          </a:p>
-        </p:txBody>
-      </p:sp>
-      <p:sp>
-        <p:nvSpPr>
-          <p:cNvPr id="13" name="Content Placeholder 9">
-            <a:extLst>
-              <a:ext uri="{FF2B5EF4-FFF2-40B4-BE49-F238E27FC236}">
-                <a16:creationId xmlns:a16="http://schemas.microsoft.com/office/drawing/2014/main" id="{DE88D141-B4E0-2E09-2547-F1C80C776CD0}"/>
-              </a:ext>
-            </a:extLst>
-          </p:cNvPr>
-          <p:cNvSpPr txBox="1">
-            <a:spLocks/>
-          </p:cNvSpPr>
-          <p:nvPr/>
-        </p:nvSpPr>
-        <p:spPr>
-          <a:xfrm>
-            <a:off x="465611" y="1601828"/>
-            <a:ext cx="3035432" cy="4409604"/>
-          </a:xfrm>
-          <a:prstGeom prst="rect">
-            <a:avLst/>
-          </a:prstGeom>
-        </p:spPr>
-        <p:txBody>
-          <a:bodyPr>
-            <a:normAutofit/>
-          </a:bodyPr>
-          <a:lstStyle>
-            <a:lvl1pPr marL="91440" indent="-91440" algn="l" defTabSz="914400" rtl="0" eaLnBrk="1" latinLnBrk="0" hangingPunct="1">
-              <a:lnSpc>
-                <a:spcPct val="100000"/>
-              </a:lnSpc>
-              <a:spcBef>
-                <a:spcPts val="1200"/>
-              </a:spcBef>
-              <a:spcAft>
-                <a:spcPts val="200"/>
-              </a:spcAft>
-              <a:buClr>
-                <a:schemeClr val="accent1"/>
-              </a:buClr>
-              <a:buSzPct val="100000"/>
-              <a:buFont typeface="Calibri" panose="020F0502020204030204" pitchFamily="34" charset="0"/>
-              <a:buChar char=" "/>
-              <a:defRPr sz="2000" kern="1200">
-                <a:solidFill>
-                  <a:schemeClr val="tx1">
-                    <a:lumMod val="75000"/>
-                    <a:lumOff val="25000"/>
-                  </a:schemeClr>
-                </a:solidFill>
-                <a:latin typeface="+mn-lt"/>
-                <a:ea typeface="+mn-ea"/>
-                <a:cs typeface="+mn-cs"/>
-              </a:defRPr>
-            </a:lvl1pPr>
-            <a:lvl2pPr marL="384048" indent="-182880" algn="l" defTabSz="914400" rtl="0" eaLnBrk="1" latinLnBrk="0" hangingPunct="1">
-              <a:lnSpc>
-                <a:spcPct val="100000"/>
-              </a:lnSpc>
-              <a:spcBef>
-                <a:spcPts val="200"/>
-              </a:spcBef>
-              <a:spcAft>
-                <a:spcPts val="400"/>
-              </a:spcAft>
-              <a:buClrTx/>
-              <a:buFont typeface="Calibri" pitchFamily="34" charset="0"/>
-              <a:buChar char="◦"/>
-              <a:defRPr sz="1800" kern="1200">
-                <a:solidFill>
-                  <a:schemeClr val="tx1">
-                    <a:lumMod val="75000"/>
-                    <a:lumOff val="25000"/>
-                  </a:schemeClr>
-                </a:solidFill>
-                <a:latin typeface="+mn-lt"/>
-                <a:ea typeface="+mn-ea"/>
-                <a:cs typeface="+mn-cs"/>
-              </a:defRPr>
-            </a:lvl2pPr>
-            <a:lvl3pPr marL="566928" indent="-182880" algn="l" defTabSz="914400" rtl="0" eaLnBrk="1" latinLnBrk="0" hangingPunct="1">
-              <a:lnSpc>
-                <a:spcPct val="100000"/>
-              </a:lnSpc>
-              <a:spcBef>
-                <a:spcPts val="200"/>
-              </a:spcBef>
-              <a:spcAft>
-                <a:spcPts val="400"/>
-              </a:spcAft>
-              <a:buClrTx/>
-              <a:buFont typeface="Calibri" pitchFamily="34" charset="0"/>
-              <a:buChar char="◦"/>
-              <a:defRPr sz="1400" kern="1200">
-                <a:solidFill>
-                  <a:schemeClr val="tx1">
-                    <a:lumMod val="75000"/>
-                    <a:lumOff val="25000"/>
-                  </a:schemeClr>
-                </a:solidFill>
-                <a:latin typeface="+mn-lt"/>
-                <a:ea typeface="+mn-ea"/>
-                <a:cs typeface="+mn-cs"/>
-              </a:defRPr>
-            </a:lvl3pPr>
-            <a:lvl4pPr marL="749808" indent="-182880" algn="l" defTabSz="914400" rtl="0" eaLnBrk="1" latinLnBrk="0" hangingPunct="1">
-              <a:lnSpc>
-                <a:spcPct val="100000"/>
-              </a:lnSpc>
-              <a:spcBef>
-                <a:spcPts val="200"/>
-              </a:spcBef>
-              <a:spcAft>
-                <a:spcPts val="400"/>
-              </a:spcAft>
-              <a:buClrTx/>
-              <a:buFont typeface="Calibri" pitchFamily="34" charset="0"/>
-              <a:buChar char="◦"/>
-              <a:defRPr sz="1400" kern="1200">
-                <a:solidFill>
-                  <a:schemeClr val="tx1">
-                    <a:lumMod val="75000"/>
-                    <a:lumOff val="25000"/>
-                  </a:schemeClr>
-                </a:solidFill>
-                <a:latin typeface="+mn-lt"/>
-                <a:ea typeface="+mn-ea"/>
-                <a:cs typeface="+mn-cs"/>
-              </a:defRPr>
-            </a:lvl4pPr>
-            <a:lvl5pPr marL="932688" indent="-182880" algn="l" defTabSz="914400" rtl="0" eaLnBrk="1" latinLnBrk="0" hangingPunct="1">
-              <a:lnSpc>
-                <a:spcPct val="100000"/>
-              </a:lnSpc>
-              <a:spcBef>
-                <a:spcPts val="200"/>
-              </a:spcBef>
-              <a:spcAft>
-                <a:spcPts val="400"/>
-              </a:spcAft>
-              <a:buClrTx/>
-              <a:buFont typeface="Calibri" pitchFamily="34" charset="0"/>
-              <a:buChar char="◦"/>
-              <a:defRPr sz="1400" kern="1200">
-                <a:solidFill>
-                  <a:schemeClr val="tx1">
-                    <a:lumMod val="75000"/>
-                    <a:lumOff val="25000"/>
-                  </a:schemeClr>
-                </a:solidFill>
-                <a:latin typeface="+mn-lt"/>
-                <a:ea typeface="+mn-ea"/>
-                <a:cs typeface="+mn-cs"/>
-              </a:defRPr>
-            </a:lvl5pPr>
-            <a:lvl6pPr marL="1100000" indent="-228600" algn="l" defTabSz="914400" rtl="0" eaLnBrk="1" latinLnBrk="0" hangingPunct="1">
-              <a:lnSpc>
-                <a:spcPct val="90000"/>
-              </a:lnSpc>
-              <a:spcBef>
-                <a:spcPts val="200"/>
-              </a:spcBef>
-              <a:spcAft>
-                <a:spcPts val="400"/>
-              </a:spcAft>
-              <a:buClr>
-                <a:schemeClr val="accent1"/>
-              </a:buClr>
-              <a:buFont typeface="Calibri" pitchFamily="34" charset="0"/>
-              <a:buChar char="◦"/>
-              <a:defRPr sz="1400" kern="1200">
-                <a:solidFill>
-                  <a:schemeClr val="tx1">
-                    <a:lumMod val="75000"/>
-                    <a:lumOff val="25000"/>
-                  </a:schemeClr>
-                </a:solidFill>
-                <a:latin typeface="+mn-lt"/>
-                <a:ea typeface="+mn-ea"/>
-                <a:cs typeface="+mn-cs"/>
-              </a:defRPr>
-            </a:lvl6pPr>
-            <a:lvl7pPr marL="1300000" indent="-228600" algn="l" defTabSz="914400" rtl="0" eaLnBrk="1" latinLnBrk="0" hangingPunct="1">
-              <a:lnSpc>
-                <a:spcPct val="90000"/>
-              </a:lnSpc>
-              <a:spcBef>
-                <a:spcPts val="200"/>
-              </a:spcBef>
-              <a:spcAft>
-                <a:spcPts val="400"/>
-              </a:spcAft>
-              <a:buClr>
-                <a:schemeClr val="accent1"/>
-              </a:buClr>
-              <a:buFont typeface="Calibri" pitchFamily="34" charset="0"/>
-              <a:buChar char="◦"/>
-              <a:defRPr sz="1400" kern="1200">
-                <a:solidFill>
-                  <a:schemeClr val="tx1">
-                    <a:lumMod val="75000"/>
-                    <a:lumOff val="25000"/>
-                  </a:schemeClr>
-                </a:solidFill>
-                <a:latin typeface="+mn-lt"/>
-                <a:ea typeface="+mn-ea"/>
-                <a:cs typeface="+mn-cs"/>
-              </a:defRPr>
-            </a:lvl7pPr>
-            <a:lvl8pPr marL="1500000" indent="-228600" algn="l" defTabSz="914400" rtl="0" eaLnBrk="1" latinLnBrk="0" hangingPunct="1">
-              <a:lnSpc>
-                <a:spcPct val="90000"/>
-              </a:lnSpc>
-              <a:spcBef>
-                <a:spcPts val="200"/>
-              </a:spcBef>
-              <a:spcAft>
-                <a:spcPts val="400"/>
-              </a:spcAft>
-              <a:buClr>
-                <a:schemeClr val="accent1"/>
-              </a:buClr>
-              <a:buFont typeface="Calibri" pitchFamily="34" charset="0"/>
-              <a:buChar char="◦"/>
-              <a:defRPr sz="1400" kern="1200">
-                <a:solidFill>
-                  <a:schemeClr val="tx1">
-                    <a:lumMod val="75000"/>
-                    <a:lumOff val="25000"/>
-                  </a:schemeClr>
-                </a:solidFill>
-                <a:latin typeface="+mn-lt"/>
-                <a:ea typeface="+mn-ea"/>
-                <a:cs typeface="+mn-cs"/>
-              </a:defRPr>
-            </a:lvl8pPr>
-            <a:lvl9pPr marL="1700000" indent="-228600" algn="l" defTabSz="914400" rtl="0" eaLnBrk="1" latinLnBrk="0" hangingPunct="1">
-              <a:lnSpc>
-                <a:spcPct val="90000"/>
-              </a:lnSpc>
-              <a:spcBef>
-                <a:spcPts val="200"/>
-              </a:spcBef>
-              <a:spcAft>
-                <a:spcPts val="400"/>
-              </a:spcAft>
-              <a:buClr>
-                <a:schemeClr val="accent1"/>
-              </a:buClr>
-              <a:buFont typeface="Calibri" pitchFamily="34" charset="0"/>
-              <a:buChar char="◦"/>
-              <a:defRPr sz="1400" kern="1200">
-                <a:solidFill>
-                  <a:schemeClr val="tx1">
-                    <a:lumMod val="75000"/>
-                    <a:lumOff val="25000"/>
-                  </a:schemeClr>
-                </a:solidFill>
-                <a:latin typeface="+mn-lt"/>
-                <a:ea typeface="+mn-ea"/>
-                <a:cs typeface="+mn-cs"/>
-              </a:defRPr>
-            </a:lvl9pPr>
-          </a:lstStyle>
-          <a:p>
-            <a:pPr>
-              <a:buFont typeface="Wingdings" panose="05000000000000000000" pitchFamily="2" charset="2"/>
-              <a:buChar char="q"/>
-            </a:pPr>
-            <a:r>
-              <a:rPr lang="en-US" dirty="0"/>
-              <a:t> 55% increase in people moving from another state </a:t>
-            </a:r>
-          </a:p>
-          <a:p>
-            <a:pPr>
-              <a:buFont typeface="Wingdings" panose="05000000000000000000" pitchFamily="2" charset="2"/>
-              <a:buChar char="q"/>
-            </a:pPr>
-            <a:r>
-              <a:rPr lang="en-US" dirty="0"/>
-              <a:t>People moving from abroad has remained relatively flat</a:t>
-            </a:r>
-          </a:p>
-          <a:p>
-            <a:pPr marL="0" indent="0">
-              <a:buNone/>
-            </a:pPr>
-            <a:endParaRPr lang="en-US" dirty="0"/>
-          </a:p>
-        </p:txBody>
-      </p:sp>
-      <p:pic>
-        <p:nvPicPr>
-          <p:cNvPr id="15" name="Picture 14">
-            <a:extLst>
-              <a:ext uri="{FF2B5EF4-FFF2-40B4-BE49-F238E27FC236}">
-                <a16:creationId xmlns:a16="http://schemas.microsoft.com/office/drawing/2014/main" id="{28A45521-A0F2-9E7A-5C98-5FF0C7326552}"/>
-              </a:ext>
-            </a:extLst>
-          </p:cNvPr>
-          <p:cNvPicPr>
-            <a:picLocks noChangeAspect="1"/>
-          </p:cNvPicPr>
-          <p:nvPr/>
-        </p:nvPicPr>
-        <p:blipFill>
-          <a:blip r:embed="rId2"/>
-          <a:stretch>
-            <a:fillRect/>
-          </a:stretch>
-        </p:blipFill>
-        <p:spPr>
-          <a:xfrm>
-            <a:off x="3473869" y="1210635"/>
-            <a:ext cx="8252520" cy="5060319"/>
-          </a:xfrm>
-          <a:prstGeom prst="rect">
-            <a:avLst/>
-          </a:prstGeom>
-          <a:ln>
-            <a:noFill/>
-          </a:ln>
-          <a:effectLst>
-            <a:outerShdw blurRad="292100" dist="139700" dir="2700000" algn="tl" rotWithShape="0">
-              <a:srgbClr val="333333">
-                <a:alpha val="65000"/>
-              </a:srgbClr>
-            </a:outerShdw>
-          </a:effectLst>
-        </p:spPr>
-      </p:pic>
-    </p:spTree>
-    <p:extLst>
-      <p:ext uri="{BB962C8B-B14F-4D97-AF65-F5344CB8AC3E}">
-        <p14:creationId xmlns:p14="http://schemas.microsoft.com/office/powerpoint/2010/main" val="64032788"/>
-      </p:ext>
-    </p:extLst>
-  </p:cSld>
-  <p:clrMapOvr>
-    <a:masterClrMapping/>
-  </p:clrMapOvr>
-</p:sld>
-</file>
-
-<file path=ppt/slides/slide8.xml><?xml version="1.0" encoding="utf-8"?>
-<p:sld xmlns:a="http://schemas.openxmlformats.org/drawingml/2006/main" xmlns:r="http://schemas.openxmlformats.org/officeDocument/2006/relationships" xmlns:p="http://schemas.openxmlformats.org/presentationml/2006/main">
-  <p:cSld>
-    <p:spTree>
-      <p:nvGrpSpPr>
-        <p:cNvPr id="1" name=""/>
-        <p:cNvGrpSpPr/>
-        <p:nvPr/>
-      </p:nvGrpSpPr>
-      <p:grpSpPr>
-        <a:xfrm>
-          <a:off x="0" y="0"/>
-          <a:ext cx="0" cy="0"/>
-          <a:chOff x="0" y="0"/>
-          <a:chExt cx="0" cy="0"/>
-        </a:xfrm>
-      </p:grpSpPr>
-      <p:sp>
-        <p:nvSpPr>
-          <p:cNvPr id="2" name="Title 1">
-            <a:extLst>
-              <a:ext uri="{FF2B5EF4-FFF2-40B4-BE49-F238E27FC236}">
-                <a16:creationId xmlns:a16="http://schemas.microsoft.com/office/drawing/2014/main" id="{389FD03E-798E-4118-B7D4-3E85419647BA}"/>
-              </a:ext>
-            </a:extLst>
-          </p:cNvPr>
-          <p:cNvSpPr>
-            <a:spLocks noGrp="1"/>
-          </p:cNvSpPr>
-          <p:nvPr>
-            <p:ph type="title"/>
-          </p:nvPr>
-        </p:nvSpPr>
-        <p:spPr>
-          <a:xfrm>
-            <a:off x="413855" y="431815"/>
-            <a:ext cx="10452849" cy="910492"/>
-          </a:xfrm>
-        </p:spPr>
-        <p:txBody>
-          <a:bodyPr>
-            <a:normAutofit/>
-          </a:bodyPr>
-          <a:lstStyle/>
-          <a:p>
-            <a:r>
-              <a:rPr lang="en-US" sz="3600" dirty="0"/>
-              <a:t>Where are these people coming from?</a:t>
-            </a:r>
-          </a:p>
-        </p:txBody>
-      </p:sp>
-      <p:pic>
-        <p:nvPicPr>
-          <p:cNvPr id="4" name="Picture 3">
-            <a:extLst>
-              <a:ext uri="{FF2B5EF4-FFF2-40B4-BE49-F238E27FC236}">
-                <a16:creationId xmlns:a16="http://schemas.microsoft.com/office/drawing/2014/main" id="{B87D9DCA-73B8-0EEF-DA27-18BCABE51D94}"/>
-              </a:ext>
-            </a:extLst>
-          </p:cNvPr>
-          <p:cNvPicPr>
-            <a:picLocks noChangeAspect="1"/>
-          </p:cNvPicPr>
-          <p:nvPr/>
-        </p:nvPicPr>
-        <p:blipFill>
-          <a:blip r:embed="rId2"/>
-          <a:stretch>
-            <a:fillRect/>
-          </a:stretch>
-        </p:blipFill>
-        <p:spPr>
-          <a:xfrm>
-            <a:off x="1495097" y="1199071"/>
-            <a:ext cx="8915513" cy="5108634"/>
-          </a:xfrm>
-          <a:prstGeom prst="rect">
-            <a:avLst/>
-          </a:prstGeom>
-        </p:spPr>
-      </p:pic>
-    </p:spTree>
-    <p:extLst>
-      <p:ext uri="{BB962C8B-B14F-4D97-AF65-F5344CB8AC3E}">
-        <p14:creationId xmlns:p14="http://schemas.microsoft.com/office/powerpoint/2010/main" val="1197358724"/>
-      </p:ext>
-    </p:extLst>
-  </p:cSld>
-  <p:clrMapOvr>
-    <a:masterClrMapping/>
-  </p:clrMapOvr>
-</p:sld>
-</file>
-
-<file path=ppt/slides/slide9.xml><?xml version="1.0" encoding="utf-8"?>
-<p:sld xmlns:a="http://schemas.openxmlformats.org/drawingml/2006/main" xmlns:r="http://schemas.openxmlformats.org/officeDocument/2006/relationships" xmlns:p="http://schemas.openxmlformats.org/presentationml/2006/main">
-  <p:cSld>
-    <p:spTree>
-      <p:nvGrpSpPr>
-        <p:cNvPr id="1" name=""/>
-        <p:cNvGrpSpPr/>
-        <p:nvPr/>
-      </p:nvGrpSpPr>
-      <p:grpSpPr>
-        <a:xfrm>
-          <a:off x="0" y="0"/>
-          <a:ext cx="0" cy="0"/>
-          <a:chOff x="0" y="0"/>
-          <a:chExt cx="0" cy="0"/>
-        </a:xfrm>
-      </p:grpSpPr>
-      <p:sp>
-        <p:nvSpPr>
-          <p:cNvPr id="2" name="Title 1">
-            <a:extLst>
-              <a:ext uri="{FF2B5EF4-FFF2-40B4-BE49-F238E27FC236}">
-                <a16:creationId xmlns:a16="http://schemas.microsoft.com/office/drawing/2014/main" id="{389FD03E-798E-4118-B7D4-3E85419647BA}"/>
-              </a:ext>
-            </a:extLst>
-          </p:cNvPr>
-          <p:cNvSpPr>
-            <a:spLocks noGrp="1"/>
-          </p:cNvSpPr>
-          <p:nvPr>
-            <p:ph type="title"/>
-          </p:nvPr>
-        </p:nvSpPr>
-        <p:spPr>
-          <a:xfrm>
-            <a:off x="413855" y="262132"/>
-            <a:ext cx="10452849" cy="910492"/>
-          </a:xfrm>
-        </p:spPr>
-        <p:txBody>
-          <a:bodyPr>
-            <a:normAutofit/>
-          </a:bodyPr>
-          <a:lstStyle/>
-          <a:p>
-            <a:r>
-              <a:rPr lang="en-US" sz="3600" dirty="0"/>
-              <a:t>Where are these people coming from?</a:t>
-            </a:r>
-          </a:p>
-        </p:txBody>
-      </p:sp>
-      <p:pic>
-        <p:nvPicPr>
-          <p:cNvPr id="6" name="Picture 5">
-            <a:extLst>
-              <a:ext uri="{FF2B5EF4-FFF2-40B4-BE49-F238E27FC236}">
-                <a16:creationId xmlns:a16="http://schemas.microsoft.com/office/drawing/2014/main" id="{812632F2-983D-2EC6-82FF-8CF2DE8DCD15}"/>
-              </a:ext>
-            </a:extLst>
-          </p:cNvPr>
-          <p:cNvPicPr>
-            <a:picLocks noChangeAspect="1"/>
-          </p:cNvPicPr>
-          <p:nvPr/>
-        </p:nvPicPr>
-        <p:blipFill>
-          <a:blip r:embed="rId2"/>
-          <a:stretch>
-            <a:fillRect/>
-          </a:stretch>
-        </p:blipFill>
-        <p:spPr>
-          <a:xfrm>
-            <a:off x="1464297" y="995566"/>
-            <a:ext cx="9402407" cy="5289293"/>
-          </a:xfrm>
-          <a:prstGeom prst="rect">
-            <a:avLst/>
-          </a:prstGeom>
-          <a:ln>
-            <a:noFill/>
-          </a:ln>
-          <a:effectLst>
-            <a:outerShdw blurRad="292100" dist="139700" dir="2700000" algn="tl" rotWithShape="0">
-              <a:srgbClr val="333333">
-                <a:alpha val="65000"/>
-              </a:srgbClr>
-            </a:outerShdw>
-          </a:effectLst>
-        </p:spPr>
-      </p:pic>
-    </p:spTree>
-    <p:extLst>
-      <p:ext uri="{BB962C8B-B14F-4D97-AF65-F5344CB8AC3E}">
-        <p14:creationId xmlns:p14="http://schemas.microsoft.com/office/powerpoint/2010/main" val="2971247682"/>
       </p:ext>
     </p:extLst>
   </p:cSld>
